--- a/Presentations/Dissertation Proposal Short PresentationV2 08-28-24.pptx
+++ b/Presentations/Dissertation Proposal Short PresentationV2 08-28-24.pptx
@@ -5,7 +5,7 @@
     <p:sldMasterId id="2147483720" r:id="rId1"/>
   </p:sldMasterIdLst>
   <p:notesMasterIdLst>
-    <p:notesMasterId r:id="rId39"/>
+    <p:notesMasterId r:id="rId43"/>
   </p:notesMasterIdLst>
   <p:sldIdLst>
     <p:sldId id="256" r:id="rId2"/>
@@ -15,36 +15,40 @@
     <p:sldId id="276" r:id="rId6"/>
     <p:sldId id="261" r:id="rId7"/>
     <p:sldId id="278" r:id="rId8"/>
-    <p:sldId id="271" r:id="rId9"/>
-    <p:sldId id="279" r:id="rId10"/>
-    <p:sldId id="280" r:id="rId11"/>
-    <p:sldId id="281" r:id="rId12"/>
-    <p:sldId id="282" r:id="rId13"/>
-    <p:sldId id="284" r:id="rId14"/>
-    <p:sldId id="283" r:id="rId15"/>
+    <p:sldId id="316" r:id="rId9"/>
+    <p:sldId id="271" r:id="rId10"/>
+    <p:sldId id="279" r:id="rId11"/>
+    <p:sldId id="280" r:id="rId12"/>
+    <p:sldId id="281" r:id="rId13"/>
+    <p:sldId id="282" r:id="rId14"/>
+    <p:sldId id="284" r:id="rId15"/>
     <p:sldId id="285" r:id="rId16"/>
-    <p:sldId id="286" r:id="rId17"/>
-    <p:sldId id="287" r:id="rId18"/>
-    <p:sldId id="288" r:id="rId19"/>
-    <p:sldId id="289" r:id="rId20"/>
-    <p:sldId id="290" r:id="rId21"/>
-    <p:sldId id="291" r:id="rId22"/>
-    <p:sldId id="292" r:id="rId23"/>
-    <p:sldId id="293" r:id="rId24"/>
-    <p:sldId id="294" r:id="rId25"/>
-    <p:sldId id="304" r:id="rId26"/>
-    <p:sldId id="295" r:id="rId27"/>
-    <p:sldId id="296" r:id="rId28"/>
-    <p:sldId id="297" r:id="rId29"/>
-    <p:sldId id="298" r:id="rId30"/>
-    <p:sldId id="299" r:id="rId31"/>
-    <p:sldId id="300" r:id="rId32"/>
-    <p:sldId id="301" r:id="rId33"/>
-    <p:sldId id="302" r:id="rId34"/>
-    <p:sldId id="303" r:id="rId35"/>
-    <p:sldId id="272" r:id="rId36"/>
-    <p:sldId id="273" r:id="rId37"/>
-    <p:sldId id="274" r:id="rId38"/>
+    <p:sldId id="283" r:id="rId17"/>
+    <p:sldId id="305" r:id="rId18"/>
+    <p:sldId id="295" r:id="rId19"/>
+    <p:sldId id="317" r:id="rId20"/>
+    <p:sldId id="296" r:id="rId21"/>
+    <p:sldId id="298" r:id="rId22"/>
+    <p:sldId id="306" r:id="rId23"/>
+    <p:sldId id="297" r:id="rId24"/>
+    <p:sldId id="307" r:id="rId25"/>
+    <p:sldId id="300" r:id="rId26"/>
+    <p:sldId id="301" r:id="rId27"/>
+    <p:sldId id="309" r:id="rId28"/>
+    <p:sldId id="310" r:id="rId29"/>
+    <p:sldId id="311" r:id="rId30"/>
+    <p:sldId id="302" r:id="rId31"/>
+    <p:sldId id="303" r:id="rId32"/>
+    <p:sldId id="308" r:id="rId33"/>
+    <p:sldId id="286" r:id="rId34"/>
+    <p:sldId id="318" r:id="rId35"/>
+    <p:sldId id="313" r:id="rId36"/>
+    <p:sldId id="289" r:id="rId37"/>
+    <p:sldId id="315" r:id="rId38"/>
+    <p:sldId id="288" r:id="rId39"/>
+    <p:sldId id="314" r:id="rId40"/>
+    <p:sldId id="291" r:id="rId41"/>
+    <p:sldId id="304" r:id="rId42"/>
   </p:sldIdLst>
   <p:sldSz cx="12192000" cy="6858000"/>
   <p:notesSz cx="6858000" cy="9144000"/>
@@ -233,7 +237,7 @@
           <a:p>
             <a:fld id="{71A20F81-5DFF-444F-B8C1-423F3088DB3D}" type="datetimeFigureOut">
               <a:rPr lang="en-US" smtClean="0"/>
-              <a:t>8/27/2024</a:t>
+              <a:t>8/28/2024</a:t>
             </a:fld>
             <a:endParaRPr lang="en-US"/>
           </a:p>
@@ -733,7 +737,7 @@
           <a:p>
             <a:fld id="{D4D91577-4789-46FD-BE71-8B4B9405DF5E}" type="slidenum">
               <a:rPr lang="en-US" smtClean="0"/>
-              <a:t>17</a:t>
+              <a:t>16</a:t>
             </a:fld>
             <a:endParaRPr lang="en-US"/>
           </a:p>
@@ -742,7 +746,7 @@
     </p:spTree>
     <p:extLst>
       <p:ext uri="{BB962C8B-B14F-4D97-AF65-F5344CB8AC3E}">
-        <p14:creationId xmlns:p14="http://schemas.microsoft.com/office/powerpoint/2010/main" val="3110497911"/>
+        <p14:creationId xmlns:p14="http://schemas.microsoft.com/office/powerpoint/2010/main" val="3008718806"/>
       </p:ext>
     </p:extLst>
   </p:cSld>
@@ -817,7 +821,7 @@
           <a:p>
             <a:fld id="{D4D91577-4789-46FD-BE71-8B4B9405DF5E}" type="slidenum">
               <a:rPr lang="en-US" smtClean="0"/>
-              <a:t>18</a:t>
+              <a:t>17</a:t>
             </a:fld>
             <a:endParaRPr lang="en-US"/>
           </a:p>
@@ -826,7 +830,7 @@
     </p:spTree>
     <p:extLst>
       <p:ext uri="{BB962C8B-B14F-4D97-AF65-F5344CB8AC3E}">
-        <p14:creationId xmlns:p14="http://schemas.microsoft.com/office/powerpoint/2010/main" val="1220129693"/>
+        <p14:creationId xmlns:p14="http://schemas.microsoft.com/office/powerpoint/2010/main" val="65881916"/>
       </p:ext>
     </p:extLst>
   </p:cSld>
@@ -910,7 +914,7 @@
     </p:spTree>
     <p:extLst>
       <p:ext uri="{BB962C8B-B14F-4D97-AF65-F5344CB8AC3E}">
-        <p14:creationId xmlns:p14="http://schemas.microsoft.com/office/powerpoint/2010/main" val="2858511903"/>
+        <p14:creationId xmlns:p14="http://schemas.microsoft.com/office/powerpoint/2010/main" val="24032265"/>
       </p:ext>
     </p:extLst>
   </p:cSld>
@@ -994,7 +998,7 @@
     </p:spTree>
     <p:extLst>
       <p:ext uri="{BB962C8B-B14F-4D97-AF65-F5344CB8AC3E}">
-        <p14:creationId xmlns:p14="http://schemas.microsoft.com/office/powerpoint/2010/main" val="4286421221"/>
+        <p14:creationId xmlns:p14="http://schemas.microsoft.com/office/powerpoint/2010/main" val="2554196766"/>
       </p:ext>
     </p:extLst>
   </p:cSld>
@@ -1078,7 +1082,7 @@
     </p:spTree>
     <p:extLst>
       <p:ext uri="{BB962C8B-B14F-4D97-AF65-F5344CB8AC3E}">
-        <p14:creationId xmlns:p14="http://schemas.microsoft.com/office/powerpoint/2010/main" val="1651569379"/>
+        <p14:creationId xmlns:p14="http://schemas.microsoft.com/office/powerpoint/2010/main" val="235438133"/>
       </p:ext>
     </p:extLst>
   </p:cSld>
@@ -1162,7 +1166,7 @@
     </p:spTree>
     <p:extLst>
       <p:ext uri="{BB962C8B-B14F-4D97-AF65-F5344CB8AC3E}">
-        <p14:creationId xmlns:p14="http://schemas.microsoft.com/office/powerpoint/2010/main" val="2208717419"/>
+        <p14:creationId xmlns:p14="http://schemas.microsoft.com/office/powerpoint/2010/main" val="1641871069"/>
       </p:ext>
     </p:extLst>
   </p:cSld>
@@ -1246,7 +1250,7 @@
     </p:spTree>
     <p:extLst>
       <p:ext uri="{BB962C8B-B14F-4D97-AF65-F5344CB8AC3E}">
-        <p14:creationId xmlns:p14="http://schemas.microsoft.com/office/powerpoint/2010/main" val="3555048079"/>
+        <p14:creationId xmlns:p14="http://schemas.microsoft.com/office/powerpoint/2010/main" val="1407659388"/>
       </p:ext>
     </p:extLst>
   </p:cSld>
@@ -1330,7 +1334,7 @@
     </p:spTree>
     <p:extLst>
       <p:ext uri="{BB962C8B-B14F-4D97-AF65-F5344CB8AC3E}">
-        <p14:creationId xmlns:p14="http://schemas.microsoft.com/office/powerpoint/2010/main" val="4229510753"/>
+        <p14:creationId xmlns:p14="http://schemas.microsoft.com/office/powerpoint/2010/main" val="1059355571"/>
       </p:ext>
     </p:extLst>
   </p:cSld>
@@ -1414,7 +1418,7 @@
     </p:spTree>
     <p:extLst>
       <p:ext uri="{BB962C8B-B14F-4D97-AF65-F5344CB8AC3E}">
-        <p14:creationId xmlns:p14="http://schemas.microsoft.com/office/powerpoint/2010/main" val="470790030"/>
+        <p14:creationId xmlns:p14="http://schemas.microsoft.com/office/powerpoint/2010/main" val="3937518828"/>
       </p:ext>
     </p:extLst>
   </p:cSld>
@@ -1573,7 +1577,7 @@
           <a:p>
             <a:fld id="{D4D91577-4789-46FD-BE71-8B4B9405DF5E}" type="slidenum">
               <a:rPr lang="en-US" smtClean="0"/>
-              <a:t>27</a:t>
+              <a:t>26</a:t>
             </a:fld>
             <a:endParaRPr lang="en-US"/>
           </a:p>
@@ -1582,7 +1586,7 @@
     </p:spTree>
     <p:extLst>
       <p:ext uri="{BB962C8B-B14F-4D97-AF65-F5344CB8AC3E}">
-        <p14:creationId xmlns:p14="http://schemas.microsoft.com/office/powerpoint/2010/main" val="2554196766"/>
+        <p14:creationId xmlns:p14="http://schemas.microsoft.com/office/powerpoint/2010/main" val="3249791055"/>
       </p:ext>
     </p:extLst>
   </p:cSld>
@@ -1657,7 +1661,7 @@
           <a:p>
             <a:fld id="{D4D91577-4789-46FD-BE71-8B4B9405DF5E}" type="slidenum">
               <a:rPr lang="en-US" smtClean="0"/>
-              <a:t>28</a:t>
+              <a:t>27</a:t>
             </a:fld>
             <a:endParaRPr lang="en-US"/>
           </a:p>
@@ -1666,7 +1670,7 @@
     </p:spTree>
     <p:extLst>
       <p:ext uri="{BB962C8B-B14F-4D97-AF65-F5344CB8AC3E}">
-        <p14:creationId xmlns:p14="http://schemas.microsoft.com/office/powerpoint/2010/main" val="1407659388"/>
+        <p14:creationId xmlns:p14="http://schemas.microsoft.com/office/powerpoint/2010/main" val="404681050"/>
       </p:ext>
     </p:extLst>
   </p:cSld>
@@ -1741,7 +1745,7 @@
           <a:p>
             <a:fld id="{D4D91577-4789-46FD-BE71-8B4B9405DF5E}" type="slidenum">
               <a:rPr lang="en-US" smtClean="0"/>
-              <a:t>29</a:t>
+              <a:t>28</a:t>
             </a:fld>
             <a:endParaRPr lang="en-US"/>
           </a:p>
@@ -1750,7 +1754,7 @@
     </p:spTree>
     <p:extLst>
       <p:ext uri="{BB962C8B-B14F-4D97-AF65-F5344CB8AC3E}">
-        <p14:creationId xmlns:p14="http://schemas.microsoft.com/office/powerpoint/2010/main" val="235438133"/>
+        <p14:creationId xmlns:p14="http://schemas.microsoft.com/office/powerpoint/2010/main" val="746162934"/>
       </p:ext>
     </p:extLst>
   </p:cSld>
@@ -1825,7 +1829,7 @@
           <a:p>
             <a:fld id="{D4D91577-4789-46FD-BE71-8B4B9405DF5E}" type="slidenum">
               <a:rPr lang="en-US" smtClean="0"/>
-              <a:t>30</a:t>
+              <a:t>29</a:t>
             </a:fld>
             <a:endParaRPr lang="en-US"/>
           </a:p>
@@ -1834,7 +1838,7 @@
     </p:spTree>
     <p:extLst>
       <p:ext uri="{BB962C8B-B14F-4D97-AF65-F5344CB8AC3E}">
-        <p14:creationId xmlns:p14="http://schemas.microsoft.com/office/powerpoint/2010/main" val="160447351"/>
+        <p14:creationId xmlns:p14="http://schemas.microsoft.com/office/powerpoint/2010/main" val="2339210849"/>
       </p:ext>
     </p:extLst>
   </p:cSld>
@@ -1909,7 +1913,7 @@
           <a:p>
             <a:fld id="{D4D91577-4789-46FD-BE71-8B4B9405DF5E}" type="slidenum">
               <a:rPr lang="en-US" smtClean="0"/>
-              <a:t>31</a:t>
+              <a:t>30</a:t>
             </a:fld>
             <a:endParaRPr lang="en-US"/>
           </a:p>
@@ -1918,7 +1922,7 @@
     </p:spTree>
     <p:extLst>
       <p:ext uri="{BB962C8B-B14F-4D97-AF65-F5344CB8AC3E}">
-        <p14:creationId xmlns:p14="http://schemas.microsoft.com/office/powerpoint/2010/main" val="3937518828"/>
+        <p14:creationId xmlns:p14="http://schemas.microsoft.com/office/powerpoint/2010/main" val="2969859313"/>
       </p:ext>
     </p:extLst>
   </p:cSld>
@@ -1993,7 +1997,7 @@
           <a:p>
             <a:fld id="{D4D91577-4789-46FD-BE71-8B4B9405DF5E}" type="slidenum">
               <a:rPr lang="en-US" smtClean="0"/>
-              <a:t>32</a:t>
+              <a:t>31</a:t>
             </a:fld>
             <a:endParaRPr lang="en-US"/>
           </a:p>
@@ -2002,7 +2006,7 @@
     </p:spTree>
     <p:extLst>
       <p:ext uri="{BB962C8B-B14F-4D97-AF65-F5344CB8AC3E}">
-        <p14:creationId xmlns:p14="http://schemas.microsoft.com/office/powerpoint/2010/main" val="3249791055"/>
+        <p14:creationId xmlns:p14="http://schemas.microsoft.com/office/powerpoint/2010/main" val="490167744"/>
       </p:ext>
     </p:extLst>
   </p:cSld>
@@ -2077,7 +2081,7 @@
           <a:p>
             <a:fld id="{D4D91577-4789-46FD-BE71-8B4B9405DF5E}" type="slidenum">
               <a:rPr lang="en-US" smtClean="0"/>
-              <a:t>33</a:t>
+              <a:t>32</a:t>
             </a:fld>
             <a:endParaRPr lang="en-US"/>
           </a:p>
@@ -2086,7 +2090,7 @@
     </p:spTree>
     <p:extLst>
       <p:ext uri="{BB962C8B-B14F-4D97-AF65-F5344CB8AC3E}">
-        <p14:creationId xmlns:p14="http://schemas.microsoft.com/office/powerpoint/2010/main" val="2969859313"/>
+        <p14:creationId xmlns:p14="http://schemas.microsoft.com/office/powerpoint/2010/main" val="1890352530"/>
       </p:ext>
     </p:extLst>
   </p:cSld>
@@ -2170,7 +2174,7 @@
     </p:spTree>
     <p:extLst>
       <p:ext uri="{BB962C8B-B14F-4D97-AF65-F5344CB8AC3E}">
-        <p14:creationId xmlns:p14="http://schemas.microsoft.com/office/powerpoint/2010/main" val="490167744"/>
+        <p14:creationId xmlns:p14="http://schemas.microsoft.com/office/powerpoint/2010/main" val="1609382366"/>
       </p:ext>
     </p:extLst>
   </p:cSld>
@@ -2254,7 +2258,7 @@
     </p:spTree>
     <p:extLst>
       <p:ext uri="{BB962C8B-B14F-4D97-AF65-F5344CB8AC3E}">
-        <p14:creationId xmlns:p14="http://schemas.microsoft.com/office/powerpoint/2010/main" val="2213190923"/>
+        <p14:creationId xmlns:p14="http://schemas.microsoft.com/office/powerpoint/2010/main" val="1356321504"/>
       </p:ext>
     </p:extLst>
   </p:cSld>
@@ -2338,7 +2342,7 @@
     </p:spTree>
     <p:extLst>
       <p:ext uri="{BB962C8B-B14F-4D97-AF65-F5344CB8AC3E}">
-        <p14:creationId xmlns:p14="http://schemas.microsoft.com/office/powerpoint/2010/main" val="313676973"/>
+        <p14:creationId xmlns:p14="http://schemas.microsoft.com/office/powerpoint/2010/main" val="2858511903"/>
       </p:ext>
     </p:extLst>
   </p:cSld>
@@ -2422,7 +2426,7 @@
     </p:spTree>
     <p:extLst>
       <p:ext uri="{BB962C8B-B14F-4D97-AF65-F5344CB8AC3E}">
-        <p14:creationId xmlns:p14="http://schemas.microsoft.com/office/powerpoint/2010/main" val="2038382622"/>
+        <p14:creationId xmlns:p14="http://schemas.microsoft.com/office/powerpoint/2010/main" val="1830118205"/>
       </p:ext>
     </p:extLst>
   </p:cSld>
@@ -2506,7 +2510,343 @@
     </p:spTree>
     <p:extLst>
       <p:ext uri="{BB962C8B-B14F-4D97-AF65-F5344CB8AC3E}">
-        <p14:creationId xmlns:p14="http://schemas.microsoft.com/office/powerpoint/2010/main" val="330016289"/>
+        <p14:creationId xmlns:p14="http://schemas.microsoft.com/office/powerpoint/2010/main" val="4001744580"/>
+      </p:ext>
+    </p:extLst>
+  </p:cSld>
+  <p:clrMapOvr>
+    <a:masterClrMapping/>
+  </p:clrMapOvr>
+</p:notes>
+</file>
+
+<file path=ppt/notesSlides/notesSlide31.xml><?xml version="1.0" encoding="utf-8"?>
+<p:notes xmlns:a="http://schemas.openxmlformats.org/drawingml/2006/main" xmlns:r="http://schemas.openxmlformats.org/officeDocument/2006/relationships" xmlns:p="http://schemas.openxmlformats.org/presentationml/2006/main">
+  <p:cSld>
+    <p:spTree>
+      <p:nvGrpSpPr>
+        <p:cNvPr id="1" name=""/>
+        <p:cNvGrpSpPr/>
+        <p:nvPr/>
+      </p:nvGrpSpPr>
+      <p:grpSpPr>
+        <a:xfrm>
+          <a:off x="0" y="0"/>
+          <a:ext cx="0" cy="0"/>
+          <a:chOff x="0" y="0"/>
+          <a:chExt cx="0" cy="0"/>
+        </a:xfrm>
+      </p:grpSpPr>
+      <p:sp>
+        <p:nvSpPr>
+          <p:cNvPr id="2" name="Slide Image Placeholder 1"/>
+          <p:cNvSpPr>
+            <a:spLocks noGrp="1" noRot="1" noChangeAspect="1"/>
+          </p:cNvSpPr>
+          <p:nvPr>
+            <p:ph type="sldImg"/>
+          </p:nvPr>
+        </p:nvSpPr>
+        <p:spPr/>
+      </p:sp>
+      <p:sp>
+        <p:nvSpPr>
+          <p:cNvPr id="3" name="Notes Placeholder 2"/>
+          <p:cNvSpPr>
+            <a:spLocks noGrp="1"/>
+          </p:cNvSpPr>
+          <p:nvPr>
+            <p:ph type="body" idx="1"/>
+          </p:nvPr>
+        </p:nvSpPr>
+        <p:spPr/>
+        <p:txBody>
+          <a:bodyPr/>
+          <a:lstStyle/>
+          <a:p>
+            <a:endParaRPr lang="en-US" dirty="0"/>
+          </a:p>
+        </p:txBody>
+      </p:sp>
+      <p:sp>
+        <p:nvSpPr>
+          <p:cNvPr id="4" name="Slide Number Placeholder 3"/>
+          <p:cNvSpPr>
+            <a:spLocks noGrp="1"/>
+          </p:cNvSpPr>
+          <p:nvPr>
+            <p:ph type="sldNum" sz="quarter" idx="5"/>
+          </p:nvPr>
+        </p:nvSpPr>
+        <p:spPr/>
+        <p:txBody>
+          <a:bodyPr/>
+          <a:lstStyle/>
+          <a:p>
+            <a:fld id="{D4D91577-4789-46FD-BE71-8B4B9405DF5E}" type="slidenum">
+              <a:rPr lang="en-US" smtClean="0"/>
+              <a:t>38</a:t>
+            </a:fld>
+            <a:endParaRPr lang="en-US"/>
+          </a:p>
+        </p:txBody>
+      </p:sp>
+    </p:spTree>
+    <p:extLst>
+      <p:ext uri="{BB962C8B-B14F-4D97-AF65-F5344CB8AC3E}">
+        <p14:creationId xmlns:p14="http://schemas.microsoft.com/office/powerpoint/2010/main" val="4114780482"/>
+      </p:ext>
+    </p:extLst>
+  </p:cSld>
+  <p:clrMapOvr>
+    <a:masterClrMapping/>
+  </p:clrMapOvr>
+</p:notes>
+</file>
+
+<file path=ppt/notesSlides/notesSlide32.xml><?xml version="1.0" encoding="utf-8"?>
+<p:notes xmlns:a="http://schemas.openxmlformats.org/drawingml/2006/main" xmlns:r="http://schemas.openxmlformats.org/officeDocument/2006/relationships" xmlns:p="http://schemas.openxmlformats.org/presentationml/2006/main">
+  <p:cSld>
+    <p:spTree>
+      <p:nvGrpSpPr>
+        <p:cNvPr id="1" name=""/>
+        <p:cNvGrpSpPr/>
+        <p:nvPr/>
+      </p:nvGrpSpPr>
+      <p:grpSpPr>
+        <a:xfrm>
+          <a:off x="0" y="0"/>
+          <a:ext cx="0" cy="0"/>
+          <a:chOff x="0" y="0"/>
+          <a:chExt cx="0" cy="0"/>
+        </a:xfrm>
+      </p:grpSpPr>
+      <p:sp>
+        <p:nvSpPr>
+          <p:cNvPr id="2" name="Slide Image Placeholder 1"/>
+          <p:cNvSpPr>
+            <a:spLocks noGrp="1" noRot="1" noChangeAspect="1"/>
+          </p:cNvSpPr>
+          <p:nvPr>
+            <p:ph type="sldImg"/>
+          </p:nvPr>
+        </p:nvSpPr>
+        <p:spPr/>
+      </p:sp>
+      <p:sp>
+        <p:nvSpPr>
+          <p:cNvPr id="3" name="Notes Placeholder 2"/>
+          <p:cNvSpPr>
+            <a:spLocks noGrp="1"/>
+          </p:cNvSpPr>
+          <p:nvPr>
+            <p:ph type="body" idx="1"/>
+          </p:nvPr>
+        </p:nvSpPr>
+        <p:spPr/>
+        <p:txBody>
+          <a:bodyPr/>
+          <a:lstStyle/>
+          <a:p>
+            <a:endParaRPr lang="en-US" dirty="0"/>
+          </a:p>
+        </p:txBody>
+      </p:sp>
+      <p:sp>
+        <p:nvSpPr>
+          <p:cNvPr id="4" name="Slide Number Placeholder 3"/>
+          <p:cNvSpPr>
+            <a:spLocks noGrp="1"/>
+          </p:cNvSpPr>
+          <p:nvPr>
+            <p:ph type="sldNum" sz="quarter" idx="5"/>
+          </p:nvPr>
+        </p:nvSpPr>
+        <p:spPr/>
+        <p:txBody>
+          <a:bodyPr/>
+          <a:lstStyle/>
+          <a:p>
+            <a:fld id="{D4D91577-4789-46FD-BE71-8B4B9405DF5E}" type="slidenum">
+              <a:rPr lang="en-US" smtClean="0"/>
+              <a:t>39</a:t>
+            </a:fld>
+            <a:endParaRPr lang="en-US"/>
+          </a:p>
+        </p:txBody>
+      </p:sp>
+    </p:spTree>
+    <p:extLst>
+      <p:ext uri="{BB962C8B-B14F-4D97-AF65-F5344CB8AC3E}">
+        <p14:creationId xmlns:p14="http://schemas.microsoft.com/office/powerpoint/2010/main" val="2155720962"/>
+      </p:ext>
+    </p:extLst>
+  </p:cSld>
+  <p:clrMapOvr>
+    <a:masterClrMapping/>
+  </p:clrMapOvr>
+</p:notes>
+</file>
+
+<file path=ppt/notesSlides/notesSlide33.xml><?xml version="1.0" encoding="utf-8"?>
+<p:notes xmlns:a="http://schemas.openxmlformats.org/drawingml/2006/main" xmlns:r="http://schemas.openxmlformats.org/officeDocument/2006/relationships" xmlns:p="http://schemas.openxmlformats.org/presentationml/2006/main">
+  <p:cSld>
+    <p:spTree>
+      <p:nvGrpSpPr>
+        <p:cNvPr id="1" name=""/>
+        <p:cNvGrpSpPr/>
+        <p:nvPr/>
+      </p:nvGrpSpPr>
+      <p:grpSpPr>
+        <a:xfrm>
+          <a:off x="0" y="0"/>
+          <a:ext cx="0" cy="0"/>
+          <a:chOff x="0" y="0"/>
+          <a:chExt cx="0" cy="0"/>
+        </a:xfrm>
+      </p:grpSpPr>
+      <p:sp>
+        <p:nvSpPr>
+          <p:cNvPr id="2" name="Slide Image Placeholder 1"/>
+          <p:cNvSpPr>
+            <a:spLocks noGrp="1" noRot="1" noChangeAspect="1"/>
+          </p:cNvSpPr>
+          <p:nvPr>
+            <p:ph type="sldImg"/>
+          </p:nvPr>
+        </p:nvSpPr>
+        <p:spPr/>
+      </p:sp>
+      <p:sp>
+        <p:nvSpPr>
+          <p:cNvPr id="3" name="Notes Placeholder 2"/>
+          <p:cNvSpPr>
+            <a:spLocks noGrp="1"/>
+          </p:cNvSpPr>
+          <p:nvPr>
+            <p:ph type="body" idx="1"/>
+          </p:nvPr>
+        </p:nvSpPr>
+        <p:spPr/>
+        <p:txBody>
+          <a:bodyPr/>
+          <a:lstStyle/>
+          <a:p>
+            <a:endParaRPr lang="en-US" dirty="0"/>
+          </a:p>
+        </p:txBody>
+      </p:sp>
+      <p:sp>
+        <p:nvSpPr>
+          <p:cNvPr id="4" name="Slide Number Placeholder 3"/>
+          <p:cNvSpPr>
+            <a:spLocks noGrp="1"/>
+          </p:cNvSpPr>
+          <p:nvPr>
+            <p:ph type="sldNum" sz="quarter" idx="5"/>
+          </p:nvPr>
+        </p:nvSpPr>
+        <p:spPr/>
+        <p:txBody>
+          <a:bodyPr/>
+          <a:lstStyle/>
+          <a:p>
+            <a:fld id="{D4D91577-4789-46FD-BE71-8B4B9405DF5E}" type="slidenum">
+              <a:rPr lang="en-US" smtClean="0"/>
+              <a:t>40</a:t>
+            </a:fld>
+            <a:endParaRPr lang="en-US"/>
+          </a:p>
+        </p:txBody>
+      </p:sp>
+    </p:spTree>
+    <p:extLst>
+      <p:ext uri="{BB962C8B-B14F-4D97-AF65-F5344CB8AC3E}">
+        <p14:creationId xmlns:p14="http://schemas.microsoft.com/office/powerpoint/2010/main" val="1651569379"/>
+      </p:ext>
+    </p:extLst>
+  </p:cSld>
+  <p:clrMapOvr>
+    <a:masterClrMapping/>
+  </p:clrMapOvr>
+</p:notes>
+</file>
+
+<file path=ppt/notesSlides/notesSlide34.xml><?xml version="1.0" encoding="utf-8"?>
+<p:notes xmlns:a="http://schemas.openxmlformats.org/drawingml/2006/main" xmlns:r="http://schemas.openxmlformats.org/officeDocument/2006/relationships" xmlns:p="http://schemas.openxmlformats.org/presentationml/2006/main">
+  <p:cSld>
+    <p:spTree>
+      <p:nvGrpSpPr>
+        <p:cNvPr id="1" name=""/>
+        <p:cNvGrpSpPr/>
+        <p:nvPr/>
+      </p:nvGrpSpPr>
+      <p:grpSpPr>
+        <a:xfrm>
+          <a:off x="0" y="0"/>
+          <a:ext cx="0" cy="0"/>
+          <a:chOff x="0" y="0"/>
+          <a:chExt cx="0" cy="0"/>
+        </a:xfrm>
+      </p:grpSpPr>
+      <p:sp>
+        <p:nvSpPr>
+          <p:cNvPr id="2" name="Slide Image Placeholder 1"/>
+          <p:cNvSpPr>
+            <a:spLocks noGrp="1" noRot="1" noChangeAspect="1"/>
+          </p:cNvSpPr>
+          <p:nvPr>
+            <p:ph type="sldImg"/>
+          </p:nvPr>
+        </p:nvSpPr>
+        <p:spPr/>
+      </p:sp>
+      <p:sp>
+        <p:nvSpPr>
+          <p:cNvPr id="3" name="Notes Placeholder 2"/>
+          <p:cNvSpPr>
+            <a:spLocks noGrp="1"/>
+          </p:cNvSpPr>
+          <p:nvPr>
+            <p:ph type="body" idx="1"/>
+          </p:nvPr>
+        </p:nvSpPr>
+        <p:spPr/>
+        <p:txBody>
+          <a:bodyPr/>
+          <a:lstStyle/>
+          <a:p>
+            <a:endParaRPr lang="en-US" dirty="0"/>
+          </a:p>
+        </p:txBody>
+      </p:sp>
+      <p:sp>
+        <p:nvSpPr>
+          <p:cNvPr id="4" name="Slide Number Placeholder 3"/>
+          <p:cNvSpPr>
+            <a:spLocks noGrp="1"/>
+          </p:cNvSpPr>
+          <p:nvPr>
+            <p:ph type="sldNum" sz="quarter" idx="5"/>
+          </p:nvPr>
+        </p:nvSpPr>
+        <p:spPr/>
+        <p:txBody>
+          <a:bodyPr/>
+          <a:lstStyle/>
+          <a:p>
+            <a:fld id="{D4D91577-4789-46FD-BE71-8B4B9405DF5E}" type="slidenum">
+              <a:rPr lang="en-US" smtClean="0"/>
+              <a:t>41</a:t>
+            </a:fld>
+            <a:endParaRPr lang="en-US"/>
+          </a:p>
+        </p:txBody>
+      </p:sp>
+    </p:spTree>
+    <p:extLst>
+      <p:ext uri="{BB962C8B-B14F-4D97-AF65-F5344CB8AC3E}">
+        <p14:creationId xmlns:p14="http://schemas.microsoft.com/office/powerpoint/2010/main" val="470790030"/>
       </p:ext>
     </p:extLst>
   </p:cSld>
@@ -2590,7 +2930,7 @@
     </p:spTree>
     <p:extLst>
       <p:ext uri="{BB962C8B-B14F-4D97-AF65-F5344CB8AC3E}">
-        <p14:creationId xmlns:p14="http://schemas.microsoft.com/office/powerpoint/2010/main" val="1875334042"/>
+        <p14:creationId xmlns:p14="http://schemas.microsoft.com/office/powerpoint/2010/main" val="2038382622"/>
       </p:ext>
     </p:extLst>
   </p:cSld>
@@ -2674,7 +3014,7 @@
     </p:spTree>
     <p:extLst>
       <p:ext uri="{BB962C8B-B14F-4D97-AF65-F5344CB8AC3E}">
-        <p14:creationId xmlns:p14="http://schemas.microsoft.com/office/powerpoint/2010/main" val="3265507968"/>
+        <p14:creationId xmlns:p14="http://schemas.microsoft.com/office/powerpoint/2010/main" val="1875334042"/>
       </p:ext>
     </p:extLst>
   </p:cSld>
@@ -2758,7 +3098,7 @@
     </p:spTree>
     <p:extLst>
       <p:ext uri="{BB962C8B-B14F-4D97-AF65-F5344CB8AC3E}">
-        <p14:creationId xmlns:p14="http://schemas.microsoft.com/office/powerpoint/2010/main" val="3159774508"/>
+        <p14:creationId xmlns:p14="http://schemas.microsoft.com/office/powerpoint/2010/main" val="3265507968"/>
       </p:ext>
     </p:extLst>
   </p:cSld>
@@ -2842,7 +3182,7 @@
     </p:spTree>
     <p:extLst>
       <p:ext uri="{BB962C8B-B14F-4D97-AF65-F5344CB8AC3E}">
-        <p14:creationId xmlns:p14="http://schemas.microsoft.com/office/powerpoint/2010/main" val="3769218863"/>
+        <p14:creationId xmlns:p14="http://schemas.microsoft.com/office/powerpoint/2010/main" val="3159774508"/>
       </p:ext>
     </p:extLst>
   </p:cSld>
@@ -2926,7 +3266,7 @@
     </p:spTree>
     <p:extLst>
       <p:ext uri="{BB962C8B-B14F-4D97-AF65-F5344CB8AC3E}">
-        <p14:creationId xmlns:p14="http://schemas.microsoft.com/office/powerpoint/2010/main" val="2127318720"/>
+        <p14:creationId xmlns:p14="http://schemas.microsoft.com/office/powerpoint/2010/main" val="3769218863"/>
       </p:ext>
     </p:extLst>
   </p:cSld>
@@ -3010,7 +3350,7 @@
     </p:spTree>
     <p:extLst>
       <p:ext uri="{BB962C8B-B14F-4D97-AF65-F5344CB8AC3E}">
-        <p14:creationId xmlns:p14="http://schemas.microsoft.com/office/powerpoint/2010/main" val="3008718806"/>
+        <p14:creationId xmlns:p14="http://schemas.microsoft.com/office/powerpoint/2010/main" val="2127318720"/>
       </p:ext>
     </p:extLst>
   </p:cSld>
@@ -3188,7 +3528,7 @@
           <a:p>
             <a:fld id="{A8475C7E-A18D-4A37-80F0-92085AF4C701}" type="datetimeFigureOut">
               <a:rPr lang="en-US" smtClean="0"/>
-              <a:t>8/27/2024</a:t>
+              <a:t>8/28/2024</a:t>
             </a:fld>
             <a:endParaRPr lang="en-US"/>
           </a:p>
@@ -3416,7 +3756,7 @@
           <a:p>
             <a:fld id="{A8475C7E-A18D-4A37-80F0-92085AF4C701}" type="datetimeFigureOut">
               <a:rPr lang="en-US" smtClean="0"/>
-              <a:t>8/27/2024</a:t>
+              <a:t>8/28/2024</a:t>
             </a:fld>
             <a:endParaRPr lang="en-US"/>
           </a:p>
@@ -3596,7 +3936,7 @@
           <a:p>
             <a:fld id="{A8475C7E-A18D-4A37-80F0-92085AF4C701}" type="datetimeFigureOut">
               <a:rPr lang="en-US" smtClean="0"/>
-              <a:t>8/27/2024</a:t>
+              <a:t>8/28/2024</a:t>
             </a:fld>
             <a:endParaRPr lang="en-US"/>
           </a:p>
@@ -3766,7 +4106,7 @@
           <a:p>
             <a:fld id="{A8475C7E-A18D-4A37-80F0-92085AF4C701}" type="datetimeFigureOut">
               <a:rPr lang="en-US" smtClean="0"/>
-              <a:t>8/27/2024</a:t>
+              <a:t>8/28/2024</a:t>
             </a:fld>
             <a:endParaRPr lang="en-US"/>
           </a:p>
@@ -4020,7 +4360,7 @@
           <a:p>
             <a:fld id="{A8475C7E-A18D-4A37-80F0-92085AF4C701}" type="datetimeFigureOut">
               <a:rPr lang="en-US" smtClean="0"/>
-              <a:t>8/27/2024</a:t>
+              <a:t>8/28/2024</a:t>
             </a:fld>
             <a:endParaRPr lang="en-US"/>
           </a:p>
@@ -4346,7 +4686,7 @@
           <a:p>
             <a:fld id="{A8475C7E-A18D-4A37-80F0-92085AF4C701}" type="datetimeFigureOut">
               <a:rPr lang="en-US" smtClean="0"/>
-              <a:t>8/27/2024</a:t>
+              <a:t>8/28/2024</a:t>
             </a:fld>
             <a:endParaRPr lang="en-US"/>
           </a:p>
@@ -4797,7 +5137,7 @@
           <a:p>
             <a:fld id="{A8475C7E-A18D-4A37-80F0-92085AF4C701}" type="datetimeFigureOut">
               <a:rPr lang="en-US" smtClean="0"/>
-              <a:t>8/27/2024</a:t>
+              <a:t>8/28/2024</a:t>
             </a:fld>
             <a:endParaRPr lang="en-US"/>
           </a:p>
@@ -4915,7 +5255,7 @@
           <a:p>
             <a:fld id="{A8475C7E-A18D-4A37-80F0-92085AF4C701}" type="datetimeFigureOut">
               <a:rPr lang="en-US" smtClean="0"/>
-              <a:t>8/27/2024</a:t>
+              <a:t>8/28/2024</a:t>
             </a:fld>
             <a:endParaRPr lang="en-US"/>
           </a:p>
@@ -5010,7 +5350,7 @@
           <a:p>
             <a:fld id="{A8475C7E-A18D-4A37-80F0-92085AF4C701}" type="datetimeFigureOut">
               <a:rPr lang="en-US" smtClean="0"/>
-              <a:t>8/27/2024</a:t>
+              <a:t>8/28/2024</a:t>
             </a:fld>
             <a:endParaRPr lang="en-US"/>
           </a:p>
@@ -5297,7 +5637,7 @@
           <a:p>
             <a:fld id="{A8475C7E-A18D-4A37-80F0-92085AF4C701}" type="datetimeFigureOut">
               <a:rPr lang="en-US" smtClean="0"/>
-              <a:t>8/27/2024</a:t>
+              <a:t>8/28/2024</a:t>
             </a:fld>
             <a:endParaRPr lang="en-US"/>
           </a:p>
@@ -5619,7 +5959,7 @@
           <a:p>
             <a:fld id="{A8475C7E-A18D-4A37-80F0-92085AF4C701}" type="datetimeFigureOut">
               <a:rPr lang="en-US" smtClean="0"/>
-              <a:t>8/27/2024</a:t>
+              <a:t>8/28/2024</a:t>
             </a:fld>
             <a:endParaRPr lang="en-US"/>
           </a:p>
@@ -5873,7 +6213,7 @@
           <a:p>
             <a:fld id="{A8475C7E-A18D-4A37-80F0-92085AF4C701}" type="datetimeFigureOut">
               <a:rPr lang="en-US" smtClean="0"/>
-              <a:t>8/27/2024</a:t>
+              <a:t>8/28/2024</a:t>
             </a:fld>
             <a:endParaRPr lang="en-US"/>
           </a:p>
@@ -6463,6 +6803,99 @@
             <p:ph type="title"/>
           </p:nvPr>
         </p:nvSpPr>
+        <p:spPr>
+          <a:xfrm>
+            <a:off x="1261872" y="0"/>
+            <a:ext cx="9692640" cy="1325562"/>
+          </a:xfrm>
+        </p:spPr>
+        <p:txBody>
+          <a:bodyPr/>
+          <a:lstStyle/>
+          <a:p>
+            <a:r>
+              <a:rPr lang="en-US" dirty="0"/>
+              <a:t>Method</a:t>
+            </a:r>
+          </a:p>
+        </p:txBody>
+      </p:sp>
+      <p:pic>
+        <p:nvPicPr>
+          <p:cNvPr id="11" name="Picture 10">
+            <a:extLst>
+              <a:ext uri="{FF2B5EF4-FFF2-40B4-BE49-F238E27FC236}">
+                <a16:creationId xmlns:a16="http://schemas.microsoft.com/office/drawing/2014/main" id="{DBB7970E-7D93-FB6E-1E86-B45634875A18}"/>
+              </a:ext>
+            </a:extLst>
+          </p:cNvPr>
+          <p:cNvPicPr>
+            <a:picLocks noChangeAspect="1"/>
+          </p:cNvPicPr>
+          <p:nvPr/>
+        </p:nvPicPr>
+        <p:blipFill>
+          <a:blip r:embed="rId3"/>
+          <a:stretch>
+            <a:fillRect/>
+          </a:stretch>
+        </p:blipFill>
+        <p:spPr>
+          <a:xfrm>
+            <a:off x="3353511" y="0"/>
+            <a:ext cx="5484977" cy="6858000"/>
+          </a:xfrm>
+          <a:prstGeom prst="rect">
+            <a:avLst/>
+          </a:prstGeom>
+        </p:spPr>
+      </p:pic>
+    </p:spTree>
+    <p:extLst>
+      <p:ext uri="{BB962C8B-B14F-4D97-AF65-F5344CB8AC3E}">
+        <p14:creationId xmlns:p14="http://schemas.microsoft.com/office/powerpoint/2010/main" val="675776602"/>
+      </p:ext>
+    </p:extLst>
+  </p:cSld>
+  <p:clrMapOvr>
+    <a:masterClrMapping/>
+  </p:clrMapOvr>
+</p:sld>
+</file>
+
+<file path=ppt/slides/slide11.xml><?xml version="1.0" encoding="utf-8"?>
+<p:sld xmlns:a="http://schemas.openxmlformats.org/drawingml/2006/main" xmlns:r="http://schemas.openxmlformats.org/officeDocument/2006/relationships" xmlns:p="http://schemas.openxmlformats.org/presentationml/2006/main">
+  <p:cSld>
+    <p:spTree>
+      <p:nvGrpSpPr>
+        <p:cNvPr id="1" name=""/>
+        <p:cNvGrpSpPr/>
+        <p:nvPr/>
+      </p:nvGrpSpPr>
+      <p:grpSpPr>
+        <a:xfrm>
+          <a:off x="0" y="0"/>
+          <a:ext cx="0" cy="0"/>
+          <a:chOff x="0" y="0"/>
+          <a:chExt cx="0" cy="0"/>
+        </a:xfrm>
+      </p:grpSpPr>
+      <p:sp>
+        <p:nvSpPr>
+          <p:cNvPr id="2" name="Title 1">
+            <a:extLst>
+              <a:ext uri="{FF2B5EF4-FFF2-40B4-BE49-F238E27FC236}">
+                <a16:creationId xmlns:a16="http://schemas.microsoft.com/office/drawing/2014/main" id="{97956EA8-71D0-976B-B830-A12A319D5324}"/>
+              </a:ext>
+            </a:extLst>
+          </p:cNvPr>
+          <p:cNvSpPr>
+            <a:spLocks noGrp="1"/>
+          </p:cNvSpPr>
+          <p:nvPr>
+            <p:ph type="title"/>
+          </p:nvPr>
+        </p:nvSpPr>
         <p:spPr/>
         <p:txBody>
           <a:bodyPr/>
@@ -6616,7 +7049,7 @@
 </p:sld>
 </file>
 
-<file path=ppt/slides/slide11.xml><?xml version="1.0" encoding="utf-8"?>
+<file path=ppt/slides/slide12.xml><?xml version="1.0" encoding="utf-8"?>
 <p:sld xmlns:a="http://schemas.openxmlformats.org/drawingml/2006/main" xmlns:r="http://schemas.openxmlformats.org/officeDocument/2006/relationships" xmlns:p="http://schemas.openxmlformats.org/presentationml/2006/main">
   <p:cSld>
     <p:spTree>
@@ -6708,7 +7141,7 @@
 </p:sld>
 </file>
 
-<file path=ppt/slides/slide12.xml><?xml version="1.0" encoding="utf-8"?>
+<file path=ppt/slides/slide13.xml><?xml version="1.0" encoding="utf-8"?>
 <p:sld xmlns:a="http://schemas.openxmlformats.org/drawingml/2006/main" xmlns:r="http://schemas.openxmlformats.org/officeDocument/2006/relationships" xmlns:p="http://schemas.openxmlformats.org/presentationml/2006/main">
   <p:cSld>
     <p:spTree>
@@ -6921,7 +7354,7 @@
 </p:sld>
 </file>
 
-<file path=ppt/slides/slide13.xml><?xml version="1.0" encoding="utf-8"?>
+<file path=ppt/slides/slide14.xml><?xml version="1.0" encoding="utf-8"?>
 <p:sld xmlns:a="http://schemas.openxmlformats.org/drawingml/2006/main" xmlns:r="http://schemas.openxmlformats.org/officeDocument/2006/relationships" xmlns:p="http://schemas.openxmlformats.org/presentationml/2006/main">
   <p:cSld>
     <p:spTree>
@@ -7074,159 +7507,6 @@
 </p:sld>
 </file>
 
-<file path=ppt/slides/slide14.xml><?xml version="1.0" encoding="utf-8"?>
-<p:sld xmlns:a="http://schemas.openxmlformats.org/drawingml/2006/main" xmlns:r="http://schemas.openxmlformats.org/officeDocument/2006/relationships" xmlns:p="http://schemas.openxmlformats.org/presentationml/2006/main">
-  <p:cSld>
-    <p:spTree>
-      <p:nvGrpSpPr>
-        <p:cNvPr id="1" name=""/>
-        <p:cNvGrpSpPr/>
-        <p:nvPr/>
-      </p:nvGrpSpPr>
-      <p:grpSpPr>
-        <a:xfrm>
-          <a:off x="0" y="0"/>
-          <a:ext cx="0" cy="0"/>
-          <a:chOff x="0" y="0"/>
-          <a:chExt cx="0" cy="0"/>
-        </a:xfrm>
-      </p:grpSpPr>
-      <p:sp>
-        <p:nvSpPr>
-          <p:cNvPr id="2" name="Title 1">
-            <a:extLst>
-              <a:ext uri="{FF2B5EF4-FFF2-40B4-BE49-F238E27FC236}">
-                <a16:creationId xmlns:a16="http://schemas.microsoft.com/office/drawing/2014/main" id="{97956EA8-71D0-976B-B830-A12A319D5324}"/>
-              </a:ext>
-            </a:extLst>
-          </p:cNvPr>
-          <p:cNvSpPr>
-            <a:spLocks noGrp="1"/>
-          </p:cNvSpPr>
-          <p:nvPr>
-            <p:ph type="title"/>
-          </p:nvPr>
-        </p:nvSpPr>
-        <p:spPr>
-          <a:xfrm>
-            <a:off x="139085" y="-580462"/>
-            <a:ext cx="9692640" cy="1325562"/>
-          </a:xfrm>
-        </p:spPr>
-        <p:txBody>
-          <a:bodyPr/>
-          <a:lstStyle/>
-          <a:p>
-            <a:r>
-              <a:rPr lang="en-US" dirty="0"/>
-              <a:t>Results</a:t>
-            </a:r>
-          </a:p>
-        </p:txBody>
-      </p:sp>
-      <p:sp>
-        <p:nvSpPr>
-          <p:cNvPr id="3" name="Content Placeholder 2">
-            <a:extLst>
-              <a:ext uri="{FF2B5EF4-FFF2-40B4-BE49-F238E27FC236}">
-                <a16:creationId xmlns:a16="http://schemas.microsoft.com/office/drawing/2014/main" id="{E57F8794-F05B-4F17-758E-5D3A98F310C7}"/>
-              </a:ext>
-            </a:extLst>
-          </p:cNvPr>
-          <p:cNvSpPr>
-            <a:spLocks noGrp="1"/>
-          </p:cNvSpPr>
-          <p:nvPr>
-            <p:ph idx="1"/>
-          </p:nvPr>
-        </p:nvSpPr>
-        <p:spPr>
-          <a:xfrm>
-            <a:off x="1261872" y="1491915"/>
-            <a:ext cx="8595360" cy="5029200"/>
-          </a:xfrm>
-        </p:spPr>
-        <p:txBody>
-          <a:bodyPr>
-            <a:normAutofit/>
-          </a:bodyPr>
-          <a:lstStyle/>
-          <a:p>
-            <a:pPr marL="274320" lvl="1" indent="0">
-              <a:buNone/>
-            </a:pPr>
-            <a:endParaRPr lang="en-US" sz="3000" dirty="0"/>
-          </a:p>
-          <a:p>
-            <a:endParaRPr lang="en-US" sz="2400" dirty="0"/>
-          </a:p>
-          <a:p>
-            <a:pPr marL="274320" lvl="1" indent="0">
-              <a:buNone/>
-            </a:pPr>
-            <a:endParaRPr lang="en-US" sz="2600" dirty="0"/>
-          </a:p>
-          <a:p>
-            <a:pPr lvl="1"/>
-            <a:endParaRPr lang="en-US" sz="3000" dirty="0"/>
-          </a:p>
-          <a:p>
-            <a:pPr lvl="1"/>
-            <a:endParaRPr lang="en-US" sz="3000" dirty="0"/>
-          </a:p>
-          <a:p>
-            <a:pPr lvl="1"/>
-            <a:endParaRPr lang="en-US" sz="2800" dirty="0"/>
-          </a:p>
-          <a:p>
-            <a:pPr lvl="1"/>
-            <a:endParaRPr lang="en-US" sz="3000" dirty="0"/>
-          </a:p>
-        </p:txBody>
-      </p:sp>
-      <p:pic>
-        <p:nvPicPr>
-          <p:cNvPr id="5" name="Picture 4">
-            <a:extLst>
-              <a:ext uri="{FF2B5EF4-FFF2-40B4-BE49-F238E27FC236}">
-                <a16:creationId xmlns:a16="http://schemas.microsoft.com/office/drawing/2014/main" id="{6E0D262E-E82E-2D6C-9F3F-CB8C4E8D172C}"/>
-              </a:ext>
-            </a:extLst>
-          </p:cNvPr>
-          <p:cNvPicPr>
-            <a:picLocks noChangeAspect="1"/>
-          </p:cNvPicPr>
-          <p:nvPr/>
-        </p:nvPicPr>
-        <p:blipFill>
-          <a:blip r:embed="rId3"/>
-          <a:stretch>
-            <a:fillRect/>
-          </a:stretch>
-        </p:blipFill>
-        <p:spPr>
-          <a:xfrm>
-            <a:off x="1430314" y="745100"/>
-            <a:ext cx="8780843" cy="6112900"/>
-          </a:xfrm>
-          <a:prstGeom prst="rect">
-            <a:avLst/>
-          </a:prstGeom>
-        </p:spPr>
-      </p:pic>
-    </p:spTree>
-    <p:extLst>
-      <p:ext uri="{BB962C8B-B14F-4D97-AF65-F5344CB8AC3E}">
-        <p14:creationId xmlns:p14="http://schemas.microsoft.com/office/powerpoint/2010/main" val="2031539559"/>
-      </p:ext>
-    </p:extLst>
-  </p:cSld>
-  <p:clrMapOvr>
-    <a:masterClrMapping/>
-  </p:clrMapOvr>
-</p:sld>
-</file>
-
 <file path=ppt/slides/slide15.xml><?xml version="1.0" encoding="utf-8"?>
 <p:sld xmlns:a="http://schemas.openxmlformats.org/drawingml/2006/main" xmlns:r="http://schemas.openxmlformats.org/officeDocument/2006/relationships" xmlns:p="http://schemas.openxmlformats.org/presentationml/2006/main">
   <p:cSld>
@@ -7339,10 +7619,10 @@
       </p:sp>
       <p:pic>
         <p:nvPicPr>
-          <p:cNvPr id="4" name="Picture 3">
+          <p:cNvPr id="8" name="Picture 7">
             <a:extLst>
               <a:ext uri="{FF2B5EF4-FFF2-40B4-BE49-F238E27FC236}">
-                <a16:creationId xmlns:a16="http://schemas.microsoft.com/office/drawing/2014/main" id="{30442081-DC6C-7115-67BC-1A359D4C45CD}"/>
+                <a16:creationId xmlns:a16="http://schemas.microsoft.com/office/drawing/2014/main" id="{D55EDCF6-3776-85DB-A71E-D74635D8B2BD}"/>
               </a:ext>
             </a:extLst>
           </p:cNvPr>
@@ -7352,15 +7632,21 @@
           <p:nvPr/>
         </p:nvPicPr>
         <p:blipFill>
-          <a:blip r:embed="rId3"/>
+          <a:blip r:embed="rId3">
+            <a:extLst>
+              <a:ext uri="{28A0092B-C50C-407E-A947-70E740481C1C}">
+                <a14:useLocalDpi xmlns:a14="http://schemas.microsoft.com/office/drawing/2010/main" val="0"/>
+              </a:ext>
+            </a:extLst>
+          </a:blip>
           <a:stretch>
             <a:fillRect/>
           </a:stretch>
         </p:blipFill>
         <p:spPr>
           <a:xfrm>
-            <a:off x="1170431" y="745100"/>
-            <a:ext cx="8780841" cy="6112899"/>
+            <a:off x="2015517" y="826806"/>
+            <a:ext cx="8658419" cy="6031194"/>
           </a:xfrm>
           <a:prstGeom prst="rect">
             <a:avLst/>
@@ -7402,7 +7688,7 @@
           <p:cNvPr id="2" name="Title 1">
             <a:extLst>
               <a:ext uri="{FF2B5EF4-FFF2-40B4-BE49-F238E27FC236}">
-                <a16:creationId xmlns:a16="http://schemas.microsoft.com/office/drawing/2014/main" id="{4EECF823-1C90-ED62-D7CF-5A4F1C756700}"/>
+                <a16:creationId xmlns:a16="http://schemas.microsoft.com/office/drawing/2014/main" id="{97956EA8-71D0-976B-B830-A12A319D5324}"/>
               </a:ext>
             </a:extLst>
           </p:cNvPr>
@@ -7410,27 +7696,32 @@
             <a:spLocks noGrp="1"/>
           </p:cNvSpPr>
           <p:nvPr>
-            <p:ph type="ctrTitle"/>
-          </p:nvPr>
-        </p:nvSpPr>
-        <p:spPr/>
+            <p:ph type="title"/>
+          </p:nvPr>
+        </p:nvSpPr>
+        <p:spPr>
+          <a:xfrm>
+            <a:off x="139085" y="-580462"/>
+            <a:ext cx="9692640" cy="1325562"/>
+          </a:xfrm>
+        </p:spPr>
         <p:txBody>
           <a:bodyPr/>
           <a:lstStyle/>
           <a:p>
             <a:r>
               <a:rPr lang="en-US" dirty="0"/>
-              <a:t>Study 1</a:t>
-            </a:r>
-          </a:p>
-        </p:txBody>
-      </p:sp>
-      <p:sp>
-        <p:nvSpPr>
-          <p:cNvPr id="3" name="Subtitle 2">
+              <a:t>Results</a:t>
+            </a:r>
+          </a:p>
+        </p:txBody>
+      </p:sp>
+      <p:sp>
+        <p:nvSpPr>
+          <p:cNvPr id="3" name="Content Placeholder 2">
             <a:extLst>
               <a:ext uri="{FF2B5EF4-FFF2-40B4-BE49-F238E27FC236}">
-                <a16:creationId xmlns:a16="http://schemas.microsoft.com/office/drawing/2014/main" id="{5D280F2B-933C-94BC-83C8-0BAA7B31F8E6}"/>
+                <a16:creationId xmlns:a16="http://schemas.microsoft.com/office/drawing/2014/main" id="{E57F8794-F05B-4F17-758E-5D3A98F310C7}"/>
               </a:ext>
             </a:extLst>
           </p:cNvPr>
@@ -7438,25 +7729,93 @@
             <a:spLocks noGrp="1"/>
           </p:cNvSpPr>
           <p:nvPr>
-            <p:ph type="subTitle" idx="1"/>
-          </p:nvPr>
-        </p:nvSpPr>
-        <p:spPr/>
-        <p:txBody>
-          <a:bodyPr/>
-          <a:lstStyle/>
-          <a:p>
-            <a:r>
-              <a:rPr lang="en-US" dirty="0"/>
-              <a:t>Social Memory and Recollection on Current and Past Issues</a:t>
-            </a:r>
-          </a:p>
-        </p:txBody>
-      </p:sp>
+            <p:ph idx="1"/>
+          </p:nvPr>
+        </p:nvSpPr>
+        <p:spPr>
+          <a:xfrm>
+            <a:off x="1261872" y="1491915"/>
+            <a:ext cx="8595360" cy="5029200"/>
+          </a:xfrm>
+        </p:spPr>
+        <p:txBody>
+          <a:bodyPr>
+            <a:normAutofit/>
+          </a:bodyPr>
+          <a:lstStyle/>
+          <a:p>
+            <a:pPr marL="274320" lvl="1" indent="0">
+              <a:buNone/>
+            </a:pPr>
+            <a:endParaRPr lang="en-US" sz="3000" dirty="0"/>
+          </a:p>
+          <a:p>
+            <a:endParaRPr lang="en-US" sz="2400" dirty="0"/>
+          </a:p>
+          <a:p>
+            <a:pPr marL="274320" lvl="1" indent="0">
+              <a:buNone/>
+            </a:pPr>
+            <a:endParaRPr lang="en-US" sz="2600" dirty="0"/>
+          </a:p>
+          <a:p>
+            <a:pPr lvl="1"/>
+            <a:endParaRPr lang="en-US" sz="3000" dirty="0"/>
+          </a:p>
+          <a:p>
+            <a:pPr lvl="1"/>
+            <a:endParaRPr lang="en-US" sz="3000" dirty="0"/>
+          </a:p>
+          <a:p>
+            <a:pPr lvl="1"/>
+            <a:endParaRPr lang="en-US" sz="2800" dirty="0"/>
+          </a:p>
+          <a:p>
+            <a:pPr lvl="1"/>
+            <a:endParaRPr lang="en-US" sz="3000" dirty="0"/>
+          </a:p>
+        </p:txBody>
+      </p:sp>
+      <p:pic>
+        <p:nvPicPr>
+          <p:cNvPr id="6" name="Picture 5">
+            <a:extLst>
+              <a:ext uri="{FF2B5EF4-FFF2-40B4-BE49-F238E27FC236}">
+                <a16:creationId xmlns:a16="http://schemas.microsoft.com/office/drawing/2014/main" id="{81988DBE-4FB4-91D2-9CBB-75AFD52FA00D}"/>
+              </a:ext>
+            </a:extLst>
+          </p:cNvPr>
+          <p:cNvPicPr>
+            <a:picLocks noChangeAspect="1"/>
+          </p:cNvPicPr>
+          <p:nvPr/>
+        </p:nvPicPr>
+        <p:blipFill>
+          <a:blip r:embed="rId3">
+            <a:extLst>
+              <a:ext uri="{28A0092B-C50C-407E-A947-70E740481C1C}">
+                <a14:useLocalDpi xmlns:a14="http://schemas.microsoft.com/office/drawing/2010/main" val="0"/>
+              </a:ext>
+            </a:extLst>
+          </a:blip>
+          <a:stretch>
+            <a:fillRect/>
+          </a:stretch>
+        </p:blipFill>
+        <p:spPr>
+          <a:xfrm>
+            <a:off x="1708141" y="745100"/>
+            <a:ext cx="8775717" cy="6112900"/>
+          </a:xfrm>
+          <a:prstGeom prst="rect">
+            <a:avLst/>
+          </a:prstGeom>
+        </p:spPr>
+      </p:pic>
     </p:spTree>
     <p:extLst>
       <p:ext uri="{BB962C8B-B14F-4D97-AF65-F5344CB8AC3E}">
-        <p14:creationId xmlns:p14="http://schemas.microsoft.com/office/powerpoint/2010/main" val="3263134932"/>
+        <p14:creationId xmlns:p14="http://schemas.microsoft.com/office/powerpoint/2010/main" val="2031539559"/>
       </p:ext>
     </p:extLst>
   </p:cSld>
@@ -7511,7 +7870,7 @@
           <a:p>
             <a:r>
               <a:rPr lang="en-US" dirty="0"/>
-              <a:t>Participants</a:t>
+              <a:t>Conclusions</a:t>
             </a:r>
           </a:p>
         </p:txBody>
@@ -7540,120 +7899,68 @@
         </p:spPr>
         <p:txBody>
           <a:bodyPr>
-            <a:normAutofit fontScale="92500" lnSpcReduction="20000"/>
+            <a:normAutofit lnSpcReduction="10000"/>
           </a:bodyPr>
           <a:lstStyle/>
           <a:p>
             <a:r>
-              <a:rPr lang="en-US" sz="3500" dirty="0"/>
-              <a:t>Psychology 1000 Students (N = 505)</a:t>
-            </a:r>
-          </a:p>
-          <a:p>
-            <a:pPr lvl="1"/>
-            <a:r>
-              <a:rPr lang="en-US" sz="3000" dirty="0"/>
-              <a:t>Age M (SD): 18.9</a:t>
-            </a:r>
-            <a:r>
-              <a:rPr lang="en-US" sz="3000" i="1" dirty="0"/>
-              <a:t> </a:t>
-            </a:r>
-            <a:r>
-              <a:rPr lang="en-US" sz="3000" dirty="0"/>
-              <a:t>(1.99)</a:t>
-            </a:r>
-          </a:p>
-          <a:p>
-            <a:pPr lvl="1"/>
-            <a:r>
-              <a:rPr lang="en-US" sz="3000" dirty="0"/>
-              <a:t>Preferred gender identity</a:t>
-            </a:r>
-          </a:p>
-          <a:p>
-            <a:pPr lvl="2"/>
-            <a:r>
-              <a:rPr lang="en-US" sz="2000" dirty="0"/>
-              <a:t>Female – 63.6%</a:t>
-            </a:r>
-          </a:p>
-          <a:p>
-            <a:pPr lvl="2"/>
-            <a:r>
-              <a:rPr lang="en-US" sz="2000" dirty="0"/>
-              <a:t>Male – 33.5%</a:t>
-            </a:r>
-          </a:p>
-          <a:p>
-            <a:pPr lvl="2"/>
-            <a:r>
-              <a:rPr lang="en-US" sz="2000" dirty="0"/>
-              <a:t>Gender Variant or Nonconforming – 1.4% </a:t>
-            </a:r>
-          </a:p>
-          <a:p>
-            <a:pPr lvl="2"/>
-            <a:r>
-              <a:rPr lang="en-US" sz="2000" dirty="0"/>
-              <a:t>Prefer not to say – 1.6%</a:t>
-            </a:r>
-          </a:p>
-          <a:p>
-            <a:pPr lvl="1"/>
-            <a:r>
-              <a:rPr lang="en-US" sz="3000" dirty="0"/>
-              <a:t>Self-Identified race</a:t>
-            </a:r>
-          </a:p>
-          <a:p>
-            <a:pPr lvl="2"/>
-            <a:r>
-              <a:rPr lang="en-US" sz="2200" dirty="0"/>
-              <a:t>White – 77%</a:t>
-            </a:r>
-          </a:p>
-          <a:p>
-            <a:pPr lvl="2"/>
-            <a:r>
-              <a:rPr lang="en-US" sz="2200" dirty="0"/>
-              <a:t>Black – 5.3% </a:t>
-            </a:r>
-          </a:p>
-          <a:p>
-            <a:pPr lvl="2"/>
-            <a:r>
-              <a:rPr lang="en-US" sz="2200" dirty="0"/>
-              <a:t>Hispanic – 6.7% </a:t>
-            </a:r>
-          </a:p>
-          <a:p>
-            <a:pPr lvl="2"/>
-            <a:r>
-              <a:rPr lang="en-US" sz="2200" dirty="0"/>
-              <a:t>Asian – 5.1% </a:t>
-            </a:r>
-          </a:p>
-          <a:p>
-            <a:pPr lvl="2"/>
-            <a:r>
-              <a:rPr lang="en-US" sz="2200" dirty="0"/>
-              <a:t>Native American – 0.39%</a:t>
-            </a:r>
-          </a:p>
-          <a:p>
-            <a:pPr lvl="2"/>
-            <a:r>
-              <a:rPr lang="en-US" sz="2200" dirty="0"/>
-              <a:t>Other – 2.4%</a:t>
-            </a:r>
-          </a:p>
-          <a:p>
-            <a:pPr lvl="2"/>
-            <a:r>
-              <a:rPr lang="en-US" sz="2200" dirty="0"/>
-              <a:t>Prefer not to say – 1.6%</a:t>
-            </a:r>
+              <a:rPr lang="en-US" sz="3600" dirty="0"/>
+              <a:t>Strong support for social consensus manipulation working</a:t>
+            </a:r>
+          </a:p>
+          <a:p>
+            <a:pPr lvl="1"/>
+            <a:r>
+              <a:rPr lang="en-US" sz="2400" dirty="0"/>
+              <a:t>Potential ‘ceiling effect’ issues for ‘Climate Change’ topic</a:t>
+            </a:r>
+          </a:p>
+          <a:p>
+            <a:r>
+              <a:rPr lang="en-US" sz="3200" dirty="0"/>
+              <a:t>Deontological orientation affected support for UHC</a:t>
+            </a:r>
+          </a:p>
+          <a:p>
+            <a:r>
+              <a:rPr lang="en-US" sz="3200" dirty="0"/>
+              <a:t>No individual differences effects from:</a:t>
+            </a:r>
+          </a:p>
+          <a:p>
+            <a:pPr lvl="1"/>
+            <a:r>
+              <a:rPr lang="en-US" sz="2800" dirty="0"/>
+              <a:t>Subjective numeracy</a:t>
+            </a:r>
+          </a:p>
+          <a:p>
+            <a:pPr lvl="1"/>
+            <a:r>
+              <a:rPr lang="en-US" sz="2800" dirty="0"/>
+              <a:t>Objective numeracy</a:t>
+            </a:r>
+          </a:p>
+          <a:p>
+            <a:pPr lvl="1"/>
+            <a:r>
+              <a:rPr lang="en-US" sz="2800" dirty="0"/>
+              <a:t>Health literacy</a:t>
+            </a:r>
+          </a:p>
+          <a:p>
+            <a:pPr lvl="1"/>
+            <a:r>
+              <a:rPr lang="en-US" sz="2800" dirty="0"/>
+              <a:t>Utilitarian orientation</a:t>
+            </a:r>
+          </a:p>
+          <a:p>
+            <a:pPr lvl="1"/>
+            <a:endParaRPr lang="en-US" sz="2200" dirty="0"/>
+          </a:p>
+          <a:p>
+            <a:endParaRPr lang="en-US" sz="2200" dirty="0"/>
           </a:p>
           <a:p>
             <a:pPr lvl="1"/>
@@ -7689,7 +7996,7 @@
     </p:spTree>
     <p:extLst>
       <p:ext uri="{BB962C8B-B14F-4D97-AF65-F5344CB8AC3E}">
-        <p14:creationId xmlns:p14="http://schemas.microsoft.com/office/powerpoint/2010/main" val="2725522452"/>
+        <p14:creationId xmlns:p14="http://schemas.microsoft.com/office/powerpoint/2010/main" val="545247889"/>
       </p:ext>
     </p:extLst>
   </p:cSld>
@@ -7721,7 +8028,7 @@
           <p:cNvPr id="2" name="Title 1">
             <a:extLst>
               <a:ext uri="{FF2B5EF4-FFF2-40B4-BE49-F238E27FC236}">
-                <a16:creationId xmlns:a16="http://schemas.microsoft.com/office/drawing/2014/main" id="{97956EA8-71D0-976B-B830-A12A319D5324}"/>
+                <a16:creationId xmlns:a16="http://schemas.microsoft.com/office/drawing/2014/main" id="{4EECF823-1C90-ED62-D7CF-5A4F1C756700}"/>
               </a:ext>
             </a:extLst>
           </p:cNvPr>
@@ -7729,60 +8036,53 @@
             <a:spLocks noGrp="1"/>
           </p:cNvSpPr>
           <p:nvPr>
-            <p:ph type="title"/>
-          </p:nvPr>
-        </p:nvSpPr>
-        <p:spPr>
-          <a:xfrm>
-            <a:off x="1261872" y="0"/>
-            <a:ext cx="9692640" cy="1325562"/>
-          </a:xfrm>
-        </p:spPr>
+            <p:ph type="ctrTitle"/>
+          </p:nvPr>
+        </p:nvSpPr>
+        <p:spPr/>
         <p:txBody>
           <a:bodyPr/>
           <a:lstStyle/>
           <a:p>
             <a:r>
               <a:rPr lang="en-US" dirty="0"/>
-              <a:t>Method</a:t>
-            </a:r>
-          </a:p>
-        </p:txBody>
-      </p:sp>
-      <p:pic>
-        <p:nvPicPr>
-          <p:cNvPr id="11" name="Picture 10">
+              <a:t>Study 2</a:t>
+            </a:r>
+          </a:p>
+        </p:txBody>
+      </p:sp>
+      <p:sp>
+        <p:nvSpPr>
+          <p:cNvPr id="3" name="Subtitle 2">
             <a:extLst>
               <a:ext uri="{FF2B5EF4-FFF2-40B4-BE49-F238E27FC236}">
-                <a16:creationId xmlns:a16="http://schemas.microsoft.com/office/drawing/2014/main" id="{DBB7970E-7D93-FB6E-1E86-B45634875A18}"/>
+                <a16:creationId xmlns:a16="http://schemas.microsoft.com/office/drawing/2014/main" id="{5D280F2B-933C-94BC-83C8-0BAA7B31F8E6}"/>
               </a:ext>
             </a:extLst>
           </p:cNvPr>
-          <p:cNvPicPr>
-            <a:picLocks noChangeAspect="1"/>
-          </p:cNvPicPr>
-          <p:nvPr/>
-        </p:nvPicPr>
-        <p:blipFill>
-          <a:blip r:embed="rId3"/>
-          <a:stretch>
-            <a:fillRect/>
-          </a:stretch>
-        </p:blipFill>
-        <p:spPr>
-          <a:xfrm>
-            <a:off x="3353511" y="0"/>
-            <a:ext cx="5484977" cy="6858000"/>
-          </a:xfrm>
-          <a:prstGeom prst="rect">
-            <a:avLst/>
-          </a:prstGeom>
-        </p:spPr>
-      </p:pic>
+          <p:cNvSpPr>
+            <a:spLocks noGrp="1"/>
+          </p:cNvSpPr>
+          <p:nvPr>
+            <p:ph type="subTitle" idx="1"/>
+          </p:nvPr>
+        </p:nvSpPr>
+        <p:spPr/>
+        <p:txBody>
+          <a:bodyPr/>
+          <a:lstStyle/>
+          <a:p>
+            <a:r>
+              <a:rPr lang="en-US" dirty="0"/>
+              <a:t>Effect of Moral Conviction on Current and Past Issues</a:t>
+            </a:r>
+          </a:p>
+        </p:txBody>
+      </p:sp>
     </p:spTree>
     <p:extLst>
       <p:ext uri="{BB962C8B-B14F-4D97-AF65-F5344CB8AC3E}">
-        <p14:creationId xmlns:p14="http://schemas.microsoft.com/office/powerpoint/2010/main" val="3547054672"/>
+        <p14:creationId xmlns:p14="http://schemas.microsoft.com/office/powerpoint/2010/main" val="3106584627"/>
       </p:ext>
     </p:extLst>
   </p:cSld>
@@ -7825,24 +8125,29 @@
             <p:ph type="title"/>
           </p:nvPr>
         </p:nvSpPr>
-        <p:spPr/>
+        <p:spPr>
+          <a:xfrm>
+            <a:off x="1261872" y="0"/>
+            <a:ext cx="9692640" cy="1325562"/>
+          </a:xfrm>
+        </p:spPr>
         <p:txBody>
           <a:bodyPr/>
           <a:lstStyle/>
           <a:p>
             <a:r>
               <a:rPr lang="en-US" dirty="0"/>
-              <a:t>Method</a:t>
-            </a:r>
-          </a:p>
-        </p:txBody>
-      </p:sp>
-      <p:sp>
-        <p:nvSpPr>
-          <p:cNvPr id="8" name="Text Placeholder 7">
+              <a:t>Research Questions</a:t>
+            </a:r>
+          </a:p>
+        </p:txBody>
+      </p:sp>
+      <p:sp>
+        <p:nvSpPr>
+          <p:cNvPr id="3" name="Content Placeholder 2">
             <a:extLst>
               <a:ext uri="{FF2B5EF4-FFF2-40B4-BE49-F238E27FC236}">
-                <a16:creationId xmlns:a16="http://schemas.microsoft.com/office/drawing/2014/main" id="{5A5A4D62-9125-FA69-2B3A-933C0B64B531}"/>
+                <a16:creationId xmlns:a16="http://schemas.microsoft.com/office/drawing/2014/main" id="{E57F8794-F05B-4F17-758E-5D3A98F310C7}"/>
               </a:ext>
             </a:extLst>
           </p:cNvPr>
@@ -7850,125 +8155,74 @@
             <a:spLocks noGrp="1"/>
           </p:cNvSpPr>
           <p:nvPr>
-            <p:ph type="body" idx="1"/>
+            <p:ph idx="1"/>
           </p:nvPr>
         </p:nvSpPr>
         <p:spPr>
           <a:xfrm>
-            <a:off x="721627" y="1713655"/>
-            <a:ext cx="5020805" cy="865652"/>
+            <a:off x="1261872" y="1491915"/>
+            <a:ext cx="8595360" cy="5029200"/>
           </a:xfrm>
         </p:spPr>
         <p:txBody>
-          <a:bodyPr/>
-          <a:lstStyle/>
-          <a:p>
-            <a:r>
-              <a:rPr lang="en-US" dirty="0"/>
-              <a:t>Low social consensus condition</a:t>
-            </a:r>
-          </a:p>
-        </p:txBody>
-      </p:sp>
-      <p:sp>
-        <p:nvSpPr>
-          <p:cNvPr id="10" name="Text Placeholder 9">
-            <a:extLst>
-              <a:ext uri="{FF2B5EF4-FFF2-40B4-BE49-F238E27FC236}">
-                <a16:creationId xmlns:a16="http://schemas.microsoft.com/office/drawing/2014/main" id="{5C0713C9-17C9-223B-E3CA-A7729084D319}"/>
-              </a:ext>
-            </a:extLst>
-          </p:cNvPr>
-          <p:cNvSpPr>
-            <a:spLocks noGrp="1"/>
-          </p:cNvSpPr>
-          <p:nvPr>
-            <p:ph type="body" sz="quarter" idx="3"/>
-          </p:nvPr>
-        </p:nvSpPr>
-        <p:spPr>
-          <a:xfrm>
-            <a:off x="5861780" y="1689590"/>
-            <a:ext cx="4827323" cy="872201"/>
-          </a:xfrm>
-        </p:spPr>
-        <p:txBody>
-          <a:bodyPr/>
-          <a:lstStyle/>
-          <a:p>
-            <a:r>
-              <a:rPr lang="en-US" dirty="0"/>
-              <a:t>High social consensus condition</a:t>
-            </a:r>
-          </a:p>
-        </p:txBody>
-      </p:sp>
-      <p:pic>
-        <p:nvPicPr>
-          <p:cNvPr id="12" name="Content Placeholder 11">
-            <a:extLst>
-              <a:ext uri="{FF2B5EF4-FFF2-40B4-BE49-F238E27FC236}">
-                <a16:creationId xmlns:a16="http://schemas.microsoft.com/office/drawing/2014/main" id="{868297F9-9264-3416-1865-7927F7A2428C}"/>
-              </a:ext>
-            </a:extLst>
-          </p:cNvPr>
-          <p:cNvPicPr>
-            <a:picLocks noGrp="1" noChangeAspect="1"/>
-          </p:cNvPicPr>
-          <p:nvPr>
-            <p:ph sz="half" idx="2"/>
-          </p:nvPr>
-        </p:nvPicPr>
-        <p:blipFill rotWithShape="1">
-          <a:blip r:embed="rId3"/>
-          <a:srcRect b="54912"/>
-          <a:stretch/>
-        </p:blipFill>
-        <p:spPr>
-          <a:xfrm>
-            <a:off x="440621" y="2938187"/>
-            <a:ext cx="5301368" cy="3318234"/>
-          </a:xfrm>
-          <a:prstGeom prst="rect">
-            <a:avLst/>
-          </a:prstGeom>
-        </p:spPr>
-      </p:pic>
-      <p:pic>
-        <p:nvPicPr>
-          <p:cNvPr id="13" name="Content Placeholder 12">
-            <a:extLst>
-              <a:ext uri="{FF2B5EF4-FFF2-40B4-BE49-F238E27FC236}">
-                <a16:creationId xmlns:a16="http://schemas.microsoft.com/office/drawing/2014/main" id="{43EEBF6F-B346-3E4B-3C51-000A35BE0FEC}"/>
-              </a:ext>
-            </a:extLst>
-          </p:cNvPr>
-          <p:cNvPicPr>
-            <a:picLocks noGrp="1" noChangeAspect="1"/>
-          </p:cNvPicPr>
-          <p:nvPr>
-            <p:ph sz="quarter" idx="4"/>
-          </p:nvPr>
-        </p:nvPicPr>
-        <p:blipFill rotWithShape="1">
-          <a:blip r:embed="rId4"/>
-          <a:srcRect b="54912"/>
-          <a:stretch/>
-        </p:blipFill>
-        <p:spPr>
-          <a:xfrm>
-            <a:off x="5861464" y="2924649"/>
-            <a:ext cx="5343364" cy="3318234"/>
-          </a:xfrm>
-          <a:prstGeom prst="rect">
-            <a:avLst/>
-          </a:prstGeom>
-        </p:spPr>
-      </p:pic>
+          <a:bodyPr>
+            <a:normAutofit/>
+          </a:bodyPr>
+          <a:lstStyle/>
+          <a:p>
+            <a:r>
+              <a:rPr lang="en-US" sz="3500" dirty="0"/>
+              <a:t>Does this manipulation work well in changing moral conviction?</a:t>
+            </a:r>
+            <a:endParaRPr lang="en-US" sz="2200" dirty="0"/>
+          </a:p>
+          <a:p>
+            <a:r>
+              <a:rPr lang="en-US" sz="3500" dirty="0"/>
+              <a:t>How much do changing levels of moral conviction affect support for [topic]?</a:t>
+            </a:r>
+          </a:p>
+          <a:p>
+            <a:r>
+              <a:rPr lang="en-US" sz="3500" dirty="0"/>
+              <a:t>How do individual differences in openness to belief change affect levels of moral conviction by condition, and support for [topic]?</a:t>
+            </a:r>
+          </a:p>
+          <a:p>
+            <a:pPr lvl="1"/>
+            <a:endParaRPr lang="en-US" sz="3000" dirty="0"/>
+          </a:p>
+          <a:p>
+            <a:endParaRPr lang="en-US" sz="2400" dirty="0"/>
+          </a:p>
+          <a:p>
+            <a:pPr marL="274320" lvl="1" indent="0">
+              <a:buNone/>
+            </a:pPr>
+            <a:endParaRPr lang="en-US" sz="2600" dirty="0"/>
+          </a:p>
+          <a:p>
+            <a:pPr lvl="1"/>
+            <a:endParaRPr lang="en-US" sz="3000" dirty="0"/>
+          </a:p>
+          <a:p>
+            <a:pPr lvl="1"/>
+            <a:endParaRPr lang="en-US" sz="3000" dirty="0"/>
+          </a:p>
+          <a:p>
+            <a:pPr lvl="1"/>
+            <a:endParaRPr lang="en-US" sz="2800" dirty="0"/>
+          </a:p>
+          <a:p>
+            <a:pPr lvl="1"/>
+            <a:endParaRPr lang="en-US" sz="3000" dirty="0"/>
+          </a:p>
+        </p:txBody>
+      </p:sp>
     </p:spTree>
     <p:extLst>
       <p:ext uri="{BB962C8B-B14F-4D97-AF65-F5344CB8AC3E}">
-        <p14:creationId xmlns:p14="http://schemas.microsoft.com/office/powerpoint/2010/main" val="4259884617"/>
+        <p14:creationId xmlns:p14="http://schemas.microsoft.com/office/powerpoint/2010/main" val="3089027201"/>
       </p:ext>
     </p:extLst>
   </p:cSld>
@@ -8144,44 +8398,87 @@
           <a:p>
             <a:r>
               <a:rPr lang="en-US" dirty="0"/>
-              <a:t>Outcomes</a:t>
-            </a:r>
-          </a:p>
-        </p:txBody>
-      </p:sp>
-      <p:pic>
-        <p:nvPicPr>
-          <p:cNvPr id="9" name="Content Placeholder 8">
+              <a:t>Participants</a:t>
+            </a:r>
+          </a:p>
+        </p:txBody>
+      </p:sp>
+      <p:sp>
+        <p:nvSpPr>
+          <p:cNvPr id="3" name="Content Placeholder 2">
             <a:extLst>
               <a:ext uri="{FF2B5EF4-FFF2-40B4-BE49-F238E27FC236}">
-                <a16:creationId xmlns:a16="http://schemas.microsoft.com/office/drawing/2014/main" id="{D51ADD82-43AC-28FB-0947-1E8C6AE2BA2E}"/>
+                <a16:creationId xmlns:a16="http://schemas.microsoft.com/office/drawing/2014/main" id="{E57F8794-F05B-4F17-758E-5D3A98F310C7}"/>
               </a:ext>
             </a:extLst>
           </p:cNvPr>
-          <p:cNvPicPr>
-            <a:picLocks noGrp="1" noChangeAspect="1"/>
-          </p:cNvPicPr>
+          <p:cNvSpPr>
+            <a:spLocks noGrp="1"/>
+          </p:cNvSpPr>
           <p:nvPr>
             <p:ph idx="1"/>
           </p:nvPr>
-        </p:nvPicPr>
-        <p:blipFill>
-          <a:blip r:embed="rId3"/>
-          <a:stretch>
-            <a:fillRect/>
-          </a:stretch>
-        </p:blipFill>
+        </p:nvSpPr>
         <p:spPr>
           <a:xfrm>
-            <a:off x="2431846" y="1425398"/>
-            <a:ext cx="6651996" cy="5300254"/>
+            <a:off x="1261872" y="1491915"/>
+            <a:ext cx="8595360" cy="5029200"/>
           </a:xfrm>
         </p:spPr>
-      </p:pic>
+        <p:txBody>
+          <a:bodyPr>
+            <a:normAutofit/>
+          </a:bodyPr>
+          <a:lstStyle/>
+          <a:p>
+            <a:r>
+              <a:rPr lang="en-US" sz="3500" dirty="0"/>
+              <a:t>Psychology 1000 Students (N = 208)</a:t>
+            </a:r>
+          </a:p>
+          <a:p>
+            <a:pPr lvl="1"/>
+            <a:r>
+              <a:rPr lang="en-US" sz="3000" dirty="0"/>
+              <a:t>Demographic information was not collected</a:t>
+            </a:r>
+            <a:endParaRPr lang="en-US" sz="2200" dirty="0"/>
+          </a:p>
+          <a:p>
+            <a:pPr lvl="1"/>
+            <a:endParaRPr lang="en-US" sz="3000" dirty="0"/>
+          </a:p>
+          <a:p>
+            <a:endParaRPr lang="en-US" sz="2400" dirty="0"/>
+          </a:p>
+          <a:p>
+            <a:pPr marL="274320" lvl="1" indent="0">
+              <a:buNone/>
+            </a:pPr>
+            <a:endParaRPr lang="en-US" sz="2600" dirty="0"/>
+          </a:p>
+          <a:p>
+            <a:pPr lvl="1"/>
+            <a:endParaRPr lang="en-US" sz="3000" dirty="0"/>
+          </a:p>
+          <a:p>
+            <a:pPr lvl="1"/>
+            <a:endParaRPr lang="en-US" sz="3000" dirty="0"/>
+          </a:p>
+          <a:p>
+            <a:pPr lvl="1"/>
+            <a:endParaRPr lang="en-US" sz="2800" dirty="0"/>
+          </a:p>
+          <a:p>
+            <a:pPr lvl="1"/>
+            <a:endParaRPr lang="en-US" sz="3000" dirty="0"/>
+          </a:p>
+        </p:txBody>
+      </p:sp>
     </p:spTree>
     <p:extLst>
       <p:ext uri="{BB962C8B-B14F-4D97-AF65-F5344CB8AC3E}">
-        <p14:creationId xmlns:p14="http://schemas.microsoft.com/office/powerpoint/2010/main" val="1759360468"/>
+        <p14:creationId xmlns:p14="http://schemas.microsoft.com/office/powerpoint/2010/main" val="1959347761"/>
       </p:ext>
     </p:extLst>
   </p:cSld>
@@ -8224,29 +8521,24 @@
             <p:ph type="title"/>
           </p:nvPr>
         </p:nvSpPr>
-        <p:spPr>
-          <a:xfrm>
-            <a:off x="1261872" y="0"/>
-            <a:ext cx="9692640" cy="1325562"/>
-          </a:xfrm>
-        </p:spPr>
+        <p:spPr/>
         <p:txBody>
           <a:bodyPr/>
           <a:lstStyle/>
           <a:p>
             <a:r>
               <a:rPr lang="en-US" dirty="0"/>
-              <a:t>Study Design</a:t>
-            </a:r>
-          </a:p>
-        </p:txBody>
-      </p:sp>
-      <p:sp>
-        <p:nvSpPr>
-          <p:cNvPr id="3" name="Content Placeholder 2">
+              <a:t>Method</a:t>
+            </a:r>
+          </a:p>
+        </p:txBody>
+      </p:sp>
+      <p:sp>
+        <p:nvSpPr>
+          <p:cNvPr id="8" name="Text Placeholder 7">
             <a:extLst>
               <a:ext uri="{FF2B5EF4-FFF2-40B4-BE49-F238E27FC236}">
-                <a16:creationId xmlns:a16="http://schemas.microsoft.com/office/drawing/2014/main" id="{E57F8794-F05B-4F17-758E-5D3A98F310C7}"/>
+                <a16:creationId xmlns:a16="http://schemas.microsoft.com/office/drawing/2014/main" id="{5A5A4D62-9125-FA69-2B3A-933C0B64B531}"/>
               </a:ext>
             </a:extLst>
           </p:cNvPr>
@@ -8254,147 +8546,130 @@
             <a:spLocks noGrp="1"/>
           </p:cNvSpPr>
           <p:nvPr>
-            <p:ph idx="1"/>
+            <p:ph type="body" idx="1"/>
           </p:nvPr>
         </p:nvSpPr>
         <p:spPr>
           <a:xfrm>
-            <a:off x="1261872" y="1491915"/>
-            <a:ext cx="8595360" cy="5029200"/>
+            <a:off x="721627" y="1713655"/>
+            <a:ext cx="5020805" cy="865652"/>
           </a:xfrm>
         </p:spPr>
         <p:txBody>
-          <a:bodyPr>
-            <a:normAutofit lnSpcReduction="10000"/>
-          </a:bodyPr>
-          <a:lstStyle/>
-          <a:p>
-            <a:r>
-              <a:rPr lang="en-US" sz="3500" dirty="0"/>
-              <a:t>Repeated measures design</a:t>
-            </a:r>
-          </a:p>
-          <a:p>
-            <a:pPr lvl="1"/>
-            <a:r>
-              <a:rPr lang="en-US" sz="3000" dirty="0"/>
-              <a:t>2 Independent Variables:</a:t>
-            </a:r>
-          </a:p>
-          <a:p>
-            <a:pPr lvl="2"/>
-            <a:r>
-              <a:rPr lang="en-US" sz="2800" u="sng" dirty="0">
-                <a:solidFill>
-                  <a:srgbClr val="00B050"/>
-                </a:solidFill>
-              </a:rPr>
-              <a:t>Time:</a:t>
-            </a:r>
-            <a:r>
-              <a:rPr lang="en-US" sz="2800" dirty="0">
-                <a:solidFill>
-                  <a:srgbClr val="00B050"/>
-                </a:solidFill>
-              </a:rPr>
-              <a:t> Before or After consensus manipulation</a:t>
-            </a:r>
-          </a:p>
-          <a:p>
-            <a:pPr lvl="2"/>
-            <a:r>
-              <a:rPr lang="en-US" sz="2800" u="sng" dirty="0">
-                <a:solidFill>
-                  <a:srgbClr val="0070C0"/>
-                </a:solidFill>
-              </a:rPr>
-              <a:t>Social Consensus: </a:t>
-            </a:r>
-            <a:r>
-              <a:rPr lang="en-US" sz="2800" dirty="0">
-                <a:solidFill>
-                  <a:srgbClr val="0070C0"/>
-                </a:solidFill>
-              </a:rPr>
-              <a:t>Low (-20%) or High (+20%)</a:t>
-            </a:r>
-          </a:p>
-          <a:p>
-            <a:pPr lvl="1"/>
-            <a:r>
-              <a:rPr lang="en-US" sz="3000" dirty="0">
-                <a:solidFill>
-                  <a:srgbClr val="00B050"/>
-                </a:solidFill>
-              </a:rPr>
-              <a:t>2</a:t>
-            </a:r>
-            <a:r>
-              <a:rPr lang="en-US" sz="3000" dirty="0"/>
-              <a:t> x </a:t>
-            </a:r>
-            <a:r>
-              <a:rPr lang="en-US" sz="3000" dirty="0">
-                <a:solidFill>
-                  <a:srgbClr val="0070C0"/>
-                </a:solidFill>
-              </a:rPr>
-              <a:t>2</a:t>
-            </a:r>
-            <a:r>
-              <a:rPr lang="en-US" sz="3000" dirty="0"/>
-              <a:t> design</a:t>
-            </a:r>
-          </a:p>
-          <a:p>
-            <a:pPr lvl="2"/>
-            <a:r>
-              <a:rPr lang="en-US" sz="2800" dirty="0"/>
-              <a:t>Participants rated their support for an issue before the manipulation, and after the manipulation – social consensus was between subjects, randomly assigned to low or high.</a:t>
-            </a:r>
-          </a:p>
-          <a:p>
-            <a:pPr lvl="2"/>
-            <a:r>
-              <a:rPr lang="en-US" sz="2800" dirty="0"/>
-              <a:t>Measured individual differences: deontological and utilitarian orientation, health literacy, subjective and objective numeracy</a:t>
-            </a:r>
-          </a:p>
-          <a:p>
-            <a:pPr lvl="1"/>
-            <a:endParaRPr lang="en-US" sz="3000" dirty="0"/>
-          </a:p>
-          <a:p>
-            <a:endParaRPr lang="en-US" sz="2400" dirty="0"/>
-          </a:p>
-          <a:p>
-            <a:pPr marL="274320" lvl="1" indent="0">
-              <a:buNone/>
-            </a:pPr>
-            <a:endParaRPr lang="en-US" sz="2600" dirty="0"/>
-          </a:p>
-          <a:p>
-            <a:pPr lvl="1"/>
-            <a:endParaRPr lang="en-US" sz="3000" dirty="0"/>
-          </a:p>
-          <a:p>
-            <a:pPr lvl="1"/>
-            <a:endParaRPr lang="en-US" sz="3000" dirty="0"/>
-          </a:p>
-          <a:p>
-            <a:pPr lvl="1"/>
-            <a:endParaRPr lang="en-US" sz="2800" dirty="0"/>
-          </a:p>
-          <a:p>
-            <a:pPr lvl="1"/>
-            <a:endParaRPr lang="en-US" sz="3000" dirty="0"/>
-          </a:p>
-        </p:txBody>
-      </p:sp>
+          <a:bodyPr/>
+          <a:lstStyle/>
+          <a:p>
+            <a:r>
+              <a:rPr lang="en-US" dirty="0"/>
+              <a:t>Moral Responsibility Condition</a:t>
+            </a:r>
+          </a:p>
+        </p:txBody>
+      </p:sp>
+      <p:sp>
+        <p:nvSpPr>
+          <p:cNvPr id="10" name="Text Placeholder 9">
+            <a:extLst>
+              <a:ext uri="{FF2B5EF4-FFF2-40B4-BE49-F238E27FC236}">
+                <a16:creationId xmlns:a16="http://schemas.microsoft.com/office/drawing/2014/main" id="{5C0713C9-17C9-223B-E3CA-A7729084D319}"/>
+              </a:ext>
+            </a:extLst>
+          </p:cNvPr>
+          <p:cNvSpPr>
+            <a:spLocks noGrp="1"/>
+          </p:cNvSpPr>
+          <p:nvPr>
+            <p:ph type="body" sz="quarter" idx="3"/>
+          </p:nvPr>
+        </p:nvSpPr>
+        <p:spPr>
+          <a:xfrm>
+            <a:off x="5861780" y="1689590"/>
+            <a:ext cx="4827323" cy="872201"/>
+          </a:xfrm>
+        </p:spPr>
+        <p:txBody>
+          <a:bodyPr/>
+          <a:lstStyle/>
+          <a:p>
+            <a:r>
+              <a:rPr lang="en-US" dirty="0"/>
+              <a:t>Pragmatic condition</a:t>
+            </a:r>
+          </a:p>
+        </p:txBody>
+      </p:sp>
+      <p:pic>
+        <p:nvPicPr>
+          <p:cNvPr id="12" name="Content Placeholder 11">
+            <a:extLst>
+              <a:ext uri="{FF2B5EF4-FFF2-40B4-BE49-F238E27FC236}">
+                <a16:creationId xmlns:a16="http://schemas.microsoft.com/office/drawing/2014/main" id="{868297F9-9264-3416-1865-7927F7A2428C}"/>
+              </a:ext>
+            </a:extLst>
+          </p:cNvPr>
+          <p:cNvPicPr>
+            <a:picLocks noGrp="1" noChangeAspect="1"/>
+          </p:cNvPicPr>
+          <p:nvPr>
+            <p:ph sz="half" idx="2"/>
+          </p:nvPr>
+        </p:nvPicPr>
+        <p:blipFill rotWithShape="1">
+          <a:blip r:embed="rId3">
+            <a:extLst>
+              <a:ext uri="{28A0092B-C50C-407E-A947-70E740481C1C}">
+                <a14:useLocalDpi xmlns:a14="http://schemas.microsoft.com/office/drawing/2010/main" val="0"/>
+              </a:ext>
+            </a:extLst>
+          </a:blip>
+          <a:srcRect t="484" b="359"/>
+          <a:stretch/>
+        </p:blipFill>
+        <p:spPr>
+          <a:xfrm>
+            <a:off x="440621" y="2707106"/>
+            <a:ext cx="5301368" cy="3785134"/>
+          </a:xfrm>
+          <a:prstGeom prst="rect">
+            <a:avLst/>
+          </a:prstGeom>
+        </p:spPr>
+      </p:pic>
+      <p:pic>
+        <p:nvPicPr>
+          <p:cNvPr id="16" name="Picture 15">
+            <a:extLst>
+              <a:ext uri="{FF2B5EF4-FFF2-40B4-BE49-F238E27FC236}">
+                <a16:creationId xmlns:a16="http://schemas.microsoft.com/office/drawing/2014/main" id="{1CB3D261-80A7-CEC7-AB20-771853E0C1FE}"/>
+              </a:ext>
+            </a:extLst>
+          </p:cNvPr>
+          <p:cNvPicPr>
+            <a:picLocks noChangeAspect="1"/>
+          </p:cNvPicPr>
+          <p:nvPr/>
+        </p:nvPicPr>
+        <p:blipFill>
+          <a:blip r:embed="rId4"/>
+          <a:stretch>
+            <a:fillRect/>
+          </a:stretch>
+        </p:blipFill>
+        <p:spPr>
+          <a:xfrm>
+            <a:off x="5943715" y="2617284"/>
+            <a:ext cx="4745388" cy="4031368"/>
+          </a:xfrm>
+          <a:prstGeom prst="rect">
+            <a:avLst/>
+          </a:prstGeom>
+        </p:spPr>
+      </p:pic>
     </p:spTree>
     <p:extLst>
       <p:ext uri="{BB962C8B-B14F-4D97-AF65-F5344CB8AC3E}">
-        <p14:creationId xmlns:p14="http://schemas.microsoft.com/office/powerpoint/2010/main" val="1780273655"/>
+        <p14:creationId xmlns:p14="http://schemas.microsoft.com/office/powerpoint/2010/main" val="1983129524"/>
       </p:ext>
     </p:extLst>
   </p:cSld>
@@ -8437,29 +8712,24 @@
             <p:ph type="title"/>
           </p:nvPr>
         </p:nvSpPr>
-        <p:spPr>
-          <a:xfrm>
-            <a:off x="139085" y="-580462"/>
-            <a:ext cx="9692640" cy="1325562"/>
-          </a:xfrm>
-        </p:spPr>
+        <p:spPr/>
         <p:txBody>
           <a:bodyPr/>
           <a:lstStyle/>
           <a:p>
             <a:r>
               <a:rPr lang="en-US" dirty="0"/>
-              <a:t>Results</a:t>
-            </a:r>
-          </a:p>
-        </p:txBody>
-      </p:sp>
-      <p:sp>
-        <p:nvSpPr>
-          <p:cNvPr id="3" name="Content Placeholder 2">
+              <a:t>Method</a:t>
+            </a:r>
+          </a:p>
+        </p:txBody>
+      </p:sp>
+      <p:sp>
+        <p:nvSpPr>
+          <p:cNvPr id="8" name="Text Placeholder 7">
             <a:extLst>
               <a:ext uri="{FF2B5EF4-FFF2-40B4-BE49-F238E27FC236}">
-                <a16:creationId xmlns:a16="http://schemas.microsoft.com/office/drawing/2014/main" id="{E57F8794-F05B-4F17-758E-5D3A98F310C7}"/>
+                <a16:creationId xmlns:a16="http://schemas.microsoft.com/office/drawing/2014/main" id="{5A5A4D62-9125-FA69-2B3A-933C0B64B531}"/>
               </a:ext>
             </a:extLst>
           </p:cNvPr>
@@ -8467,59 +8737,102 @@
             <a:spLocks noGrp="1"/>
           </p:cNvSpPr>
           <p:nvPr>
-            <p:ph idx="1"/>
+            <p:ph type="body" idx="1"/>
           </p:nvPr>
         </p:nvSpPr>
         <p:spPr>
           <a:xfrm>
-            <a:off x="1261872" y="1491915"/>
-            <a:ext cx="8595360" cy="5029200"/>
+            <a:off x="721627" y="1713655"/>
+            <a:ext cx="5020805" cy="865652"/>
           </a:xfrm>
         </p:spPr>
         <p:txBody>
-          <a:bodyPr>
-            <a:normAutofit/>
-          </a:bodyPr>
-          <a:lstStyle/>
-          <a:p>
-            <a:pPr marL="274320" lvl="1" indent="0">
-              <a:buNone/>
-            </a:pPr>
-            <a:endParaRPr lang="en-US" sz="3000" dirty="0"/>
-          </a:p>
-          <a:p>
-            <a:endParaRPr lang="en-US" sz="2400" dirty="0"/>
-          </a:p>
-          <a:p>
-            <a:pPr marL="274320" lvl="1" indent="0">
-              <a:buNone/>
-            </a:pPr>
-            <a:endParaRPr lang="en-US" sz="2600" dirty="0"/>
-          </a:p>
-          <a:p>
-            <a:pPr lvl="1"/>
-            <a:endParaRPr lang="en-US" sz="3000" dirty="0"/>
-          </a:p>
-          <a:p>
-            <a:pPr lvl="1"/>
-            <a:endParaRPr lang="en-US" sz="3000" dirty="0"/>
-          </a:p>
-          <a:p>
-            <a:pPr lvl="1"/>
-            <a:endParaRPr lang="en-US" sz="2800" dirty="0"/>
-          </a:p>
-          <a:p>
-            <a:pPr lvl="1"/>
-            <a:endParaRPr lang="en-US" sz="3000" dirty="0"/>
+          <a:bodyPr/>
+          <a:lstStyle/>
+          <a:p>
+            <a:r>
+              <a:rPr lang="en-US" dirty="0"/>
+              <a:t>Moral Piggybacking Condition</a:t>
+            </a:r>
+          </a:p>
+        </p:txBody>
+      </p:sp>
+      <p:sp>
+        <p:nvSpPr>
+          <p:cNvPr id="10" name="Text Placeholder 9">
+            <a:extLst>
+              <a:ext uri="{FF2B5EF4-FFF2-40B4-BE49-F238E27FC236}">
+                <a16:creationId xmlns:a16="http://schemas.microsoft.com/office/drawing/2014/main" id="{5C0713C9-17C9-223B-E3CA-A7729084D319}"/>
+              </a:ext>
+            </a:extLst>
+          </p:cNvPr>
+          <p:cNvSpPr>
+            <a:spLocks noGrp="1"/>
+          </p:cNvSpPr>
+          <p:nvPr>
+            <p:ph type="body" sz="quarter" idx="3"/>
+          </p:nvPr>
+        </p:nvSpPr>
+        <p:spPr>
+          <a:xfrm>
+            <a:off x="5861780" y="1689590"/>
+            <a:ext cx="4827323" cy="872201"/>
+          </a:xfrm>
+        </p:spPr>
+        <p:txBody>
+          <a:bodyPr/>
+          <a:lstStyle/>
+          <a:p>
+            <a:r>
+              <a:rPr lang="en-US" dirty="0"/>
+              <a:t>Hedonic condition</a:t>
+            </a:r>
           </a:p>
         </p:txBody>
       </p:sp>
       <p:pic>
         <p:nvPicPr>
-          <p:cNvPr id="6" name="Picture 5">
+          <p:cNvPr id="12" name="Content Placeholder 11">
             <a:extLst>
               <a:ext uri="{FF2B5EF4-FFF2-40B4-BE49-F238E27FC236}">
-                <a16:creationId xmlns:a16="http://schemas.microsoft.com/office/drawing/2014/main" id="{C40BB404-E71B-E6B6-7859-6010EC88B745}"/>
+                <a16:creationId xmlns:a16="http://schemas.microsoft.com/office/drawing/2014/main" id="{868297F9-9264-3416-1865-7927F7A2428C}"/>
+              </a:ext>
+            </a:extLst>
+          </p:cNvPr>
+          <p:cNvPicPr>
+            <a:picLocks noGrp="1" noChangeAspect="1"/>
+          </p:cNvPicPr>
+          <p:nvPr>
+            <p:ph sz="half" idx="2"/>
+          </p:nvPr>
+        </p:nvPicPr>
+        <p:blipFill rotWithShape="1">
+          <a:blip r:embed="rId3">
+            <a:extLst>
+              <a:ext uri="{28A0092B-C50C-407E-A947-70E740481C1C}">
+                <a14:useLocalDpi xmlns:a14="http://schemas.microsoft.com/office/drawing/2010/main" val="0"/>
+              </a:ext>
+            </a:extLst>
+          </a:blip>
+          <a:srcRect t="2082" b="2082"/>
+          <a:stretch/>
+        </p:blipFill>
+        <p:spPr>
+          <a:xfrm>
+            <a:off x="440621" y="2707106"/>
+            <a:ext cx="5301368" cy="3785134"/>
+          </a:xfrm>
+          <a:prstGeom prst="rect">
+            <a:avLst/>
+          </a:prstGeom>
+        </p:spPr>
+      </p:pic>
+      <p:pic>
+        <p:nvPicPr>
+          <p:cNvPr id="16" name="Picture 15">
+            <a:extLst>
+              <a:ext uri="{FF2B5EF4-FFF2-40B4-BE49-F238E27FC236}">
+                <a16:creationId xmlns:a16="http://schemas.microsoft.com/office/drawing/2014/main" id="{1CB3D261-80A7-CEC7-AB20-771853E0C1FE}"/>
               </a:ext>
             </a:extLst>
           </p:cNvPr>
@@ -8529,15 +8842,20 @@
           <p:nvPr/>
         </p:nvPicPr>
         <p:blipFill>
-          <a:blip r:embed="rId3"/>
-          <a:stretch>
-            <a:fillRect/>
-          </a:stretch>
+          <a:blip r:embed="rId4">
+            <a:extLst>
+              <a:ext uri="{28A0092B-C50C-407E-A947-70E740481C1C}">
+                <a14:useLocalDpi xmlns:a14="http://schemas.microsoft.com/office/drawing/2010/main" val="0"/>
+              </a:ext>
+            </a:extLst>
+          </a:blip>
+          <a:srcRect/>
+          <a:stretch/>
         </p:blipFill>
         <p:spPr>
           <a:xfrm>
-            <a:off x="2360275" y="540562"/>
-            <a:ext cx="7641126" cy="6112900"/>
+            <a:off x="5943715" y="2765719"/>
+            <a:ext cx="4745388" cy="3734498"/>
           </a:xfrm>
           <a:prstGeom prst="rect">
             <a:avLst/>
@@ -8547,7 +8865,7 @@
     </p:spTree>
     <p:extLst>
       <p:ext uri="{BB962C8B-B14F-4D97-AF65-F5344CB8AC3E}">
-        <p14:creationId xmlns:p14="http://schemas.microsoft.com/office/powerpoint/2010/main" val="2147283261"/>
+        <p14:creationId xmlns:p14="http://schemas.microsoft.com/office/powerpoint/2010/main" val="2205335975"/>
       </p:ext>
     </p:extLst>
   </p:cSld>
@@ -8592,7 +8910,7 @@
         </p:nvSpPr>
         <p:spPr>
           <a:xfrm>
-            <a:off x="139085" y="-580462"/>
+            <a:off x="576072" y="0"/>
             <a:ext cx="9692640" cy="1325562"/>
           </a:xfrm>
         </p:spPr>
@@ -8602,77 +8920,17 @@
           <a:p>
             <a:r>
               <a:rPr lang="en-US" dirty="0"/>
-              <a:t>Results</a:t>
-            </a:r>
-          </a:p>
-        </p:txBody>
-      </p:sp>
-      <p:sp>
-        <p:nvSpPr>
-          <p:cNvPr id="3" name="Content Placeholder 2">
+              <a:t>Outcomes</a:t>
+            </a:r>
+          </a:p>
+        </p:txBody>
+      </p:sp>
+      <p:pic>
+        <p:nvPicPr>
+          <p:cNvPr id="11" name="Picture 10">
             <a:extLst>
               <a:ext uri="{FF2B5EF4-FFF2-40B4-BE49-F238E27FC236}">
-                <a16:creationId xmlns:a16="http://schemas.microsoft.com/office/drawing/2014/main" id="{E57F8794-F05B-4F17-758E-5D3A98F310C7}"/>
-              </a:ext>
-            </a:extLst>
-          </p:cNvPr>
-          <p:cNvSpPr>
-            <a:spLocks noGrp="1"/>
-          </p:cNvSpPr>
-          <p:nvPr>
-            <p:ph idx="1"/>
-          </p:nvPr>
-        </p:nvSpPr>
-        <p:spPr>
-          <a:xfrm>
-            <a:off x="1261872" y="1491915"/>
-            <a:ext cx="8595360" cy="5029200"/>
-          </a:xfrm>
-        </p:spPr>
-        <p:txBody>
-          <a:bodyPr>
-            <a:normAutofit/>
-          </a:bodyPr>
-          <a:lstStyle/>
-          <a:p>
-            <a:pPr marL="274320" lvl="1" indent="0">
-              <a:buNone/>
-            </a:pPr>
-            <a:endParaRPr lang="en-US" sz="3000" dirty="0"/>
-          </a:p>
-          <a:p>
-            <a:endParaRPr lang="en-US" sz="2400" dirty="0"/>
-          </a:p>
-          <a:p>
-            <a:pPr marL="274320" lvl="1" indent="0">
-              <a:buNone/>
-            </a:pPr>
-            <a:endParaRPr lang="en-US" sz="2600" dirty="0"/>
-          </a:p>
-          <a:p>
-            <a:pPr lvl="1"/>
-            <a:endParaRPr lang="en-US" sz="3000" dirty="0"/>
-          </a:p>
-          <a:p>
-            <a:pPr lvl="1"/>
-            <a:endParaRPr lang="en-US" sz="3000" dirty="0"/>
-          </a:p>
-          <a:p>
-            <a:pPr lvl="1"/>
-            <a:endParaRPr lang="en-US" sz="2800" dirty="0"/>
-          </a:p>
-          <a:p>
-            <a:pPr lvl="1"/>
-            <a:endParaRPr lang="en-US" sz="3000" dirty="0"/>
-          </a:p>
-        </p:txBody>
-      </p:sp>
-      <p:pic>
-        <p:nvPicPr>
-          <p:cNvPr id="5" name="Picture 4">
-            <a:extLst>
-              <a:ext uri="{FF2B5EF4-FFF2-40B4-BE49-F238E27FC236}">
-                <a16:creationId xmlns:a16="http://schemas.microsoft.com/office/drawing/2014/main" id="{6E0D262E-E82E-2D6C-9F3F-CB8C4E8D172C}"/>
+                <a16:creationId xmlns:a16="http://schemas.microsoft.com/office/drawing/2014/main" id="{DBB7970E-7D93-FB6E-1E86-B45634875A18}"/>
               </a:ext>
             </a:extLst>
           </p:cNvPr>
@@ -8682,15 +8940,20 @@
           <p:nvPr/>
         </p:nvPicPr>
         <p:blipFill>
-          <a:blip r:embed="rId3"/>
-          <a:stretch>
-            <a:fillRect/>
-          </a:stretch>
+          <a:blip r:embed="rId3">
+            <a:extLst>
+              <a:ext uri="{28A0092B-C50C-407E-A947-70E740481C1C}">
+                <a14:useLocalDpi xmlns:a14="http://schemas.microsoft.com/office/drawing/2010/main" val="0"/>
+              </a:ext>
+            </a:extLst>
+          </a:blip>
+          <a:srcRect/>
+          <a:stretch/>
         </p:blipFill>
         <p:spPr>
           <a:xfrm>
-            <a:off x="1430314" y="745100"/>
-            <a:ext cx="8780843" cy="6112900"/>
+            <a:off x="3413829" y="139795"/>
+            <a:ext cx="6391908" cy="6578409"/>
           </a:xfrm>
           <a:prstGeom prst="rect">
             <a:avLst/>
@@ -8700,7 +8963,7 @@
     </p:spTree>
     <p:extLst>
       <p:ext uri="{BB962C8B-B14F-4D97-AF65-F5344CB8AC3E}">
-        <p14:creationId xmlns:p14="http://schemas.microsoft.com/office/powerpoint/2010/main" val="1792547342"/>
+        <p14:creationId xmlns:p14="http://schemas.microsoft.com/office/powerpoint/2010/main" val="1601826953"/>
       </p:ext>
     </p:extLst>
   </p:cSld>
@@ -8745,7 +9008,7 @@
         </p:nvSpPr>
         <p:spPr>
           <a:xfrm>
-            <a:off x="139085" y="-580462"/>
+            <a:off x="576072" y="0"/>
             <a:ext cx="9692640" cy="1325562"/>
           </a:xfrm>
         </p:spPr>
@@ -8755,77 +9018,17 @@
           <a:p>
             <a:r>
               <a:rPr lang="en-US" dirty="0"/>
-              <a:t>Results</a:t>
-            </a:r>
-          </a:p>
-        </p:txBody>
-      </p:sp>
-      <p:sp>
-        <p:nvSpPr>
-          <p:cNvPr id="3" name="Content Placeholder 2">
+              <a:t>Outcomes</a:t>
+            </a:r>
+          </a:p>
+        </p:txBody>
+      </p:sp>
+      <p:pic>
+        <p:nvPicPr>
+          <p:cNvPr id="11" name="Picture 10">
             <a:extLst>
               <a:ext uri="{FF2B5EF4-FFF2-40B4-BE49-F238E27FC236}">
-                <a16:creationId xmlns:a16="http://schemas.microsoft.com/office/drawing/2014/main" id="{E57F8794-F05B-4F17-758E-5D3A98F310C7}"/>
-              </a:ext>
-            </a:extLst>
-          </p:cNvPr>
-          <p:cNvSpPr>
-            <a:spLocks noGrp="1"/>
-          </p:cNvSpPr>
-          <p:nvPr>
-            <p:ph idx="1"/>
-          </p:nvPr>
-        </p:nvSpPr>
-        <p:spPr>
-          <a:xfrm>
-            <a:off x="1261872" y="1491915"/>
-            <a:ext cx="8595360" cy="5029200"/>
-          </a:xfrm>
-        </p:spPr>
-        <p:txBody>
-          <a:bodyPr>
-            <a:normAutofit/>
-          </a:bodyPr>
-          <a:lstStyle/>
-          <a:p>
-            <a:pPr marL="274320" lvl="1" indent="0">
-              <a:buNone/>
-            </a:pPr>
-            <a:endParaRPr lang="en-US" sz="3000" dirty="0"/>
-          </a:p>
-          <a:p>
-            <a:endParaRPr lang="en-US" sz="2400" dirty="0"/>
-          </a:p>
-          <a:p>
-            <a:pPr marL="274320" lvl="1" indent="0">
-              <a:buNone/>
-            </a:pPr>
-            <a:endParaRPr lang="en-US" sz="2600" dirty="0"/>
-          </a:p>
-          <a:p>
-            <a:pPr lvl="1"/>
-            <a:endParaRPr lang="en-US" sz="3000" dirty="0"/>
-          </a:p>
-          <a:p>
-            <a:pPr lvl="1"/>
-            <a:endParaRPr lang="en-US" sz="3000" dirty="0"/>
-          </a:p>
-          <a:p>
-            <a:pPr lvl="1"/>
-            <a:endParaRPr lang="en-US" sz="2800" dirty="0"/>
-          </a:p>
-          <a:p>
-            <a:pPr lvl="1"/>
-            <a:endParaRPr lang="en-US" sz="3000" dirty="0"/>
-          </a:p>
-        </p:txBody>
-      </p:sp>
-      <p:pic>
-        <p:nvPicPr>
-          <p:cNvPr id="4" name="Picture 3">
-            <a:extLst>
-              <a:ext uri="{FF2B5EF4-FFF2-40B4-BE49-F238E27FC236}">
-                <a16:creationId xmlns:a16="http://schemas.microsoft.com/office/drawing/2014/main" id="{30442081-DC6C-7115-67BC-1A359D4C45CD}"/>
+                <a16:creationId xmlns:a16="http://schemas.microsoft.com/office/drawing/2014/main" id="{DBB7970E-7D93-FB6E-1E86-B45634875A18}"/>
               </a:ext>
             </a:extLst>
           </p:cNvPr>
@@ -8835,15 +9038,20 @@
           <p:nvPr/>
         </p:nvPicPr>
         <p:blipFill>
-          <a:blip r:embed="rId3"/>
-          <a:stretch>
-            <a:fillRect/>
-          </a:stretch>
+          <a:blip r:embed="rId3">
+            <a:extLst>
+              <a:ext uri="{28A0092B-C50C-407E-A947-70E740481C1C}">
+                <a14:useLocalDpi xmlns:a14="http://schemas.microsoft.com/office/drawing/2010/main" val="0"/>
+              </a:ext>
+            </a:extLst>
+          </a:blip>
+          <a:srcRect/>
+          <a:stretch/>
         </p:blipFill>
         <p:spPr>
           <a:xfrm>
-            <a:off x="1170431" y="745100"/>
-            <a:ext cx="8780841" cy="6112899"/>
+            <a:off x="3377735" y="508559"/>
+            <a:ext cx="6391908" cy="5840881"/>
           </a:xfrm>
           <a:prstGeom prst="rect">
             <a:avLst/>
@@ -8853,7 +9061,7 @@
     </p:spTree>
     <p:extLst>
       <p:ext uri="{BB962C8B-B14F-4D97-AF65-F5344CB8AC3E}">
-        <p14:creationId xmlns:p14="http://schemas.microsoft.com/office/powerpoint/2010/main" val="1367268239"/>
+        <p14:creationId xmlns:p14="http://schemas.microsoft.com/office/powerpoint/2010/main" val="1002757650"/>
       </p:ext>
     </p:extLst>
   </p:cSld>
@@ -8908,7 +9116,7 @@
           <a:p>
             <a:r>
               <a:rPr lang="en-US" dirty="0"/>
-              <a:t>Conclusion</a:t>
+              <a:t>Study Design</a:t>
             </a:r>
           </a:p>
         </p:txBody>
@@ -8937,15 +9145,116 @@
         </p:spPr>
         <p:txBody>
           <a:bodyPr>
-            <a:normAutofit/>
+            <a:normAutofit fontScale="70000" lnSpcReduction="20000"/>
           </a:bodyPr>
           <a:lstStyle/>
           <a:p>
-            <a:pPr lvl="1"/>
-            <a:endParaRPr lang="en-US" sz="3000" dirty="0"/>
-          </a:p>
-          <a:p>
-            <a:endParaRPr lang="en-US" sz="2400" dirty="0"/>
+            <a:r>
+              <a:rPr lang="en-US" sz="3200" dirty="0"/>
+              <a:t>Independent Variable – Moral Conviction:</a:t>
+            </a:r>
+          </a:p>
+          <a:p>
+            <a:pPr lvl="1"/>
+            <a:r>
+              <a:rPr lang="en-US" sz="3000" dirty="0">
+                <a:solidFill>
+                  <a:schemeClr val="tx1"/>
+                </a:solidFill>
+              </a:rPr>
+              <a:t>Moral Responsibility</a:t>
+            </a:r>
+          </a:p>
+          <a:p>
+            <a:pPr lvl="1"/>
+            <a:r>
+              <a:rPr lang="en-US" sz="3000" dirty="0">
+                <a:solidFill>
+                  <a:schemeClr val="tx1"/>
+                </a:solidFill>
+              </a:rPr>
+              <a:t>Moral Piggybacking</a:t>
+            </a:r>
+          </a:p>
+          <a:p>
+            <a:pPr lvl="1"/>
+            <a:r>
+              <a:rPr lang="en-US" sz="3000" dirty="0">
+                <a:solidFill>
+                  <a:schemeClr val="tx1"/>
+                </a:solidFill>
+              </a:rPr>
+              <a:t>Pragmatic</a:t>
+            </a:r>
+          </a:p>
+          <a:p>
+            <a:pPr lvl="1"/>
+            <a:r>
+              <a:rPr lang="en-US" sz="3000" dirty="0">
+                <a:solidFill>
+                  <a:schemeClr val="tx1"/>
+                </a:solidFill>
+              </a:rPr>
+              <a:t>Hedonic</a:t>
+            </a:r>
+          </a:p>
+          <a:p>
+            <a:pPr lvl="1"/>
+            <a:r>
+              <a:rPr lang="en-US" sz="3000" dirty="0">
+                <a:solidFill>
+                  <a:schemeClr val="tx1"/>
+                </a:solidFill>
+              </a:rPr>
+              <a:t>Control</a:t>
+            </a:r>
+          </a:p>
+          <a:p>
+            <a:r>
+              <a:rPr lang="en-US" sz="3200" dirty="0"/>
+              <a:t>Participants were given essays with the same framing on all four topics:</a:t>
+            </a:r>
+          </a:p>
+          <a:p>
+            <a:pPr lvl="1"/>
+            <a:r>
+              <a:rPr lang="en-US" sz="3000" dirty="0"/>
+              <a:t>Universal Health Care</a:t>
+            </a:r>
+          </a:p>
+          <a:p>
+            <a:pPr lvl="1"/>
+            <a:r>
+              <a:rPr lang="en-US" sz="3000" dirty="0"/>
+              <a:t>Capital Punishment</a:t>
+            </a:r>
+          </a:p>
+          <a:p>
+            <a:pPr lvl="1"/>
+            <a:r>
+              <a:rPr lang="en-US" sz="3000" dirty="0"/>
+              <a:t>Climate Change</a:t>
+            </a:r>
+          </a:p>
+          <a:p>
+            <a:pPr lvl="1"/>
+            <a:r>
+              <a:rPr lang="en-US" sz="3000" dirty="0"/>
+              <a:t>Exercise</a:t>
+            </a:r>
+          </a:p>
+          <a:p>
+            <a:r>
+              <a:rPr lang="en-US" sz="3200" dirty="0"/>
+              <a:t>Main Outcomes: Support for an issue and level of moral conviction on an issue.</a:t>
+            </a:r>
+          </a:p>
+          <a:p>
+            <a:pPr lvl="1"/>
+            <a:r>
+              <a:rPr lang="en-US" sz="2300" dirty="0"/>
+              <a:t>Additionally, measured openness to belief change for a topic, and how persuasive each essay was</a:t>
+            </a:r>
           </a:p>
           <a:p>
             <a:pPr marL="274320" lvl="1" indent="0">
@@ -8974,7 +9283,7 @@
     </p:spTree>
     <p:extLst>
       <p:ext uri="{BB962C8B-B14F-4D97-AF65-F5344CB8AC3E}">
-        <p14:creationId xmlns:p14="http://schemas.microsoft.com/office/powerpoint/2010/main" val="3330247415"/>
+        <p14:creationId xmlns:p14="http://schemas.microsoft.com/office/powerpoint/2010/main" val="1317779947"/>
       </p:ext>
     </p:extLst>
   </p:cSld>
@@ -9006,7 +9315,7 @@
           <p:cNvPr id="2" name="Title 1">
             <a:extLst>
               <a:ext uri="{FF2B5EF4-FFF2-40B4-BE49-F238E27FC236}">
-                <a16:creationId xmlns:a16="http://schemas.microsoft.com/office/drawing/2014/main" id="{4EECF823-1C90-ED62-D7CF-5A4F1C756700}"/>
+                <a16:creationId xmlns:a16="http://schemas.microsoft.com/office/drawing/2014/main" id="{97956EA8-71D0-976B-B830-A12A319D5324}"/>
               </a:ext>
             </a:extLst>
           </p:cNvPr>
@@ -9014,27 +9323,32 @@
             <a:spLocks noGrp="1"/>
           </p:cNvSpPr>
           <p:nvPr>
-            <p:ph type="ctrTitle"/>
-          </p:nvPr>
-        </p:nvSpPr>
-        <p:spPr/>
+            <p:ph type="title"/>
+          </p:nvPr>
+        </p:nvSpPr>
+        <p:spPr>
+          <a:xfrm>
+            <a:off x="139085" y="-580462"/>
+            <a:ext cx="9692640" cy="1325562"/>
+          </a:xfrm>
+        </p:spPr>
         <p:txBody>
           <a:bodyPr/>
           <a:lstStyle/>
           <a:p>
             <a:r>
               <a:rPr lang="en-US" dirty="0"/>
-              <a:t>Study 2</a:t>
-            </a:r>
-          </a:p>
-        </p:txBody>
-      </p:sp>
-      <p:sp>
-        <p:nvSpPr>
-          <p:cNvPr id="3" name="Subtitle 2">
+              <a:t>Results</a:t>
+            </a:r>
+          </a:p>
+        </p:txBody>
+      </p:sp>
+      <p:sp>
+        <p:nvSpPr>
+          <p:cNvPr id="3" name="Content Placeholder 2">
             <a:extLst>
               <a:ext uri="{FF2B5EF4-FFF2-40B4-BE49-F238E27FC236}">
-                <a16:creationId xmlns:a16="http://schemas.microsoft.com/office/drawing/2014/main" id="{5D280F2B-933C-94BC-83C8-0BAA7B31F8E6}"/>
+                <a16:creationId xmlns:a16="http://schemas.microsoft.com/office/drawing/2014/main" id="{E57F8794-F05B-4F17-758E-5D3A98F310C7}"/>
               </a:ext>
             </a:extLst>
           </p:cNvPr>
@@ -9042,25 +9356,87 @@
             <a:spLocks noGrp="1"/>
           </p:cNvSpPr>
           <p:nvPr>
-            <p:ph type="subTitle" idx="1"/>
-          </p:nvPr>
-        </p:nvSpPr>
-        <p:spPr/>
-        <p:txBody>
-          <a:bodyPr/>
-          <a:lstStyle/>
-          <a:p>
-            <a:r>
-              <a:rPr lang="en-US" dirty="0"/>
-              <a:t>Effect of Moral Conviction on Current and Past Issues</a:t>
-            </a:r>
-          </a:p>
-        </p:txBody>
-      </p:sp>
+            <p:ph idx="1"/>
+          </p:nvPr>
+        </p:nvSpPr>
+        <p:spPr>
+          <a:xfrm>
+            <a:off x="1261872" y="1491915"/>
+            <a:ext cx="8595360" cy="5029200"/>
+          </a:xfrm>
+        </p:spPr>
+        <p:txBody>
+          <a:bodyPr>
+            <a:normAutofit/>
+          </a:bodyPr>
+          <a:lstStyle/>
+          <a:p>
+            <a:pPr marL="274320" lvl="1" indent="0">
+              <a:buNone/>
+            </a:pPr>
+            <a:endParaRPr lang="en-US" sz="3000" dirty="0"/>
+          </a:p>
+          <a:p>
+            <a:endParaRPr lang="en-US" sz="2400" dirty="0"/>
+          </a:p>
+          <a:p>
+            <a:pPr marL="274320" lvl="1" indent="0">
+              <a:buNone/>
+            </a:pPr>
+            <a:endParaRPr lang="en-US" sz="2600" dirty="0"/>
+          </a:p>
+          <a:p>
+            <a:pPr lvl="1"/>
+            <a:endParaRPr lang="en-US" sz="3000" dirty="0"/>
+          </a:p>
+          <a:p>
+            <a:pPr lvl="1"/>
+            <a:endParaRPr lang="en-US" sz="3000" dirty="0"/>
+          </a:p>
+          <a:p>
+            <a:pPr lvl="1"/>
+            <a:endParaRPr lang="en-US" sz="2800" dirty="0"/>
+          </a:p>
+          <a:p>
+            <a:pPr lvl="1"/>
+            <a:endParaRPr lang="en-US" sz="3000" dirty="0"/>
+          </a:p>
+        </p:txBody>
+      </p:sp>
+      <p:pic>
+        <p:nvPicPr>
+          <p:cNvPr id="5" name="Picture 4">
+            <a:extLst>
+              <a:ext uri="{FF2B5EF4-FFF2-40B4-BE49-F238E27FC236}">
+                <a16:creationId xmlns:a16="http://schemas.microsoft.com/office/drawing/2014/main" id="{96279C66-9EC4-ABE5-C58A-EEA9DEB66C12}"/>
+              </a:ext>
+            </a:extLst>
+          </p:cNvPr>
+          <p:cNvPicPr>
+            <a:picLocks noChangeAspect="1"/>
+          </p:cNvPicPr>
+          <p:nvPr/>
+        </p:nvPicPr>
+        <p:blipFill>
+          <a:blip r:embed="rId3"/>
+          <a:stretch>
+            <a:fillRect/>
+          </a:stretch>
+        </p:blipFill>
+        <p:spPr>
+          <a:xfrm>
+            <a:off x="2036276" y="660439"/>
+            <a:ext cx="8893852" cy="6197561"/>
+          </a:xfrm>
+          <a:prstGeom prst="rect">
+            <a:avLst/>
+          </a:prstGeom>
+        </p:spPr>
+      </p:pic>
     </p:spTree>
     <p:extLst>
       <p:ext uri="{BB962C8B-B14F-4D97-AF65-F5344CB8AC3E}">
-        <p14:creationId xmlns:p14="http://schemas.microsoft.com/office/powerpoint/2010/main" val="3106584627"/>
+        <p14:creationId xmlns:p14="http://schemas.microsoft.com/office/powerpoint/2010/main" val="91250193"/>
       </p:ext>
     </p:extLst>
   </p:cSld>
@@ -9105,7 +9481,7 @@
         </p:nvSpPr>
         <p:spPr>
           <a:xfrm>
-            <a:off x="1261872" y="0"/>
+            <a:off x="139085" y="-580462"/>
             <a:ext cx="9692640" cy="1325562"/>
           </a:xfrm>
         </p:spPr>
@@ -9115,7 +9491,7 @@
           <a:p>
             <a:r>
               <a:rPr lang="en-US" dirty="0"/>
-              <a:t>Participants</a:t>
+              <a:t>Results</a:t>
             </a:r>
           </a:p>
         </p:txBody>
@@ -9148,21 +9524,9 @@
           </a:bodyPr>
           <a:lstStyle/>
           <a:p>
-            <a:r>
-              <a:rPr lang="en-US" sz="3500" dirty="0"/>
-              <a:t>Psychology 1000 Students (N = 208)</a:t>
-            </a:r>
-          </a:p>
-          <a:p>
-            <a:pPr lvl="1"/>
-            <a:r>
-              <a:rPr lang="en-US" sz="3000" dirty="0"/>
-              <a:t>Demographic information was not collected</a:t>
-            </a:r>
-            <a:endParaRPr lang="en-US" sz="2200" dirty="0"/>
-          </a:p>
-          <a:p>
-            <a:pPr lvl="1"/>
+            <a:pPr marL="274320" lvl="1" indent="0">
+              <a:buNone/>
+            </a:pPr>
             <a:endParaRPr lang="en-US" sz="3000" dirty="0"/>
           </a:p>
           <a:p>
@@ -9192,10 +9556,40 @@
           </a:p>
         </p:txBody>
       </p:sp>
+      <p:pic>
+        <p:nvPicPr>
+          <p:cNvPr id="6" name="Picture 5">
+            <a:extLst>
+              <a:ext uri="{FF2B5EF4-FFF2-40B4-BE49-F238E27FC236}">
+                <a16:creationId xmlns:a16="http://schemas.microsoft.com/office/drawing/2014/main" id="{C2026298-254D-4869-5C43-D804EFB2644A}"/>
+              </a:ext>
+            </a:extLst>
+          </p:cNvPr>
+          <p:cNvPicPr>
+            <a:picLocks noChangeAspect="1"/>
+          </p:cNvPicPr>
+          <p:nvPr/>
+        </p:nvPicPr>
+        <p:blipFill>
+          <a:blip r:embed="rId3"/>
+          <a:stretch>
+            <a:fillRect/>
+          </a:stretch>
+        </p:blipFill>
+        <p:spPr>
+          <a:xfrm>
+            <a:off x="2069432" y="623140"/>
+            <a:ext cx="8947377" cy="6234859"/>
+          </a:xfrm>
+          <a:prstGeom prst="rect">
+            <a:avLst/>
+          </a:prstGeom>
+        </p:spPr>
+      </p:pic>
     </p:spTree>
     <p:extLst>
       <p:ext uri="{BB962C8B-B14F-4D97-AF65-F5344CB8AC3E}">
-        <p14:creationId xmlns:p14="http://schemas.microsoft.com/office/powerpoint/2010/main" val="1959347761"/>
+        <p14:creationId xmlns:p14="http://schemas.microsoft.com/office/powerpoint/2010/main" val="872408633"/>
       </p:ext>
     </p:extLst>
   </p:cSld>
@@ -9240,7 +9634,7 @@
         </p:nvSpPr>
         <p:spPr>
           <a:xfrm>
-            <a:off x="1261872" y="0"/>
+            <a:off x="139085" y="-580462"/>
             <a:ext cx="9692640" cy="1325562"/>
           </a:xfrm>
         </p:spPr>
@@ -9250,17 +9644,77 @@
           <a:p>
             <a:r>
               <a:rPr lang="en-US" dirty="0"/>
-              <a:t>Method</a:t>
-            </a:r>
+              <a:t>Results</a:t>
+            </a:r>
+          </a:p>
+        </p:txBody>
+      </p:sp>
+      <p:sp>
+        <p:nvSpPr>
+          <p:cNvPr id="3" name="Content Placeholder 2">
+            <a:extLst>
+              <a:ext uri="{FF2B5EF4-FFF2-40B4-BE49-F238E27FC236}">
+                <a16:creationId xmlns:a16="http://schemas.microsoft.com/office/drawing/2014/main" id="{E57F8794-F05B-4F17-758E-5D3A98F310C7}"/>
+              </a:ext>
+            </a:extLst>
+          </p:cNvPr>
+          <p:cNvSpPr>
+            <a:spLocks noGrp="1"/>
+          </p:cNvSpPr>
+          <p:nvPr>
+            <p:ph idx="1"/>
+          </p:nvPr>
+        </p:nvSpPr>
+        <p:spPr>
+          <a:xfrm>
+            <a:off x="1261872" y="1491915"/>
+            <a:ext cx="8595360" cy="5029200"/>
+          </a:xfrm>
+        </p:spPr>
+        <p:txBody>
+          <a:bodyPr>
+            <a:normAutofit/>
+          </a:bodyPr>
+          <a:lstStyle/>
+          <a:p>
+            <a:pPr marL="274320" lvl="1" indent="0">
+              <a:buNone/>
+            </a:pPr>
+            <a:endParaRPr lang="en-US" sz="3000" dirty="0"/>
+          </a:p>
+          <a:p>
+            <a:endParaRPr lang="en-US" sz="2400" dirty="0"/>
+          </a:p>
+          <a:p>
+            <a:pPr marL="274320" lvl="1" indent="0">
+              <a:buNone/>
+            </a:pPr>
+            <a:endParaRPr lang="en-US" sz="2600" dirty="0"/>
+          </a:p>
+          <a:p>
+            <a:pPr lvl="1"/>
+            <a:endParaRPr lang="en-US" sz="3000" dirty="0"/>
+          </a:p>
+          <a:p>
+            <a:pPr lvl="1"/>
+            <a:endParaRPr lang="en-US" sz="3000" dirty="0"/>
+          </a:p>
+          <a:p>
+            <a:pPr lvl="1"/>
+            <a:endParaRPr lang="en-US" sz="2800" dirty="0"/>
+          </a:p>
+          <a:p>
+            <a:pPr lvl="1"/>
+            <a:endParaRPr lang="en-US" sz="3000" dirty="0"/>
           </a:p>
         </p:txBody>
       </p:sp>
       <p:pic>
         <p:nvPicPr>
-          <p:cNvPr id="11" name="Picture 10">
+          <p:cNvPr id="6" name="Picture 5">
             <a:extLst>
               <a:ext uri="{FF2B5EF4-FFF2-40B4-BE49-F238E27FC236}">
-                <a16:creationId xmlns:a16="http://schemas.microsoft.com/office/drawing/2014/main" id="{DBB7970E-7D93-FB6E-1E86-B45634875A18}"/>
+                <a16:creationId xmlns:a16="http://schemas.microsoft.com/office/drawing/2014/main" id="{4700BBDF-FE9C-5439-A20E-A61DD108F874}"/>
               </a:ext>
             </a:extLst>
           </p:cNvPr>
@@ -9277,8 +9731,8 @@
         </p:blipFill>
         <p:spPr>
           <a:xfrm>
-            <a:off x="3353511" y="0"/>
-            <a:ext cx="5484977" cy="6858000"/>
+            <a:off x="2069432" y="623140"/>
+            <a:ext cx="8947377" cy="6234859"/>
           </a:xfrm>
           <a:prstGeom prst="rect">
             <a:avLst/>
@@ -9288,7 +9742,7 @@
     </p:spTree>
     <p:extLst>
       <p:ext uri="{BB962C8B-B14F-4D97-AF65-F5344CB8AC3E}">
-        <p14:creationId xmlns:p14="http://schemas.microsoft.com/office/powerpoint/2010/main" val="1601826953"/>
+        <p14:creationId xmlns:p14="http://schemas.microsoft.com/office/powerpoint/2010/main" val="71388431"/>
       </p:ext>
     </p:extLst>
   </p:cSld>
@@ -9331,24 +9785,29 @@
             <p:ph type="title"/>
           </p:nvPr>
         </p:nvSpPr>
-        <p:spPr/>
+        <p:spPr>
+          <a:xfrm>
+            <a:off x="139085" y="-580462"/>
+            <a:ext cx="9692640" cy="1325562"/>
+          </a:xfrm>
+        </p:spPr>
         <p:txBody>
           <a:bodyPr/>
           <a:lstStyle/>
           <a:p>
             <a:r>
               <a:rPr lang="en-US" dirty="0"/>
-              <a:t>Method</a:t>
-            </a:r>
-          </a:p>
-        </p:txBody>
-      </p:sp>
-      <p:sp>
-        <p:nvSpPr>
-          <p:cNvPr id="8" name="Text Placeholder 7">
+              <a:t>Results</a:t>
+            </a:r>
+          </a:p>
+        </p:txBody>
+      </p:sp>
+      <p:sp>
+        <p:nvSpPr>
+          <p:cNvPr id="3" name="Content Placeholder 2">
             <a:extLst>
               <a:ext uri="{FF2B5EF4-FFF2-40B4-BE49-F238E27FC236}">
-                <a16:creationId xmlns:a16="http://schemas.microsoft.com/office/drawing/2014/main" id="{5A5A4D62-9125-FA69-2B3A-933C0B64B531}"/>
+                <a16:creationId xmlns:a16="http://schemas.microsoft.com/office/drawing/2014/main" id="{E57F8794-F05B-4F17-758E-5D3A98F310C7}"/>
               </a:ext>
             </a:extLst>
           </p:cNvPr>
@@ -9356,115 +9815,77 @@
             <a:spLocks noGrp="1"/>
           </p:cNvSpPr>
           <p:nvPr>
-            <p:ph type="body" idx="1"/>
+            <p:ph idx="1"/>
           </p:nvPr>
         </p:nvSpPr>
         <p:spPr>
           <a:xfrm>
-            <a:off x="721627" y="1713655"/>
-            <a:ext cx="5020805" cy="865652"/>
+            <a:off x="1261872" y="1491915"/>
+            <a:ext cx="8595360" cy="5029200"/>
           </a:xfrm>
         </p:spPr>
         <p:txBody>
-          <a:bodyPr/>
-          <a:lstStyle/>
-          <a:p>
-            <a:r>
-              <a:rPr lang="en-US" dirty="0"/>
-              <a:t>Low social consensus condition</a:t>
-            </a:r>
-          </a:p>
-        </p:txBody>
-      </p:sp>
-      <p:sp>
-        <p:nvSpPr>
-          <p:cNvPr id="10" name="Text Placeholder 9">
+          <a:bodyPr>
+            <a:normAutofit/>
+          </a:bodyPr>
+          <a:lstStyle/>
+          <a:p>
+            <a:pPr marL="274320" lvl="1" indent="0">
+              <a:buNone/>
+            </a:pPr>
+            <a:endParaRPr lang="en-US" sz="3000" dirty="0"/>
+          </a:p>
+          <a:p>
+            <a:endParaRPr lang="en-US" sz="2400" dirty="0"/>
+          </a:p>
+          <a:p>
+            <a:pPr marL="274320" lvl="1" indent="0">
+              <a:buNone/>
+            </a:pPr>
+            <a:endParaRPr lang="en-US" sz="2600" dirty="0"/>
+          </a:p>
+          <a:p>
+            <a:pPr lvl="1"/>
+            <a:endParaRPr lang="en-US" sz="3000" dirty="0"/>
+          </a:p>
+          <a:p>
+            <a:pPr lvl="1"/>
+            <a:endParaRPr lang="en-US" sz="3000" dirty="0"/>
+          </a:p>
+          <a:p>
+            <a:pPr lvl="1"/>
+            <a:endParaRPr lang="en-US" sz="2800" dirty="0"/>
+          </a:p>
+          <a:p>
+            <a:pPr lvl="1"/>
+            <a:endParaRPr lang="en-US" sz="3000" dirty="0"/>
+          </a:p>
+        </p:txBody>
+      </p:sp>
+      <p:pic>
+        <p:nvPicPr>
+          <p:cNvPr id="6" name="Picture 5">
             <a:extLst>
               <a:ext uri="{FF2B5EF4-FFF2-40B4-BE49-F238E27FC236}">
-                <a16:creationId xmlns:a16="http://schemas.microsoft.com/office/drawing/2014/main" id="{5C0713C9-17C9-223B-E3CA-A7729084D319}"/>
-              </a:ext>
-            </a:extLst>
-          </p:cNvPr>
-          <p:cNvSpPr>
-            <a:spLocks noGrp="1"/>
-          </p:cNvSpPr>
-          <p:nvPr>
-            <p:ph type="body" sz="quarter" idx="3"/>
-          </p:nvPr>
-        </p:nvSpPr>
-        <p:spPr>
-          <a:xfrm>
-            <a:off x="5861780" y="1689590"/>
-            <a:ext cx="4827323" cy="872201"/>
-          </a:xfrm>
-        </p:spPr>
-        <p:txBody>
-          <a:bodyPr/>
-          <a:lstStyle/>
-          <a:p>
-            <a:r>
-              <a:rPr lang="en-US" dirty="0"/>
-              <a:t>High social consensus condition</a:t>
-            </a:r>
-          </a:p>
-        </p:txBody>
-      </p:sp>
-      <p:pic>
-        <p:nvPicPr>
-          <p:cNvPr id="12" name="Content Placeholder 11">
-            <a:extLst>
-              <a:ext uri="{FF2B5EF4-FFF2-40B4-BE49-F238E27FC236}">
-                <a16:creationId xmlns:a16="http://schemas.microsoft.com/office/drawing/2014/main" id="{868297F9-9264-3416-1865-7927F7A2428C}"/>
+                <a16:creationId xmlns:a16="http://schemas.microsoft.com/office/drawing/2014/main" id="{68A8E8A7-C6AA-F8D6-3213-CE25B1BBECF3}"/>
               </a:ext>
             </a:extLst>
           </p:cNvPr>
           <p:cNvPicPr>
-            <a:picLocks noGrp="1" noChangeAspect="1"/>
+            <a:picLocks noChangeAspect="1"/>
           </p:cNvPicPr>
-          <p:nvPr>
-            <p:ph sz="half" idx="2"/>
-          </p:nvPr>
+          <p:nvPr/>
         </p:nvPicPr>
-        <p:blipFill rotWithShape="1">
+        <p:blipFill>
           <a:blip r:embed="rId3"/>
-          <a:srcRect b="54912"/>
-          <a:stretch/>
+          <a:stretch>
+            <a:fillRect/>
+          </a:stretch>
         </p:blipFill>
         <p:spPr>
           <a:xfrm>
-            <a:off x="440621" y="2938187"/>
-            <a:ext cx="5301368" cy="3318234"/>
-          </a:xfrm>
-          <a:prstGeom prst="rect">
-            <a:avLst/>
-          </a:prstGeom>
-        </p:spPr>
-      </p:pic>
-      <p:pic>
-        <p:nvPicPr>
-          <p:cNvPr id="13" name="Content Placeholder 12">
-            <a:extLst>
-              <a:ext uri="{FF2B5EF4-FFF2-40B4-BE49-F238E27FC236}">
-                <a16:creationId xmlns:a16="http://schemas.microsoft.com/office/drawing/2014/main" id="{43EEBF6F-B346-3E4B-3C51-000A35BE0FEC}"/>
-              </a:ext>
-            </a:extLst>
-          </p:cNvPr>
-          <p:cNvPicPr>
-            <a:picLocks noGrp="1" noChangeAspect="1"/>
-          </p:cNvPicPr>
-          <p:nvPr>
-            <p:ph sz="quarter" idx="4"/>
-          </p:nvPr>
-        </p:nvPicPr>
-        <p:blipFill rotWithShape="1">
-          <a:blip r:embed="rId4"/>
-          <a:srcRect b="54912"/>
-          <a:stretch/>
-        </p:blipFill>
-        <p:spPr>
-          <a:xfrm>
-            <a:off x="5861464" y="2924649"/>
-            <a:ext cx="5343364" cy="3318234"/>
+            <a:off x="2165684" y="690212"/>
+            <a:ext cx="8851125" cy="6167788"/>
           </a:xfrm>
           <a:prstGeom prst="rect">
             <a:avLst/>
@@ -9474,7 +9895,7 @@
     </p:spTree>
     <p:extLst>
       <p:ext uri="{BB962C8B-B14F-4D97-AF65-F5344CB8AC3E}">
-        <p14:creationId xmlns:p14="http://schemas.microsoft.com/office/powerpoint/2010/main" val="1983129524"/>
+        <p14:creationId xmlns:p14="http://schemas.microsoft.com/office/powerpoint/2010/main" val="1087906005"/>
       </p:ext>
     </p:extLst>
   </p:cSld>
@@ -9632,7 +10053,7 @@
         </p:nvSpPr>
         <p:spPr>
           <a:xfrm>
-            <a:off x="1261872" y="0"/>
+            <a:off x="139085" y="-580462"/>
             <a:ext cx="9692640" cy="1325562"/>
           </a:xfrm>
         </p:spPr>
@@ -9642,44 +10063,116 @@
           <a:p>
             <a:r>
               <a:rPr lang="en-US" dirty="0"/>
-              <a:t>Outcomes</a:t>
-            </a:r>
+              <a:t>Results</a:t>
+            </a:r>
+          </a:p>
+        </p:txBody>
+      </p:sp>
+      <p:sp>
+        <p:nvSpPr>
+          <p:cNvPr id="3" name="Content Placeholder 2">
+            <a:extLst>
+              <a:ext uri="{FF2B5EF4-FFF2-40B4-BE49-F238E27FC236}">
+                <a16:creationId xmlns:a16="http://schemas.microsoft.com/office/drawing/2014/main" id="{E57F8794-F05B-4F17-758E-5D3A98F310C7}"/>
+              </a:ext>
+            </a:extLst>
+          </p:cNvPr>
+          <p:cNvSpPr>
+            <a:spLocks noGrp="1"/>
+          </p:cNvSpPr>
+          <p:nvPr>
+            <p:ph idx="1"/>
+          </p:nvPr>
+        </p:nvSpPr>
+        <p:spPr>
+          <a:xfrm>
+            <a:off x="1261872" y="1491915"/>
+            <a:ext cx="8595360" cy="5029200"/>
+          </a:xfrm>
+        </p:spPr>
+        <p:txBody>
+          <a:bodyPr>
+            <a:normAutofit/>
+          </a:bodyPr>
+          <a:lstStyle/>
+          <a:p>
+            <a:pPr marL="274320" lvl="1" indent="0">
+              <a:buNone/>
+            </a:pPr>
+            <a:endParaRPr lang="en-US" sz="3000" dirty="0"/>
+          </a:p>
+          <a:p>
+            <a:endParaRPr lang="en-US" sz="2400" dirty="0"/>
+          </a:p>
+          <a:p>
+            <a:pPr marL="274320" lvl="1" indent="0">
+              <a:buNone/>
+            </a:pPr>
+            <a:endParaRPr lang="en-US" sz="2600" dirty="0"/>
+          </a:p>
+          <a:p>
+            <a:pPr lvl="1"/>
+            <a:endParaRPr lang="en-US" sz="3000" dirty="0"/>
+          </a:p>
+          <a:p>
+            <a:pPr lvl="1"/>
+            <a:endParaRPr lang="en-US" sz="3000" dirty="0"/>
+          </a:p>
+          <a:p>
+            <a:pPr lvl="1"/>
+            <a:endParaRPr lang="en-US" sz="2800" dirty="0"/>
+          </a:p>
+          <a:p>
+            <a:pPr lvl="1"/>
+            <a:endParaRPr lang="en-US" sz="3000" dirty="0"/>
           </a:p>
         </p:txBody>
       </p:sp>
       <p:pic>
         <p:nvPicPr>
-          <p:cNvPr id="9" name="Content Placeholder 8">
+          <p:cNvPr id="4" name="Picture 3" descr="A diagram with different colored squares&#10;&#10;Description automatically generated">
             <a:extLst>
               <a:ext uri="{FF2B5EF4-FFF2-40B4-BE49-F238E27FC236}">
-                <a16:creationId xmlns:a16="http://schemas.microsoft.com/office/drawing/2014/main" id="{D51ADD82-43AC-28FB-0947-1E8C6AE2BA2E}"/>
+                <a16:creationId xmlns:a16="http://schemas.microsoft.com/office/drawing/2014/main" id="{2AB6FE99-65E3-BA0A-2174-07CE55554C52}"/>
               </a:ext>
             </a:extLst>
           </p:cNvPr>
           <p:cNvPicPr>
-            <a:picLocks noGrp="1" noChangeAspect="1"/>
+            <a:picLocks noChangeAspect="1"/>
           </p:cNvPicPr>
-          <p:nvPr>
-            <p:ph idx="1"/>
-          </p:nvPr>
+          <p:nvPr/>
         </p:nvPicPr>
         <p:blipFill>
-          <a:blip r:embed="rId3"/>
+          <a:blip r:embed="rId3">
+            <a:extLst>
+              <a:ext uri="{28A0092B-C50C-407E-A947-70E740481C1C}">
+                <a14:useLocalDpi xmlns:a14="http://schemas.microsoft.com/office/drawing/2010/main" val="0"/>
+              </a:ext>
+            </a:extLst>
+          </a:blip>
+          <a:srcRect/>
           <a:stretch>
             <a:fillRect/>
           </a:stretch>
         </p:blipFill>
-        <p:spPr>
+        <p:spPr bwMode="auto">
           <a:xfrm>
-            <a:off x="2431846" y="1425398"/>
-            <a:ext cx="6651996" cy="5300254"/>
+            <a:off x="2334768" y="194595"/>
+            <a:ext cx="8334607" cy="6663405"/>
           </a:xfrm>
+          <a:prstGeom prst="rect">
+            <a:avLst/>
+          </a:prstGeom>
+          <a:noFill/>
+          <a:ln>
+            <a:noFill/>
+          </a:ln>
         </p:spPr>
       </p:pic>
     </p:spTree>
     <p:extLst>
       <p:ext uri="{BB962C8B-B14F-4D97-AF65-F5344CB8AC3E}">
-        <p14:creationId xmlns:p14="http://schemas.microsoft.com/office/powerpoint/2010/main" val="1869033059"/>
+        <p14:creationId xmlns:p14="http://schemas.microsoft.com/office/powerpoint/2010/main" val="1251989513"/>
       </p:ext>
     </p:extLst>
   </p:cSld>
@@ -9724,7 +10217,7 @@
         </p:nvSpPr>
         <p:spPr>
           <a:xfrm>
-            <a:off x="1261872" y="0"/>
+            <a:off x="139085" y="-580462"/>
             <a:ext cx="9692640" cy="1325562"/>
           </a:xfrm>
         </p:spPr>
@@ -9734,7 +10227,7 @@
           <a:p>
             <a:r>
               <a:rPr lang="en-US" dirty="0"/>
-              <a:t>Study Design</a:t>
+              <a:t>Results</a:t>
             </a:r>
           </a:p>
         </p:txBody>
@@ -9763,103 +10256,13 @@
         </p:spPr>
         <p:txBody>
           <a:bodyPr>
-            <a:normAutofit lnSpcReduction="10000"/>
+            <a:normAutofit/>
           </a:bodyPr>
           <a:lstStyle/>
           <a:p>
-            <a:r>
-              <a:rPr lang="en-US" sz="3500" dirty="0"/>
-              <a:t>Repeated measures design</a:t>
-            </a:r>
-          </a:p>
-          <a:p>
-            <a:pPr lvl="1"/>
-            <a:r>
-              <a:rPr lang="en-US" sz="3000" dirty="0"/>
-              <a:t>2 Independent Variables:</a:t>
-            </a:r>
-          </a:p>
-          <a:p>
-            <a:pPr lvl="2"/>
-            <a:r>
-              <a:rPr lang="en-US" sz="2800" u="sng" dirty="0">
-                <a:solidFill>
-                  <a:srgbClr val="00B050"/>
-                </a:solidFill>
-              </a:rPr>
-              <a:t>Time:</a:t>
-            </a:r>
-            <a:r>
-              <a:rPr lang="en-US" sz="2800" dirty="0">
-                <a:solidFill>
-                  <a:srgbClr val="00B050"/>
-                </a:solidFill>
-              </a:rPr>
-              <a:t> Before or After consensus manipulation</a:t>
-            </a:r>
-          </a:p>
-          <a:p>
-            <a:pPr lvl="2"/>
-            <a:r>
-              <a:rPr lang="en-US" sz="2800" u="sng" dirty="0">
-                <a:solidFill>
-                  <a:srgbClr val="0070C0"/>
-                </a:solidFill>
-              </a:rPr>
-              <a:t>Social Consensus: </a:t>
-            </a:r>
-            <a:r>
-              <a:rPr lang="en-US" sz="2800" dirty="0">
-                <a:solidFill>
-                  <a:srgbClr val="0070C0"/>
-                </a:solidFill>
-              </a:rPr>
-              <a:t>Low (-20%) or High (+20%)</a:t>
-            </a:r>
-          </a:p>
-          <a:p>
-            <a:pPr lvl="1"/>
-            <a:r>
-              <a:rPr lang="en-US" sz="3000" dirty="0">
-                <a:solidFill>
-                  <a:srgbClr val="00B050"/>
-                </a:solidFill>
-              </a:rPr>
-              <a:t>2</a:t>
-            </a:r>
-            <a:r>
-              <a:rPr lang="en-US" sz="3000" dirty="0"/>
-              <a:t> x </a:t>
-            </a:r>
-            <a:r>
-              <a:rPr lang="en-US" sz="3000" dirty="0">
-                <a:solidFill>
-                  <a:srgbClr val="0070C0"/>
-                </a:solidFill>
-              </a:rPr>
-              <a:t>2</a:t>
-            </a:r>
-            <a:r>
-              <a:rPr lang="en-US" sz="3000" dirty="0"/>
-              <a:t> design</a:t>
-            </a:r>
-          </a:p>
-          <a:p>
-            <a:pPr lvl="2"/>
-            <a:r>
-              <a:rPr lang="en-US" sz="2800" dirty="0"/>
-              <a:t>Participants rated their support for an issue before the manipulation, and after the manipulation – social consensus was between subjects, randomly assigned to low or high.</a:t>
-            </a:r>
-          </a:p>
-          <a:p>
-            <a:pPr lvl="2"/>
-            <a:r>
-              <a:rPr lang="en-US" sz="2800" dirty="0"/>
-              <a:t>Measured individual differences: deontological and utilitarian orientation, health literacy, subjective and objective numeracy</a:t>
-            </a:r>
-          </a:p>
-          <a:p>
-            <a:pPr lvl="1"/>
+            <a:pPr marL="274320" lvl="1" indent="0">
+              <a:buNone/>
+            </a:pPr>
             <a:endParaRPr lang="en-US" sz="3000" dirty="0"/>
           </a:p>
           <a:p>
@@ -9889,10 +10292,51 @@
           </a:p>
         </p:txBody>
       </p:sp>
+      <p:pic>
+        <p:nvPicPr>
+          <p:cNvPr id="5" name="Picture 4" descr="A diagram with colored squares&#10;&#10;Description automatically generated">
+            <a:extLst>
+              <a:ext uri="{FF2B5EF4-FFF2-40B4-BE49-F238E27FC236}">
+                <a16:creationId xmlns:a16="http://schemas.microsoft.com/office/drawing/2014/main" id="{902A0F33-3F93-533E-0A2F-2E321E2D5668}"/>
+              </a:ext>
+            </a:extLst>
+          </p:cNvPr>
+          <p:cNvPicPr>
+            <a:picLocks noChangeAspect="1"/>
+          </p:cNvPicPr>
+          <p:nvPr/>
+        </p:nvPicPr>
+        <p:blipFill>
+          <a:blip r:embed="rId3">
+            <a:extLst>
+              <a:ext uri="{28A0092B-C50C-407E-A947-70E740481C1C}">
+                <a14:useLocalDpi xmlns:a14="http://schemas.microsoft.com/office/drawing/2010/main" val="0"/>
+              </a:ext>
+            </a:extLst>
+          </a:blip>
+          <a:srcRect/>
+          <a:stretch>
+            <a:fillRect/>
+          </a:stretch>
+        </p:blipFill>
+        <p:spPr bwMode="auto">
+          <a:xfrm>
+            <a:off x="2360275" y="0"/>
+            <a:ext cx="8578007" cy="6858000"/>
+          </a:xfrm>
+          <a:prstGeom prst="rect">
+            <a:avLst/>
+          </a:prstGeom>
+          <a:noFill/>
+          <a:ln>
+            <a:noFill/>
+          </a:ln>
+        </p:spPr>
+      </p:pic>
     </p:spTree>
     <p:extLst>
       <p:ext uri="{BB962C8B-B14F-4D97-AF65-F5344CB8AC3E}">
-        <p14:creationId xmlns:p14="http://schemas.microsoft.com/office/powerpoint/2010/main" val="1317779947"/>
+        <p14:creationId xmlns:p14="http://schemas.microsoft.com/office/powerpoint/2010/main" val="3851296612"/>
       </p:ext>
     </p:extLst>
   </p:cSld>
@@ -9937,7 +10381,7 @@
         </p:nvSpPr>
         <p:spPr>
           <a:xfrm>
-            <a:off x="139085" y="-580462"/>
+            <a:off x="1261872" y="0"/>
             <a:ext cx="9692640" cy="1325562"/>
           </a:xfrm>
         </p:spPr>
@@ -9947,7 +10391,7 @@
           <a:p>
             <a:r>
               <a:rPr lang="en-US" dirty="0"/>
-              <a:t>Results</a:t>
+              <a:t>Conclusions</a:t>
             </a:r>
           </a:p>
         </p:txBody>
@@ -9976,13 +10420,50 @@
         </p:spPr>
         <p:txBody>
           <a:bodyPr>
-            <a:normAutofit/>
+            <a:normAutofit fontScale="92500" lnSpcReduction="10000"/>
           </a:bodyPr>
           <a:lstStyle/>
           <a:p>
-            <a:pPr marL="274320" lvl="1" indent="0">
-              <a:buNone/>
-            </a:pPr>
+            <a:r>
+              <a:rPr lang="en-US" sz="3600" dirty="0"/>
+              <a:t>Some evidence for effect of moral conviction manipulation on support for [Topic]</a:t>
+            </a:r>
+          </a:p>
+          <a:p>
+            <a:pPr lvl="1"/>
+            <a:r>
+              <a:rPr lang="en-US" sz="2200" dirty="0"/>
+              <a:t>Pragmatic condition had significant interaction with openness to belief change for topic of UHC</a:t>
+            </a:r>
+          </a:p>
+          <a:p>
+            <a:r>
+              <a:rPr lang="en-US" sz="3200" dirty="0"/>
+              <a:t>No main effect found for moral conviction manipulation on level of moral conviction felt</a:t>
+            </a:r>
+          </a:p>
+          <a:p>
+            <a:r>
+              <a:rPr lang="en-US" sz="3200" dirty="0"/>
+              <a:t>Significantly greater baseline openness to belief change for UHC</a:t>
+            </a:r>
+          </a:p>
+          <a:p>
+            <a:r>
+              <a:rPr lang="en-US" sz="3200" dirty="0"/>
+              <a:t>Significantly lower baseline level of moral conviction felt for exercise</a:t>
+            </a:r>
+            <a:endParaRPr lang="en-US" sz="2800" dirty="0"/>
+          </a:p>
+          <a:p>
+            <a:pPr lvl="1"/>
+            <a:endParaRPr lang="en-US" sz="2200" dirty="0"/>
+          </a:p>
+          <a:p>
+            <a:endParaRPr lang="en-US" sz="2200" dirty="0"/>
+          </a:p>
+          <a:p>
+            <a:pPr lvl="1"/>
             <a:endParaRPr lang="en-US" sz="3000" dirty="0"/>
           </a:p>
           <a:p>
@@ -10012,40 +10493,10 @@
           </a:p>
         </p:txBody>
       </p:sp>
-      <p:pic>
-        <p:nvPicPr>
-          <p:cNvPr id="6" name="Picture 5">
-            <a:extLst>
-              <a:ext uri="{FF2B5EF4-FFF2-40B4-BE49-F238E27FC236}">
-                <a16:creationId xmlns:a16="http://schemas.microsoft.com/office/drawing/2014/main" id="{C40BB404-E71B-E6B6-7859-6010EC88B745}"/>
-              </a:ext>
-            </a:extLst>
-          </p:cNvPr>
-          <p:cNvPicPr>
-            <a:picLocks noChangeAspect="1"/>
-          </p:cNvPicPr>
-          <p:nvPr/>
-        </p:nvPicPr>
-        <p:blipFill>
-          <a:blip r:embed="rId3"/>
-          <a:stretch>
-            <a:fillRect/>
-          </a:stretch>
-        </p:blipFill>
-        <p:spPr>
-          <a:xfrm>
-            <a:off x="2360275" y="540562"/>
-            <a:ext cx="7641126" cy="6112900"/>
-          </a:xfrm>
-          <a:prstGeom prst="rect">
-            <a:avLst/>
-          </a:prstGeom>
-        </p:spPr>
-      </p:pic>
     </p:spTree>
     <p:extLst>
       <p:ext uri="{BB962C8B-B14F-4D97-AF65-F5344CB8AC3E}">
-        <p14:creationId xmlns:p14="http://schemas.microsoft.com/office/powerpoint/2010/main" val="91250193"/>
+        <p14:creationId xmlns:p14="http://schemas.microsoft.com/office/powerpoint/2010/main" val="2516184190"/>
       </p:ext>
     </p:extLst>
   </p:cSld>
@@ -10077,7 +10528,7 @@
           <p:cNvPr id="2" name="Title 1">
             <a:extLst>
               <a:ext uri="{FF2B5EF4-FFF2-40B4-BE49-F238E27FC236}">
-                <a16:creationId xmlns:a16="http://schemas.microsoft.com/office/drawing/2014/main" id="{97956EA8-71D0-976B-B830-A12A319D5324}"/>
+                <a16:creationId xmlns:a16="http://schemas.microsoft.com/office/drawing/2014/main" id="{4EECF823-1C90-ED62-D7CF-5A4F1C756700}"/>
               </a:ext>
             </a:extLst>
           </p:cNvPr>
@@ -10085,32 +10536,27 @@
             <a:spLocks noGrp="1"/>
           </p:cNvSpPr>
           <p:nvPr>
-            <p:ph type="title"/>
-          </p:nvPr>
-        </p:nvSpPr>
-        <p:spPr>
-          <a:xfrm>
-            <a:off x="139085" y="-580462"/>
-            <a:ext cx="9692640" cy="1325562"/>
-          </a:xfrm>
-        </p:spPr>
+            <p:ph type="ctrTitle"/>
+          </p:nvPr>
+        </p:nvSpPr>
+        <p:spPr/>
         <p:txBody>
           <a:bodyPr/>
           <a:lstStyle/>
           <a:p>
             <a:r>
               <a:rPr lang="en-US" dirty="0"/>
-              <a:t>Results</a:t>
-            </a:r>
-          </a:p>
-        </p:txBody>
-      </p:sp>
-      <p:sp>
-        <p:nvSpPr>
-          <p:cNvPr id="3" name="Content Placeholder 2">
+              <a:t>Proposed Study 3</a:t>
+            </a:r>
+          </a:p>
+        </p:txBody>
+      </p:sp>
+      <p:sp>
+        <p:nvSpPr>
+          <p:cNvPr id="3" name="Subtitle 2">
             <a:extLst>
               <a:ext uri="{FF2B5EF4-FFF2-40B4-BE49-F238E27FC236}">
-                <a16:creationId xmlns:a16="http://schemas.microsoft.com/office/drawing/2014/main" id="{E57F8794-F05B-4F17-758E-5D3A98F310C7}"/>
+                <a16:creationId xmlns:a16="http://schemas.microsoft.com/office/drawing/2014/main" id="{5D280F2B-933C-94BC-83C8-0BAA7B31F8E6}"/>
               </a:ext>
             </a:extLst>
           </p:cNvPr>
@@ -10118,87 +10564,25 @@
             <a:spLocks noGrp="1"/>
           </p:cNvSpPr>
           <p:nvPr>
-            <p:ph idx="1"/>
-          </p:nvPr>
-        </p:nvSpPr>
-        <p:spPr>
-          <a:xfrm>
-            <a:off x="1261872" y="1491915"/>
-            <a:ext cx="8595360" cy="5029200"/>
-          </a:xfrm>
-        </p:spPr>
-        <p:txBody>
-          <a:bodyPr>
-            <a:normAutofit/>
-          </a:bodyPr>
-          <a:lstStyle/>
-          <a:p>
-            <a:pPr marL="274320" lvl="1" indent="0">
-              <a:buNone/>
-            </a:pPr>
-            <a:endParaRPr lang="en-US" sz="3000" dirty="0"/>
-          </a:p>
-          <a:p>
-            <a:endParaRPr lang="en-US" sz="2400" dirty="0"/>
-          </a:p>
-          <a:p>
-            <a:pPr marL="274320" lvl="1" indent="0">
-              <a:buNone/>
-            </a:pPr>
-            <a:endParaRPr lang="en-US" sz="2600" dirty="0"/>
-          </a:p>
-          <a:p>
-            <a:pPr lvl="1"/>
-            <a:endParaRPr lang="en-US" sz="3000" dirty="0"/>
-          </a:p>
-          <a:p>
-            <a:pPr lvl="1"/>
-            <a:endParaRPr lang="en-US" sz="3000" dirty="0"/>
-          </a:p>
-          <a:p>
-            <a:pPr lvl="1"/>
-            <a:endParaRPr lang="en-US" sz="2800" dirty="0"/>
-          </a:p>
-          <a:p>
-            <a:pPr lvl="1"/>
-            <a:endParaRPr lang="en-US" sz="3000" dirty="0"/>
-          </a:p>
-        </p:txBody>
-      </p:sp>
-      <p:pic>
-        <p:nvPicPr>
-          <p:cNvPr id="5" name="Picture 4">
-            <a:extLst>
-              <a:ext uri="{FF2B5EF4-FFF2-40B4-BE49-F238E27FC236}">
-                <a16:creationId xmlns:a16="http://schemas.microsoft.com/office/drawing/2014/main" id="{6E0D262E-E82E-2D6C-9F3F-CB8C4E8D172C}"/>
-              </a:ext>
-            </a:extLst>
-          </p:cNvPr>
-          <p:cNvPicPr>
-            <a:picLocks noChangeAspect="1"/>
-          </p:cNvPicPr>
-          <p:nvPr/>
-        </p:nvPicPr>
-        <p:blipFill>
-          <a:blip r:embed="rId3"/>
-          <a:stretch>
-            <a:fillRect/>
-          </a:stretch>
-        </p:blipFill>
-        <p:spPr>
-          <a:xfrm>
-            <a:off x="1430314" y="745100"/>
-            <a:ext cx="8780843" cy="6112900"/>
-          </a:xfrm>
-          <a:prstGeom prst="rect">
-            <a:avLst/>
-          </a:prstGeom>
-        </p:spPr>
-      </p:pic>
+            <p:ph type="subTitle" idx="1"/>
+          </p:nvPr>
+        </p:nvSpPr>
+        <p:spPr/>
+        <p:txBody>
+          <a:bodyPr/>
+          <a:lstStyle/>
+          <a:p>
+            <a:r>
+              <a:rPr lang="en-US" dirty="0"/>
+              <a:t>Moral Conviction and Social Memory on Contemporary Issues</a:t>
+            </a:r>
+          </a:p>
+        </p:txBody>
+      </p:sp>
     </p:spTree>
     <p:extLst>
       <p:ext uri="{BB962C8B-B14F-4D97-AF65-F5344CB8AC3E}">
-        <p14:creationId xmlns:p14="http://schemas.microsoft.com/office/powerpoint/2010/main" val="1251989513"/>
+        <p14:creationId xmlns:p14="http://schemas.microsoft.com/office/powerpoint/2010/main" val="3263134932"/>
       </p:ext>
     </p:extLst>
   </p:cSld>
@@ -10243,7 +10627,7 @@
         </p:nvSpPr>
         <p:spPr>
           <a:xfrm>
-            <a:off x="139085" y="-580462"/>
+            <a:off x="1261872" y="0"/>
             <a:ext cx="9692640" cy="1325562"/>
           </a:xfrm>
         </p:spPr>
@@ -10253,7 +10637,7 @@
           <a:p>
             <a:r>
               <a:rPr lang="en-US" dirty="0"/>
-              <a:t>Results</a:t>
+              <a:t>Research Questions</a:t>
             </a:r>
           </a:p>
         </p:txBody>
@@ -10286,9 +10670,28 @@
           </a:bodyPr>
           <a:lstStyle/>
           <a:p>
-            <a:pPr marL="274320" lvl="1" indent="0">
-              <a:buNone/>
-            </a:pPr>
+            <a:r>
+              <a:rPr lang="en-US" sz="3500" dirty="0"/>
+              <a:t>Can we empirically show whether social consensus is:</a:t>
+            </a:r>
+          </a:p>
+          <a:p>
+            <a:pPr lvl="1"/>
+            <a:r>
+              <a:rPr lang="en-US" sz="3300" dirty="0"/>
+              <a:t>More effective under conditions of lower moral conviction</a:t>
+            </a:r>
+          </a:p>
+          <a:p>
+            <a:pPr lvl="1"/>
+            <a:r>
+              <a:rPr lang="en-US" sz="3300" dirty="0"/>
+              <a:t>Less effective under conditions of greater moral conviction</a:t>
+            </a:r>
+            <a:endParaRPr lang="en-US" sz="3500" dirty="0"/>
+          </a:p>
+          <a:p>
+            <a:pPr lvl="1"/>
             <a:endParaRPr lang="en-US" sz="3000" dirty="0"/>
           </a:p>
           <a:p>
@@ -10318,40 +10721,10 @@
           </a:p>
         </p:txBody>
       </p:sp>
-      <p:pic>
-        <p:nvPicPr>
-          <p:cNvPr id="4" name="Picture 3">
-            <a:extLst>
-              <a:ext uri="{FF2B5EF4-FFF2-40B4-BE49-F238E27FC236}">
-                <a16:creationId xmlns:a16="http://schemas.microsoft.com/office/drawing/2014/main" id="{30442081-DC6C-7115-67BC-1A359D4C45CD}"/>
-              </a:ext>
-            </a:extLst>
-          </p:cNvPr>
-          <p:cNvPicPr>
-            <a:picLocks noChangeAspect="1"/>
-          </p:cNvPicPr>
-          <p:nvPr/>
-        </p:nvPicPr>
-        <p:blipFill>
-          <a:blip r:embed="rId3"/>
-          <a:stretch>
-            <a:fillRect/>
-          </a:stretch>
-        </p:blipFill>
-        <p:spPr>
-          <a:xfrm>
-            <a:off x="1170431" y="745100"/>
-            <a:ext cx="8780841" cy="6112899"/>
-          </a:xfrm>
-          <a:prstGeom prst="rect">
-            <a:avLst/>
-          </a:prstGeom>
-        </p:spPr>
-      </p:pic>
     </p:spTree>
     <p:extLst>
       <p:ext uri="{BB962C8B-B14F-4D97-AF65-F5344CB8AC3E}">
-        <p14:creationId xmlns:p14="http://schemas.microsoft.com/office/powerpoint/2010/main" val="3851296612"/>
+        <p14:creationId xmlns:p14="http://schemas.microsoft.com/office/powerpoint/2010/main" val="763111427"/>
       </p:ext>
     </p:extLst>
   </p:cSld>
@@ -10406,7 +10779,7 @@
           <a:p>
             <a:r>
               <a:rPr lang="en-US" dirty="0"/>
-              <a:t>Study 2</a:t>
+              <a:t>Planned Participants</a:t>
             </a:r>
           </a:p>
         </p:txBody>
@@ -10440,29 +10813,58 @@
           <a:lstStyle/>
           <a:p>
             <a:r>
+              <a:rPr lang="en-US" sz="3500" dirty="0"/>
+              <a:t>Psychology 1000 Students (N ~ 210)</a:t>
+            </a:r>
+          </a:p>
+          <a:p>
+            <a:r>
               <a:rPr lang="en-US" sz="3200" dirty="0"/>
-              <a:t>Is the design of the intervention appropriate for our proposed experimental manipulation?</a:t>
+              <a:t>Planned demographic information to collect:</a:t>
             </a:r>
           </a:p>
           <a:p>
             <a:pPr lvl="1"/>
             <a:r>
               <a:rPr lang="en-US" sz="3000" dirty="0"/>
-              <a:t>If so, does the experiment address a significant portion of our research question?</a:t>
-            </a:r>
-          </a:p>
-          <a:p>
-            <a:r>
-              <a:rPr lang="en-US" sz="3200" dirty="0"/>
-              <a:t>Do the hypothesis for Study 2 make intuitive sense?</a:t>
+              <a:t>Political Orientation</a:t>
             </a:r>
           </a:p>
           <a:p>
             <a:pPr lvl="1"/>
             <a:r>
               <a:rPr lang="en-US" sz="3000" dirty="0"/>
-              <a:t>E.g., Do they need to be re-written, or do alternative hypothesis seem more reasonable (and if so, suggestions?)</a:t>
-            </a:r>
+              <a:t>Age</a:t>
+            </a:r>
+          </a:p>
+          <a:p>
+            <a:pPr lvl="1"/>
+            <a:r>
+              <a:rPr lang="en-US" sz="3000" dirty="0"/>
+              <a:t>Year in school</a:t>
+            </a:r>
+          </a:p>
+          <a:p>
+            <a:pPr lvl="1"/>
+            <a:r>
+              <a:rPr lang="en-US" sz="3000" dirty="0"/>
+              <a:t>Preferred Gender Identification</a:t>
+            </a:r>
+          </a:p>
+          <a:p>
+            <a:pPr lvl="1"/>
+            <a:r>
+              <a:rPr lang="en-US" sz="3000" dirty="0"/>
+              <a:t>Self Identified Race</a:t>
+            </a:r>
+          </a:p>
+          <a:p>
+            <a:pPr lvl="2"/>
+            <a:endParaRPr lang="en-US" sz="2000" dirty="0"/>
+          </a:p>
+          <a:p>
+            <a:pPr lvl="1"/>
+            <a:endParaRPr lang="en-US" sz="3000" dirty="0"/>
           </a:p>
           <a:p>
             <a:endParaRPr lang="en-US" sz="2400" dirty="0"/>
@@ -10494,7 +10896,7 @@
     </p:spTree>
     <p:extLst>
       <p:ext uri="{BB962C8B-B14F-4D97-AF65-F5344CB8AC3E}">
-        <p14:creationId xmlns:p14="http://schemas.microsoft.com/office/powerpoint/2010/main" val="3329379885"/>
+        <p14:creationId xmlns:p14="http://schemas.microsoft.com/office/powerpoint/2010/main" val="4135028590"/>
       </p:ext>
     </p:extLst>
   </p:cSld>
@@ -10537,29 +10939,24 @@
             <p:ph type="title"/>
           </p:nvPr>
         </p:nvSpPr>
-        <p:spPr>
-          <a:xfrm>
-            <a:off x="1261872" y="0"/>
-            <a:ext cx="9692640" cy="1325562"/>
-          </a:xfrm>
-        </p:spPr>
+        <p:spPr/>
         <p:txBody>
           <a:bodyPr/>
           <a:lstStyle/>
           <a:p>
             <a:r>
               <a:rPr lang="en-US" dirty="0"/>
-              <a:t>Study 3</a:t>
-            </a:r>
-          </a:p>
-        </p:txBody>
-      </p:sp>
-      <p:sp>
-        <p:nvSpPr>
-          <p:cNvPr id="3" name="Content Placeholder 2">
+              <a:t>Method</a:t>
+            </a:r>
+          </a:p>
+        </p:txBody>
+      </p:sp>
+      <p:sp>
+        <p:nvSpPr>
+          <p:cNvPr id="8" name="Text Placeholder 7">
             <a:extLst>
               <a:ext uri="{FF2B5EF4-FFF2-40B4-BE49-F238E27FC236}">
-                <a16:creationId xmlns:a16="http://schemas.microsoft.com/office/drawing/2014/main" id="{E57F8794-F05B-4F17-758E-5D3A98F310C7}"/>
+                <a16:creationId xmlns:a16="http://schemas.microsoft.com/office/drawing/2014/main" id="{5A5A4D62-9125-FA69-2B3A-933C0B64B531}"/>
               </a:ext>
             </a:extLst>
           </p:cNvPr>
@@ -10567,70 +10964,130 @@
             <a:spLocks noGrp="1"/>
           </p:cNvSpPr>
           <p:nvPr>
-            <p:ph idx="1"/>
+            <p:ph type="body" idx="1"/>
           </p:nvPr>
         </p:nvSpPr>
         <p:spPr>
           <a:xfrm>
-            <a:off x="1261872" y="1491915"/>
-            <a:ext cx="8595360" cy="5029200"/>
+            <a:off x="721627" y="1713655"/>
+            <a:ext cx="5020805" cy="865652"/>
           </a:xfrm>
         </p:spPr>
         <p:txBody>
-          <a:bodyPr>
-            <a:normAutofit/>
-          </a:bodyPr>
-          <a:lstStyle/>
-          <a:p>
-            <a:r>
-              <a:rPr lang="en-US" sz="3200" dirty="0"/>
-              <a:t>Do we make a reasonable case for the empirical need to examine the joint effect of moral conviction and social consensus, on the novel topic of UHC?</a:t>
-            </a:r>
-          </a:p>
-          <a:p>
-            <a:r>
-              <a:rPr lang="en-US" sz="3200" dirty="0"/>
-              <a:t>Are these hypothesis reasonable extensions of the work done in Study 1 and 2.</a:t>
-            </a:r>
-          </a:p>
-          <a:p>
-            <a:pPr lvl="1"/>
-            <a:r>
-              <a:rPr lang="en-US" sz="2800" dirty="0"/>
-              <a:t>Furthermore, does this interaction feel like it still is addressing the original research question?</a:t>
-            </a:r>
-          </a:p>
-          <a:p>
-            <a:endParaRPr lang="en-US" sz="2400" dirty="0"/>
-          </a:p>
-          <a:p>
-            <a:pPr marL="274320" lvl="1" indent="0">
-              <a:buNone/>
-            </a:pPr>
-            <a:endParaRPr lang="en-US" sz="2600" dirty="0"/>
-          </a:p>
-          <a:p>
-            <a:pPr lvl="1"/>
-            <a:endParaRPr lang="en-US" sz="3000" dirty="0"/>
-          </a:p>
-          <a:p>
-            <a:pPr lvl="1"/>
-            <a:endParaRPr lang="en-US" sz="3000" dirty="0"/>
-          </a:p>
-          <a:p>
-            <a:pPr lvl="1"/>
-            <a:endParaRPr lang="en-US" sz="2800" dirty="0"/>
-          </a:p>
-          <a:p>
-            <a:pPr lvl="1"/>
-            <a:endParaRPr lang="en-US" sz="3000" dirty="0"/>
-          </a:p>
-        </p:txBody>
-      </p:sp>
+          <a:bodyPr/>
+          <a:lstStyle/>
+          <a:p>
+            <a:r>
+              <a:rPr lang="en-US" dirty="0"/>
+              <a:t>Moral Responsibility condition	</a:t>
+            </a:r>
+          </a:p>
+        </p:txBody>
+      </p:sp>
+      <p:sp>
+        <p:nvSpPr>
+          <p:cNvPr id="10" name="Text Placeholder 9">
+            <a:extLst>
+              <a:ext uri="{FF2B5EF4-FFF2-40B4-BE49-F238E27FC236}">
+                <a16:creationId xmlns:a16="http://schemas.microsoft.com/office/drawing/2014/main" id="{5C0713C9-17C9-223B-E3CA-A7729084D319}"/>
+              </a:ext>
+            </a:extLst>
+          </p:cNvPr>
+          <p:cNvSpPr>
+            <a:spLocks noGrp="1"/>
+          </p:cNvSpPr>
+          <p:nvPr>
+            <p:ph type="body" sz="quarter" idx="3"/>
+          </p:nvPr>
+        </p:nvSpPr>
+        <p:spPr>
+          <a:xfrm>
+            <a:off x="5861780" y="1689590"/>
+            <a:ext cx="4827323" cy="872201"/>
+          </a:xfrm>
+        </p:spPr>
+        <p:txBody>
+          <a:bodyPr/>
+          <a:lstStyle/>
+          <a:p>
+            <a:r>
+              <a:rPr lang="en-US" dirty="0"/>
+              <a:t>Pragmatic condition</a:t>
+            </a:r>
+          </a:p>
+        </p:txBody>
+      </p:sp>
+      <p:pic>
+        <p:nvPicPr>
+          <p:cNvPr id="12" name="Content Placeholder 11">
+            <a:extLst>
+              <a:ext uri="{FF2B5EF4-FFF2-40B4-BE49-F238E27FC236}">
+                <a16:creationId xmlns:a16="http://schemas.microsoft.com/office/drawing/2014/main" id="{868297F9-9264-3416-1865-7927F7A2428C}"/>
+              </a:ext>
+            </a:extLst>
+          </p:cNvPr>
+          <p:cNvPicPr>
+            <a:picLocks noGrp="1" noChangeAspect="1"/>
+          </p:cNvPicPr>
+          <p:nvPr>
+            <p:ph sz="half" idx="2"/>
+          </p:nvPr>
+        </p:nvPicPr>
+        <p:blipFill rotWithShape="1">
+          <a:blip r:embed="rId3">
+            <a:extLst>
+              <a:ext uri="{28A0092B-C50C-407E-A947-70E740481C1C}">
+                <a14:useLocalDpi xmlns:a14="http://schemas.microsoft.com/office/drawing/2010/main" val="0"/>
+              </a:ext>
+            </a:extLst>
+          </a:blip>
+          <a:srcRect t="1996" b="1996"/>
+          <a:stretch/>
+        </p:blipFill>
+        <p:spPr>
+          <a:xfrm>
+            <a:off x="440621" y="2938187"/>
+            <a:ext cx="5301368" cy="3318234"/>
+          </a:xfrm>
+          <a:prstGeom prst="rect">
+            <a:avLst/>
+          </a:prstGeom>
+        </p:spPr>
+      </p:pic>
+      <p:pic>
+        <p:nvPicPr>
+          <p:cNvPr id="6" name="Picture 5">
+            <a:extLst>
+              <a:ext uri="{FF2B5EF4-FFF2-40B4-BE49-F238E27FC236}">
+                <a16:creationId xmlns:a16="http://schemas.microsoft.com/office/drawing/2014/main" id="{5DB65BDF-0505-8014-455C-FD45D5FA2AA6}"/>
+              </a:ext>
+            </a:extLst>
+          </p:cNvPr>
+          <p:cNvPicPr>
+            <a:picLocks noChangeAspect="1"/>
+          </p:cNvPicPr>
+          <p:nvPr/>
+        </p:nvPicPr>
+        <p:blipFill>
+          <a:blip r:embed="rId4"/>
+          <a:stretch>
+            <a:fillRect/>
+          </a:stretch>
+        </p:blipFill>
+        <p:spPr>
+          <a:xfrm>
+            <a:off x="5717925" y="2938187"/>
+            <a:ext cx="5579727" cy="2966818"/>
+          </a:xfrm>
+          <a:prstGeom prst="rect">
+            <a:avLst/>
+          </a:prstGeom>
+        </p:spPr>
+      </p:pic>
     </p:spTree>
     <p:extLst>
       <p:ext uri="{BB962C8B-B14F-4D97-AF65-F5344CB8AC3E}">
-        <p14:creationId xmlns:p14="http://schemas.microsoft.com/office/powerpoint/2010/main" val="8848018"/>
+        <p14:creationId xmlns:p14="http://schemas.microsoft.com/office/powerpoint/2010/main" val="4259884617"/>
       </p:ext>
     </p:extLst>
   </p:cSld>
@@ -10673,9 +11130,193 @@
             <p:ph type="title"/>
           </p:nvPr>
         </p:nvSpPr>
+        <p:spPr/>
+        <p:txBody>
+          <a:bodyPr/>
+          <a:lstStyle/>
+          <a:p>
+            <a:r>
+              <a:rPr lang="en-US" dirty="0"/>
+              <a:t>Method</a:t>
+            </a:r>
+          </a:p>
+        </p:txBody>
+      </p:sp>
+      <p:sp>
+        <p:nvSpPr>
+          <p:cNvPr id="8" name="Text Placeholder 7">
+            <a:extLst>
+              <a:ext uri="{FF2B5EF4-FFF2-40B4-BE49-F238E27FC236}">
+                <a16:creationId xmlns:a16="http://schemas.microsoft.com/office/drawing/2014/main" id="{5A5A4D62-9125-FA69-2B3A-933C0B64B531}"/>
+              </a:ext>
+            </a:extLst>
+          </p:cNvPr>
+          <p:cNvSpPr>
+            <a:spLocks noGrp="1"/>
+          </p:cNvSpPr>
+          <p:nvPr>
+            <p:ph type="body" idx="1"/>
+          </p:nvPr>
+        </p:nvSpPr>
         <p:spPr>
           <a:xfrm>
-            <a:off x="1261872" y="0"/>
+            <a:off x="721627" y="1713655"/>
+            <a:ext cx="5020805" cy="865652"/>
+          </a:xfrm>
+        </p:spPr>
+        <p:txBody>
+          <a:bodyPr/>
+          <a:lstStyle/>
+          <a:p>
+            <a:r>
+              <a:rPr lang="en-US" dirty="0"/>
+              <a:t>Moral Responsibility condition	</a:t>
+            </a:r>
+          </a:p>
+        </p:txBody>
+      </p:sp>
+      <p:sp>
+        <p:nvSpPr>
+          <p:cNvPr id="10" name="Text Placeholder 9">
+            <a:extLst>
+              <a:ext uri="{FF2B5EF4-FFF2-40B4-BE49-F238E27FC236}">
+                <a16:creationId xmlns:a16="http://schemas.microsoft.com/office/drawing/2014/main" id="{5C0713C9-17C9-223B-E3CA-A7729084D319}"/>
+              </a:ext>
+            </a:extLst>
+          </p:cNvPr>
+          <p:cNvSpPr>
+            <a:spLocks noGrp="1"/>
+          </p:cNvSpPr>
+          <p:nvPr>
+            <p:ph type="body" sz="quarter" idx="3"/>
+          </p:nvPr>
+        </p:nvSpPr>
+        <p:spPr>
+          <a:xfrm>
+            <a:off x="5861780" y="1689590"/>
+            <a:ext cx="4827323" cy="872201"/>
+          </a:xfrm>
+        </p:spPr>
+        <p:txBody>
+          <a:bodyPr/>
+          <a:lstStyle/>
+          <a:p>
+            <a:r>
+              <a:rPr lang="en-US" dirty="0"/>
+              <a:t>Pragmatic condition</a:t>
+            </a:r>
+          </a:p>
+        </p:txBody>
+      </p:sp>
+      <p:pic>
+        <p:nvPicPr>
+          <p:cNvPr id="7" name="Picture 6">
+            <a:extLst>
+              <a:ext uri="{FF2B5EF4-FFF2-40B4-BE49-F238E27FC236}">
+                <a16:creationId xmlns:a16="http://schemas.microsoft.com/office/drawing/2014/main" id="{A3CE5867-2EDD-8B08-6142-824E5B018AF9}"/>
+              </a:ext>
+            </a:extLst>
+          </p:cNvPr>
+          <p:cNvPicPr>
+            <a:picLocks noChangeAspect="1"/>
+          </p:cNvPicPr>
+          <p:nvPr/>
+        </p:nvPicPr>
+        <p:blipFill>
+          <a:blip r:embed="rId3"/>
+          <a:stretch>
+            <a:fillRect/>
+          </a:stretch>
+        </p:blipFill>
+        <p:spPr>
+          <a:xfrm>
+            <a:off x="350965" y="2709586"/>
+            <a:ext cx="5066614" cy="4148414"/>
+          </a:xfrm>
+          <a:prstGeom prst="rect">
+            <a:avLst/>
+          </a:prstGeom>
+        </p:spPr>
+      </p:pic>
+      <p:pic>
+        <p:nvPicPr>
+          <p:cNvPr id="11" name="Picture 10">
+            <a:extLst>
+              <a:ext uri="{FF2B5EF4-FFF2-40B4-BE49-F238E27FC236}">
+                <a16:creationId xmlns:a16="http://schemas.microsoft.com/office/drawing/2014/main" id="{A45E9F77-E6BB-A5FD-9AA2-46FD99334F4C}"/>
+              </a:ext>
+            </a:extLst>
+          </p:cNvPr>
+          <p:cNvPicPr>
+            <a:picLocks noChangeAspect="1"/>
+          </p:cNvPicPr>
+          <p:nvPr/>
+        </p:nvPicPr>
+        <p:blipFill>
+          <a:blip r:embed="rId4"/>
+          <a:stretch>
+            <a:fillRect/>
+          </a:stretch>
+        </p:blipFill>
+        <p:spPr>
+          <a:xfrm>
+            <a:off x="5606716" y="2579306"/>
+            <a:ext cx="4912820" cy="4278693"/>
+          </a:xfrm>
+          <a:prstGeom prst="rect">
+            <a:avLst/>
+          </a:prstGeom>
+        </p:spPr>
+      </p:pic>
+    </p:spTree>
+    <p:extLst>
+      <p:ext uri="{BB962C8B-B14F-4D97-AF65-F5344CB8AC3E}">
+        <p14:creationId xmlns:p14="http://schemas.microsoft.com/office/powerpoint/2010/main" val="2384323690"/>
+      </p:ext>
+    </p:extLst>
+  </p:cSld>
+  <p:clrMapOvr>
+    <a:masterClrMapping/>
+  </p:clrMapOvr>
+</p:sld>
+</file>
+
+<file path=ppt/slides/slide38.xml><?xml version="1.0" encoding="utf-8"?>
+<p:sld xmlns:a="http://schemas.openxmlformats.org/drawingml/2006/main" xmlns:r="http://schemas.openxmlformats.org/officeDocument/2006/relationships" xmlns:p="http://schemas.openxmlformats.org/presentationml/2006/main">
+  <p:cSld>
+    <p:spTree>
+      <p:nvGrpSpPr>
+        <p:cNvPr id="1" name=""/>
+        <p:cNvGrpSpPr/>
+        <p:nvPr/>
+      </p:nvGrpSpPr>
+      <p:grpSpPr>
+        <a:xfrm>
+          <a:off x="0" y="0"/>
+          <a:ext cx="0" cy="0"/>
+          <a:chOff x="0" y="0"/>
+          <a:chExt cx="0" cy="0"/>
+        </a:xfrm>
+      </p:grpSpPr>
+      <p:sp>
+        <p:nvSpPr>
+          <p:cNvPr id="2" name="Title 1">
+            <a:extLst>
+              <a:ext uri="{FF2B5EF4-FFF2-40B4-BE49-F238E27FC236}">
+                <a16:creationId xmlns:a16="http://schemas.microsoft.com/office/drawing/2014/main" id="{97956EA8-71D0-976B-B830-A12A319D5324}"/>
+              </a:ext>
+            </a:extLst>
+          </p:cNvPr>
+          <p:cNvSpPr>
+            <a:spLocks noGrp="1"/>
+          </p:cNvSpPr>
+          <p:nvPr>
+            <p:ph type="title"/>
+          </p:nvPr>
+        </p:nvSpPr>
+        <p:spPr>
+          <a:xfrm>
+            <a:off x="672325" y="0"/>
             <a:ext cx="9692640" cy="1325562"/>
           </a:xfrm>
         </p:spPr>
@@ -10685,95 +11326,148 @@
           <a:p>
             <a:r>
               <a:rPr lang="en-US" dirty="0"/>
-              <a:t>Results/Discussion</a:t>
-            </a:r>
-          </a:p>
-        </p:txBody>
-      </p:sp>
-      <p:sp>
-        <p:nvSpPr>
-          <p:cNvPr id="3" name="Content Placeholder 2">
+              <a:t>Outcomes</a:t>
+            </a:r>
+          </a:p>
+        </p:txBody>
+      </p:sp>
+      <p:pic>
+        <p:nvPicPr>
+          <p:cNvPr id="11" name="Picture 10">
             <a:extLst>
               <a:ext uri="{FF2B5EF4-FFF2-40B4-BE49-F238E27FC236}">
-                <a16:creationId xmlns:a16="http://schemas.microsoft.com/office/drawing/2014/main" id="{E57F8794-F05B-4F17-758E-5D3A98F310C7}"/>
+                <a16:creationId xmlns:a16="http://schemas.microsoft.com/office/drawing/2014/main" id="{DBB7970E-7D93-FB6E-1E86-B45634875A18}"/>
               </a:ext>
             </a:extLst>
           </p:cNvPr>
-          <p:cNvSpPr>
-            <a:spLocks noGrp="1"/>
-          </p:cNvSpPr>
-          <p:nvPr>
-            <p:ph idx="1"/>
-          </p:nvPr>
-        </p:nvSpPr>
+          <p:cNvPicPr>
+            <a:picLocks noChangeAspect="1"/>
+          </p:cNvPicPr>
+          <p:nvPr/>
+        </p:nvPicPr>
+        <p:blipFill>
+          <a:blip r:embed="rId3">
+            <a:extLst>
+              <a:ext uri="{28A0092B-C50C-407E-A947-70E740481C1C}">
+                <a14:useLocalDpi xmlns:a14="http://schemas.microsoft.com/office/drawing/2010/main" val="0"/>
+              </a:ext>
+            </a:extLst>
+          </a:blip>
+          <a:srcRect/>
+          <a:stretch/>
+        </p:blipFill>
         <p:spPr>
           <a:xfrm>
-            <a:off x="1261872" y="1491915"/>
-            <a:ext cx="8595360" cy="5029200"/>
+            <a:off x="3368631" y="0"/>
+            <a:ext cx="5454736" cy="6858000"/>
           </a:xfrm>
+          <a:prstGeom prst="rect">
+            <a:avLst/>
+          </a:prstGeom>
         </p:spPr>
-        <p:txBody>
-          <a:bodyPr>
-            <a:normAutofit/>
-          </a:bodyPr>
-          <a:lstStyle/>
-          <a:p>
-            <a:r>
-              <a:rPr lang="en-US" sz="3200" dirty="0"/>
-              <a:t>What type of general structure would you want to see for the results?</a:t>
-            </a:r>
-          </a:p>
-          <a:p>
-            <a:pPr lvl="1"/>
-            <a:r>
-              <a:rPr lang="en-US" sz="3000" dirty="0"/>
-              <a:t>Specific requests for data visualization?</a:t>
-            </a:r>
-          </a:p>
-          <a:p>
-            <a:r>
-              <a:rPr lang="en-US" sz="3200" dirty="0"/>
-              <a:t>What concepts and extensions would you want expanded on in the discussion?</a:t>
-            </a:r>
-          </a:p>
-          <a:p>
-            <a:r>
-              <a:rPr lang="en-US" sz="3200" dirty="0"/>
-              <a:t>What kinds of limitations are appropriate to address for this study?</a:t>
-            </a:r>
-            <a:endParaRPr lang="en-US" sz="2800" dirty="0"/>
-          </a:p>
-          <a:p>
-            <a:endParaRPr lang="en-US" sz="2400" dirty="0"/>
-          </a:p>
-          <a:p>
-            <a:pPr marL="274320" lvl="1" indent="0">
-              <a:buNone/>
-            </a:pPr>
-            <a:endParaRPr lang="en-US" sz="2600" dirty="0"/>
-          </a:p>
-          <a:p>
-            <a:pPr lvl="1"/>
-            <a:endParaRPr lang="en-US" sz="3000" dirty="0"/>
-          </a:p>
-          <a:p>
-            <a:pPr lvl="1"/>
-            <a:endParaRPr lang="en-US" sz="3000" dirty="0"/>
-          </a:p>
-          <a:p>
-            <a:pPr lvl="1"/>
-            <a:endParaRPr lang="en-US" sz="2800" dirty="0"/>
-          </a:p>
-          <a:p>
-            <a:pPr lvl="1"/>
-            <a:endParaRPr lang="en-US" sz="3000" dirty="0"/>
-          </a:p>
-        </p:txBody>
-      </p:sp>
+      </p:pic>
     </p:spTree>
     <p:extLst>
       <p:ext uri="{BB962C8B-B14F-4D97-AF65-F5344CB8AC3E}">
-        <p14:creationId xmlns:p14="http://schemas.microsoft.com/office/powerpoint/2010/main" val="319719551"/>
+        <p14:creationId xmlns:p14="http://schemas.microsoft.com/office/powerpoint/2010/main" val="3421308269"/>
+      </p:ext>
+    </p:extLst>
+  </p:cSld>
+  <p:clrMapOvr>
+    <a:masterClrMapping/>
+  </p:clrMapOvr>
+</p:sld>
+</file>
+
+<file path=ppt/slides/slide39.xml><?xml version="1.0" encoding="utf-8"?>
+<p:sld xmlns:a="http://schemas.openxmlformats.org/drawingml/2006/main" xmlns:r="http://schemas.openxmlformats.org/officeDocument/2006/relationships" xmlns:p="http://schemas.openxmlformats.org/presentationml/2006/main">
+  <p:cSld>
+    <p:spTree>
+      <p:nvGrpSpPr>
+        <p:cNvPr id="1" name=""/>
+        <p:cNvGrpSpPr/>
+        <p:nvPr/>
+      </p:nvGrpSpPr>
+      <p:grpSpPr>
+        <a:xfrm>
+          <a:off x="0" y="0"/>
+          <a:ext cx="0" cy="0"/>
+          <a:chOff x="0" y="0"/>
+          <a:chExt cx="0" cy="0"/>
+        </a:xfrm>
+      </p:grpSpPr>
+      <p:sp>
+        <p:nvSpPr>
+          <p:cNvPr id="2" name="Title 1">
+            <a:extLst>
+              <a:ext uri="{FF2B5EF4-FFF2-40B4-BE49-F238E27FC236}">
+                <a16:creationId xmlns:a16="http://schemas.microsoft.com/office/drawing/2014/main" id="{97956EA8-71D0-976B-B830-A12A319D5324}"/>
+              </a:ext>
+            </a:extLst>
+          </p:cNvPr>
+          <p:cNvSpPr>
+            <a:spLocks noGrp="1"/>
+          </p:cNvSpPr>
+          <p:nvPr>
+            <p:ph type="title"/>
+          </p:nvPr>
+        </p:nvSpPr>
+        <p:spPr>
+          <a:xfrm>
+            <a:off x="768578" y="0"/>
+            <a:ext cx="9692640" cy="1325562"/>
+          </a:xfrm>
+        </p:spPr>
+        <p:txBody>
+          <a:bodyPr/>
+          <a:lstStyle/>
+          <a:p>
+            <a:r>
+              <a:rPr lang="en-US" dirty="0"/>
+              <a:t>Outcomes</a:t>
+            </a:r>
+          </a:p>
+        </p:txBody>
+      </p:sp>
+      <p:pic>
+        <p:nvPicPr>
+          <p:cNvPr id="11" name="Picture 10">
+            <a:extLst>
+              <a:ext uri="{FF2B5EF4-FFF2-40B4-BE49-F238E27FC236}">
+                <a16:creationId xmlns:a16="http://schemas.microsoft.com/office/drawing/2014/main" id="{DBB7970E-7D93-FB6E-1E86-B45634875A18}"/>
+              </a:ext>
+            </a:extLst>
+          </p:cNvPr>
+          <p:cNvPicPr>
+            <a:picLocks noChangeAspect="1"/>
+          </p:cNvPicPr>
+          <p:nvPr/>
+        </p:nvPicPr>
+        <p:blipFill>
+          <a:blip r:embed="rId3">
+            <a:extLst>
+              <a:ext uri="{28A0092B-C50C-407E-A947-70E740481C1C}">
+                <a14:useLocalDpi xmlns:a14="http://schemas.microsoft.com/office/drawing/2010/main" val="0"/>
+              </a:ext>
+            </a:extLst>
+          </a:blip>
+          <a:srcRect/>
+          <a:stretch/>
+        </p:blipFill>
+        <p:spPr>
+          <a:xfrm>
+            <a:off x="3368631" y="74293"/>
+            <a:ext cx="5643022" cy="6585924"/>
+          </a:xfrm>
+          <a:prstGeom prst="rect">
+            <a:avLst/>
+          </a:prstGeom>
+        </p:spPr>
+      </p:pic>
+    </p:spTree>
+    <p:extLst>
+      <p:ext uri="{BB962C8B-B14F-4D97-AF65-F5344CB8AC3E}">
+        <p14:creationId xmlns:p14="http://schemas.microsoft.com/office/powerpoint/2010/main" val="3555363460"/>
       </p:ext>
     </p:extLst>
   </p:cSld>
@@ -10853,6 +11547,395 @@
     <p:extLst>
       <p:ext uri="{BB962C8B-B14F-4D97-AF65-F5344CB8AC3E}">
         <p14:creationId xmlns:p14="http://schemas.microsoft.com/office/powerpoint/2010/main" val="2363025579"/>
+      </p:ext>
+    </p:extLst>
+  </p:cSld>
+  <p:clrMapOvr>
+    <a:masterClrMapping/>
+  </p:clrMapOvr>
+</p:sld>
+</file>
+
+<file path=ppt/slides/slide40.xml><?xml version="1.0" encoding="utf-8"?>
+<p:sld xmlns:a="http://schemas.openxmlformats.org/drawingml/2006/main" xmlns:r="http://schemas.openxmlformats.org/officeDocument/2006/relationships" xmlns:p="http://schemas.openxmlformats.org/presentationml/2006/main">
+  <p:cSld>
+    <p:spTree>
+      <p:nvGrpSpPr>
+        <p:cNvPr id="1" name=""/>
+        <p:cNvGrpSpPr/>
+        <p:nvPr/>
+      </p:nvGrpSpPr>
+      <p:grpSpPr>
+        <a:xfrm>
+          <a:off x="0" y="0"/>
+          <a:ext cx="0" cy="0"/>
+          <a:chOff x="0" y="0"/>
+          <a:chExt cx="0" cy="0"/>
+        </a:xfrm>
+      </p:grpSpPr>
+      <p:sp>
+        <p:nvSpPr>
+          <p:cNvPr id="2" name="Title 1">
+            <a:extLst>
+              <a:ext uri="{FF2B5EF4-FFF2-40B4-BE49-F238E27FC236}">
+                <a16:creationId xmlns:a16="http://schemas.microsoft.com/office/drawing/2014/main" id="{97956EA8-71D0-976B-B830-A12A319D5324}"/>
+              </a:ext>
+            </a:extLst>
+          </p:cNvPr>
+          <p:cNvSpPr>
+            <a:spLocks noGrp="1"/>
+          </p:cNvSpPr>
+          <p:nvPr>
+            <p:ph type="title"/>
+          </p:nvPr>
+        </p:nvSpPr>
+        <p:spPr>
+          <a:xfrm>
+            <a:off x="1261872" y="0"/>
+            <a:ext cx="9692640" cy="1325562"/>
+          </a:xfrm>
+        </p:spPr>
+        <p:txBody>
+          <a:bodyPr/>
+          <a:lstStyle/>
+          <a:p>
+            <a:r>
+              <a:rPr lang="en-US" dirty="0"/>
+              <a:t>Study Design</a:t>
+            </a:r>
+          </a:p>
+        </p:txBody>
+      </p:sp>
+      <p:sp>
+        <p:nvSpPr>
+          <p:cNvPr id="3" name="Content Placeholder 2">
+            <a:extLst>
+              <a:ext uri="{FF2B5EF4-FFF2-40B4-BE49-F238E27FC236}">
+                <a16:creationId xmlns:a16="http://schemas.microsoft.com/office/drawing/2014/main" id="{E57F8794-F05B-4F17-758E-5D3A98F310C7}"/>
+              </a:ext>
+            </a:extLst>
+          </p:cNvPr>
+          <p:cNvSpPr>
+            <a:spLocks noGrp="1"/>
+          </p:cNvSpPr>
+          <p:nvPr>
+            <p:ph idx="1"/>
+          </p:nvPr>
+        </p:nvSpPr>
+        <p:spPr>
+          <a:xfrm>
+            <a:off x="1261872" y="1491915"/>
+            <a:ext cx="8595360" cy="5029200"/>
+          </a:xfrm>
+        </p:spPr>
+        <p:txBody>
+          <a:bodyPr>
+            <a:normAutofit fontScale="92500" lnSpcReduction="10000"/>
+          </a:bodyPr>
+          <a:lstStyle/>
+          <a:p>
+            <a:r>
+              <a:rPr lang="en-US" sz="3500" dirty="0"/>
+              <a:t>Repeated measures design</a:t>
+            </a:r>
+          </a:p>
+          <a:p>
+            <a:pPr lvl="1"/>
+            <a:r>
+              <a:rPr lang="en-US" sz="3000" dirty="0"/>
+              <a:t>3 Independent Variables:</a:t>
+            </a:r>
+          </a:p>
+          <a:p>
+            <a:pPr lvl="2"/>
+            <a:r>
+              <a:rPr lang="en-US" sz="2800" u="sng" dirty="0">
+                <a:solidFill>
+                  <a:srgbClr val="00B050"/>
+                </a:solidFill>
+              </a:rPr>
+              <a:t>Time:</a:t>
+            </a:r>
+            <a:r>
+              <a:rPr lang="en-US" sz="2800" dirty="0">
+                <a:solidFill>
+                  <a:srgbClr val="00B050"/>
+                </a:solidFill>
+              </a:rPr>
+              <a:t> Before or after dual manipulations</a:t>
+            </a:r>
+          </a:p>
+          <a:p>
+            <a:pPr lvl="2"/>
+            <a:r>
+              <a:rPr lang="en-US" sz="2800" u="sng" dirty="0">
+                <a:solidFill>
+                  <a:srgbClr val="FF0000"/>
+                </a:solidFill>
+              </a:rPr>
+              <a:t>Moral Conviction: </a:t>
+            </a:r>
+            <a:r>
+              <a:rPr lang="en-US" sz="2800" dirty="0">
+                <a:solidFill>
+                  <a:srgbClr val="FF0000"/>
+                </a:solidFill>
+              </a:rPr>
+              <a:t> Moral Responsibility or Pragmatic</a:t>
+            </a:r>
+          </a:p>
+          <a:p>
+            <a:pPr lvl="2"/>
+            <a:r>
+              <a:rPr lang="en-US" sz="2800" u="sng" dirty="0">
+                <a:solidFill>
+                  <a:srgbClr val="0070C0"/>
+                </a:solidFill>
+              </a:rPr>
+              <a:t>Social Consensus:</a:t>
+            </a:r>
+            <a:r>
+              <a:rPr lang="en-US" sz="2800" dirty="0">
+                <a:solidFill>
+                  <a:srgbClr val="0070C0"/>
+                </a:solidFill>
+              </a:rPr>
+              <a:t> Low (-20%) or High (+20%)</a:t>
+            </a:r>
+          </a:p>
+          <a:p>
+            <a:pPr lvl="1"/>
+            <a:r>
+              <a:rPr lang="en-US" sz="3000" dirty="0">
+                <a:solidFill>
+                  <a:srgbClr val="00B050"/>
+                </a:solidFill>
+              </a:rPr>
+              <a:t>2</a:t>
+            </a:r>
+            <a:r>
+              <a:rPr lang="en-US" sz="3000" dirty="0"/>
+              <a:t> x </a:t>
+            </a:r>
+            <a:r>
+              <a:rPr lang="en-US" sz="3000" dirty="0">
+                <a:solidFill>
+                  <a:srgbClr val="FF0000"/>
+                </a:solidFill>
+              </a:rPr>
+              <a:t>2</a:t>
+            </a:r>
+            <a:r>
+              <a:rPr lang="en-US" sz="3000" dirty="0"/>
+              <a:t> x </a:t>
+            </a:r>
+            <a:r>
+              <a:rPr lang="en-US" sz="3000" dirty="0">
+                <a:solidFill>
+                  <a:srgbClr val="0070C0"/>
+                </a:solidFill>
+              </a:rPr>
+              <a:t>2</a:t>
+            </a:r>
+            <a:r>
+              <a:rPr lang="en-US" sz="3000" dirty="0"/>
+              <a:t> design</a:t>
+            </a:r>
+          </a:p>
+          <a:p>
+            <a:pPr lvl="2"/>
+            <a:r>
+              <a:rPr lang="en-US" sz="2800" dirty="0"/>
+              <a:t>Participants will measure their support and moral conviction before and after receiving both manipulations</a:t>
+            </a:r>
+          </a:p>
+          <a:p>
+            <a:pPr lvl="2"/>
+            <a:r>
+              <a:rPr lang="en-US" sz="2800" dirty="0"/>
+              <a:t>Individual differences: Deontological and Utilitarian orientation, Numeracy, Health Literacy</a:t>
+            </a:r>
+          </a:p>
+          <a:p>
+            <a:pPr lvl="1"/>
+            <a:endParaRPr lang="en-US" sz="3000" dirty="0"/>
+          </a:p>
+          <a:p>
+            <a:endParaRPr lang="en-US" sz="2400" dirty="0"/>
+          </a:p>
+          <a:p>
+            <a:pPr marL="274320" lvl="1" indent="0">
+              <a:buNone/>
+            </a:pPr>
+            <a:endParaRPr lang="en-US" sz="2600" dirty="0"/>
+          </a:p>
+          <a:p>
+            <a:pPr lvl="1"/>
+            <a:endParaRPr lang="en-US" sz="3000" dirty="0"/>
+          </a:p>
+          <a:p>
+            <a:pPr lvl="1"/>
+            <a:endParaRPr lang="en-US" sz="3000" dirty="0"/>
+          </a:p>
+          <a:p>
+            <a:pPr lvl="1"/>
+            <a:endParaRPr lang="en-US" sz="2800" dirty="0"/>
+          </a:p>
+          <a:p>
+            <a:pPr lvl="1"/>
+            <a:endParaRPr lang="en-US" sz="3000" dirty="0"/>
+          </a:p>
+        </p:txBody>
+      </p:sp>
+    </p:spTree>
+    <p:extLst>
+      <p:ext uri="{BB962C8B-B14F-4D97-AF65-F5344CB8AC3E}">
+        <p14:creationId xmlns:p14="http://schemas.microsoft.com/office/powerpoint/2010/main" val="1780273655"/>
+      </p:ext>
+    </p:extLst>
+  </p:cSld>
+  <p:clrMapOvr>
+    <a:masterClrMapping/>
+  </p:clrMapOvr>
+</p:sld>
+</file>
+
+<file path=ppt/slides/slide41.xml><?xml version="1.0" encoding="utf-8"?>
+<p:sld xmlns:a="http://schemas.openxmlformats.org/drawingml/2006/main" xmlns:r="http://schemas.openxmlformats.org/officeDocument/2006/relationships" xmlns:p="http://schemas.openxmlformats.org/presentationml/2006/main">
+  <p:cSld>
+    <p:spTree>
+      <p:nvGrpSpPr>
+        <p:cNvPr id="1" name=""/>
+        <p:cNvGrpSpPr/>
+        <p:nvPr/>
+      </p:nvGrpSpPr>
+      <p:grpSpPr>
+        <a:xfrm>
+          <a:off x="0" y="0"/>
+          <a:ext cx="0" cy="0"/>
+          <a:chOff x="0" y="0"/>
+          <a:chExt cx="0" cy="0"/>
+        </a:xfrm>
+      </p:grpSpPr>
+      <p:sp>
+        <p:nvSpPr>
+          <p:cNvPr id="2" name="Title 1">
+            <a:extLst>
+              <a:ext uri="{FF2B5EF4-FFF2-40B4-BE49-F238E27FC236}">
+                <a16:creationId xmlns:a16="http://schemas.microsoft.com/office/drawing/2014/main" id="{97956EA8-71D0-976B-B830-A12A319D5324}"/>
+              </a:ext>
+            </a:extLst>
+          </p:cNvPr>
+          <p:cNvSpPr>
+            <a:spLocks noGrp="1"/>
+          </p:cNvSpPr>
+          <p:nvPr>
+            <p:ph type="title"/>
+          </p:nvPr>
+        </p:nvSpPr>
+        <p:spPr>
+          <a:xfrm>
+            <a:off x="1261872" y="0"/>
+            <a:ext cx="9692640" cy="1325562"/>
+          </a:xfrm>
+        </p:spPr>
+        <p:txBody>
+          <a:bodyPr/>
+          <a:lstStyle/>
+          <a:p>
+            <a:r>
+              <a:rPr lang="en-US" dirty="0"/>
+              <a:t>Future Considerations</a:t>
+            </a:r>
+          </a:p>
+        </p:txBody>
+      </p:sp>
+      <p:sp>
+        <p:nvSpPr>
+          <p:cNvPr id="3" name="Content Placeholder 2">
+            <a:extLst>
+              <a:ext uri="{FF2B5EF4-FFF2-40B4-BE49-F238E27FC236}">
+                <a16:creationId xmlns:a16="http://schemas.microsoft.com/office/drawing/2014/main" id="{E57F8794-F05B-4F17-758E-5D3A98F310C7}"/>
+              </a:ext>
+            </a:extLst>
+          </p:cNvPr>
+          <p:cNvSpPr>
+            <a:spLocks noGrp="1"/>
+          </p:cNvSpPr>
+          <p:nvPr>
+            <p:ph idx="1"/>
+          </p:nvPr>
+        </p:nvSpPr>
+        <p:spPr>
+          <a:xfrm>
+            <a:off x="1261872" y="1491915"/>
+            <a:ext cx="8595360" cy="5029200"/>
+          </a:xfrm>
+        </p:spPr>
+        <p:txBody>
+          <a:bodyPr>
+            <a:normAutofit/>
+          </a:bodyPr>
+          <a:lstStyle/>
+          <a:p>
+            <a:pPr lvl="1"/>
+            <a:r>
+              <a:rPr lang="en-US" sz="3000" dirty="0"/>
+              <a:t>Significant changes/additions needed for introduction/literature review?</a:t>
+            </a:r>
+          </a:p>
+          <a:p>
+            <a:pPr lvl="1"/>
+            <a:r>
+              <a:rPr lang="en-US" sz="3000" dirty="0"/>
+              <a:t>How to proceed to study 3 given some mixed evidence on our moral conviction manipulation (no main effect, but interaction with openness to belief change)</a:t>
+            </a:r>
+          </a:p>
+          <a:p>
+            <a:pPr lvl="2"/>
+            <a:r>
+              <a:rPr lang="en-US" sz="2800" dirty="0"/>
+              <a:t>Could change to a ‘disgust’ manipulation as a mechanism to increase moral conviction (cannot be used to decrease moral conviction)</a:t>
+            </a:r>
+          </a:p>
+          <a:p>
+            <a:pPr lvl="1"/>
+            <a:r>
+              <a:rPr lang="en-US" sz="3000" dirty="0"/>
+              <a:t>Is it a good idea to have the two topics in study 3 vary in baseline moral conviction?</a:t>
+            </a:r>
+          </a:p>
+          <a:p>
+            <a:endParaRPr lang="en-US" sz="2400" dirty="0"/>
+          </a:p>
+          <a:p>
+            <a:pPr marL="274320" lvl="1" indent="0">
+              <a:buNone/>
+            </a:pPr>
+            <a:endParaRPr lang="en-US" sz="2600" dirty="0"/>
+          </a:p>
+          <a:p>
+            <a:pPr lvl="1"/>
+            <a:endParaRPr lang="en-US" sz="3000" dirty="0"/>
+          </a:p>
+          <a:p>
+            <a:pPr lvl="1"/>
+            <a:endParaRPr lang="en-US" sz="3000" dirty="0"/>
+          </a:p>
+          <a:p>
+            <a:pPr lvl="1"/>
+            <a:endParaRPr lang="en-US" sz="2800" dirty="0"/>
+          </a:p>
+          <a:p>
+            <a:pPr lvl="1"/>
+            <a:endParaRPr lang="en-US" sz="3000" dirty="0"/>
+          </a:p>
+        </p:txBody>
+      </p:sp>
+    </p:spTree>
+    <p:extLst>
+      <p:ext uri="{BB962C8B-B14F-4D97-AF65-F5344CB8AC3E}">
+        <p14:creationId xmlns:p14="http://schemas.microsoft.com/office/powerpoint/2010/main" val="3330247415"/>
       </p:ext>
     </p:extLst>
   </p:cSld>
@@ -11220,7 +12303,7 @@
           <a:p>
             <a:r>
               <a:rPr lang="en-US" dirty="0"/>
-              <a:t>Participants</a:t>
+              <a:t>Research Questions</a:t>
             </a:r>
           </a:p>
         </p:txBody>
@@ -11249,119 +12332,26 @@
         </p:spPr>
         <p:txBody>
           <a:bodyPr>
-            <a:normAutofit fontScale="92500" lnSpcReduction="20000"/>
+            <a:normAutofit/>
           </a:bodyPr>
           <a:lstStyle/>
           <a:p>
             <a:r>
               <a:rPr lang="en-US" sz="3500" dirty="0"/>
-              <a:t>Psychology 1000 Students (N = 505)</a:t>
-            </a:r>
-          </a:p>
-          <a:p>
-            <a:pPr lvl="1"/>
-            <a:r>
-              <a:rPr lang="en-US" sz="3000" dirty="0"/>
-              <a:t>Age M (SD): 18.9</a:t>
-            </a:r>
-            <a:r>
-              <a:rPr lang="en-US" sz="3000" i="1" dirty="0"/>
-              <a:t> </a:t>
-            </a:r>
-            <a:r>
-              <a:rPr lang="en-US" sz="3000" dirty="0"/>
-              <a:t>(1.99)</a:t>
-            </a:r>
-          </a:p>
-          <a:p>
-            <a:pPr lvl="1"/>
-            <a:r>
-              <a:rPr lang="en-US" sz="3000" dirty="0"/>
-              <a:t>Preferred gender identity</a:t>
-            </a:r>
-          </a:p>
-          <a:p>
-            <a:pPr lvl="2"/>
-            <a:r>
-              <a:rPr lang="en-US" sz="2000" dirty="0"/>
-              <a:t>Female – 63.6%</a:t>
-            </a:r>
-          </a:p>
-          <a:p>
-            <a:pPr lvl="2"/>
-            <a:r>
-              <a:rPr lang="en-US" sz="2000" dirty="0"/>
-              <a:t>Male – 33.5%</a:t>
-            </a:r>
-          </a:p>
-          <a:p>
-            <a:pPr lvl="2"/>
-            <a:r>
-              <a:rPr lang="en-US" sz="2000" dirty="0"/>
-              <a:t>Gender Variant or Nonconforming – 1.4% </a:t>
-            </a:r>
-          </a:p>
-          <a:p>
-            <a:pPr lvl="2"/>
-            <a:r>
-              <a:rPr lang="en-US" sz="2000" dirty="0"/>
-              <a:t>Prefer not to say – 1.6%</a:t>
-            </a:r>
-          </a:p>
-          <a:p>
-            <a:pPr lvl="1"/>
-            <a:r>
-              <a:rPr lang="en-US" sz="3000" dirty="0"/>
-              <a:t>Self-Identified race</a:t>
-            </a:r>
-          </a:p>
-          <a:p>
-            <a:pPr lvl="2"/>
-            <a:r>
-              <a:rPr lang="en-US" sz="2200" dirty="0"/>
-              <a:t>White – 77%</a:t>
-            </a:r>
-          </a:p>
-          <a:p>
-            <a:pPr lvl="2"/>
-            <a:r>
-              <a:rPr lang="en-US" sz="2200" dirty="0"/>
-              <a:t>Black – 5.3% </a:t>
-            </a:r>
-          </a:p>
-          <a:p>
-            <a:pPr lvl="2"/>
-            <a:r>
-              <a:rPr lang="en-US" sz="2200" dirty="0"/>
-              <a:t>Hispanic – 6.7% </a:t>
-            </a:r>
-          </a:p>
-          <a:p>
-            <a:pPr lvl="2"/>
-            <a:r>
-              <a:rPr lang="en-US" sz="2200" dirty="0"/>
-              <a:t>Asian – 5.1% </a:t>
-            </a:r>
-          </a:p>
-          <a:p>
-            <a:pPr lvl="2"/>
-            <a:r>
-              <a:rPr lang="en-US" sz="2200" dirty="0"/>
-              <a:t>Native American – 0.39%</a:t>
-            </a:r>
-          </a:p>
-          <a:p>
-            <a:pPr lvl="2"/>
-            <a:r>
-              <a:rPr lang="en-US" sz="2200" dirty="0"/>
-              <a:t>Other – 2.4%</a:t>
-            </a:r>
-          </a:p>
-          <a:p>
-            <a:pPr lvl="2"/>
-            <a:r>
-              <a:rPr lang="en-US" sz="2200" dirty="0"/>
-              <a:t>Prefer not to say – 1.6%</a:t>
+              <a:t>Does this manipulation work well in changing social consensus?</a:t>
+            </a:r>
+            <a:endParaRPr lang="en-US" sz="2200" dirty="0"/>
+          </a:p>
+          <a:p>
+            <a:r>
+              <a:rPr lang="en-US" sz="3500" dirty="0"/>
+              <a:t>How much does social consensus manipulation affect support for a variety of polarized beliefs?</a:t>
+            </a:r>
+          </a:p>
+          <a:p>
+            <a:r>
+              <a:rPr lang="en-US" sz="3500" dirty="0"/>
+              <a:t>Do individual differences in deontology/utilitarianism affect belief change?</a:t>
             </a:r>
           </a:p>
           <a:p>
@@ -11398,7 +12388,7 @@
     </p:spTree>
     <p:extLst>
       <p:ext uri="{BB962C8B-B14F-4D97-AF65-F5344CB8AC3E}">
-        <p14:creationId xmlns:p14="http://schemas.microsoft.com/office/powerpoint/2010/main" val="2184496025"/>
+        <p14:creationId xmlns:p14="http://schemas.microsoft.com/office/powerpoint/2010/main" val="2034715776"/>
       </p:ext>
     </p:extLst>
   </p:cSld>
@@ -11453,45 +12443,185 @@
           <a:p>
             <a:r>
               <a:rPr lang="en-US" dirty="0"/>
-              <a:t>Method</a:t>
-            </a:r>
-          </a:p>
-        </p:txBody>
-      </p:sp>
-      <p:pic>
-        <p:nvPicPr>
-          <p:cNvPr id="11" name="Picture 10">
+              <a:t>Participants</a:t>
+            </a:r>
+          </a:p>
+        </p:txBody>
+      </p:sp>
+      <p:sp>
+        <p:nvSpPr>
+          <p:cNvPr id="3" name="Content Placeholder 2">
             <a:extLst>
               <a:ext uri="{FF2B5EF4-FFF2-40B4-BE49-F238E27FC236}">
-                <a16:creationId xmlns:a16="http://schemas.microsoft.com/office/drawing/2014/main" id="{DBB7970E-7D93-FB6E-1E86-B45634875A18}"/>
+                <a16:creationId xmlns:a16="http://schemas.microsoft.com/office/drawing/2014/main" id="{E57F8794-F05B-4F17-758E-5D3A98F310C7}"/>
               </a:ext>
             </a:extLst>
           </p:cNvPr>
-          <p:cNvPicPr>
-            <a:picLocks noChangeAspect="1"/>
-          </p:cNvPicPr>
-          <p:nvPr/>
-        </p:nvPicPr>
-        <p:blipFill>
-          <a:blip r:embed="rId3"/>
-          <a:stretch>
-            <a:fillRect/>
-          </a:stretch>
-        </p:blipFill>
+          <p:cNvSpPr>
+            <a:spLocks noGrp="1"/>
+          </p:cNvSpPr>
+          <p:nvPr>
+            <p:ph idx="1"/>
+          </p:nvPr>
+        </p:nvSpPr>
         <p:spPr>
           <a:xfrm>
-            <a:off x="3353511" y="0"/>
-            <a:ext cx="5484977" cy="6858000"/>
+            <a:off x="1261872" y="1491915"/>
+            <a:ext cx="8595360" cy="5029200"/>
           </a:xfrm>
-          <a:prstGeom prst="rect">
-            <a:avLst/>
-          </a:prstGeom>
         </p:spPr>
-      </p:pic>
+        <p:txBody>
+          <a:bodyPr>
+            <a:normAutofit fontScale="92500" lnSpcReduction="20000"/>
+          </a:bodyPr>
+          <a:lstStyle/>
+          <a:p>
+            <a:r>
+              <a:rPr lang="en-US" sz="3500" dirty="0"/>
+              <a:t>Psychology 1000 Students (N = 505)</a:t>
+            </a:r>
+          </a:p>
+          <a:p>
+            <a:pPr lvl="1"/>
+            <a:r>
+              <a:rPr lang="en-US" sz="3000" dirty="0"/>
+              <a:t>Age M (SD): 18.9</a:t>
+            </a:r>
+            <a:r>
+              <a:rPr lang="en-US" sz="3000" i="1" dirty="0"/>
+              <a:t> </a:t>
+            </a:r>
+            <a:r>
+              <a:rPr lang="en-US" sz="3000" dirty="0"/>
+              <a:t>(1.99)</a:t>
+            </a:r>
+          </a:p>
+          <a:p>
+            <a:pPr lvl="1"/>
+            <a:r>
+              <a:rPr lang="en-US" sz="3000" dirty="0"/>
+              <a:t>Preferred gender identity</a:t>
+            </a:r>
+          </a:p>
+          <a:p>
+            <a:pPr lvl="2"/>
+            <a:r>
+              <a:rPr lang="en-US" sz="2000" dirty="0"/>
+              <a:t>Female – 63.6%</a:t>
+            </a:r>
+          </a:p>
+          <a:p>
+            <a:pPr lvl="2"/>
+            <a:r>
+              <a:rPr lang="en-US" sz="2000" dirty="0"/>
+              <a:t>Male – 33.5%</a:t>
+            </a:r>
+          </a:p>
+          <a:p>
+            <a:pPr lvl="2"/>
+            <a:r>
+              <a:rPr lang="en-US" sz="2000" dirty="0"/>
+              <a:t>Gender Variant or Nonconforming – 1.4% </a:t>
+            </a:r>
+          </a:p>
+          <a:p>
+            <a:pPr lvl="2"/>
+            <a:r>
+              <a:rPr lang="en-US" sz="2000" dirty="0"/>
+              <a:t>Prefer not to say – 1.6%</a:t>
+            </a:r>
+          </a:p>
+          <a:p>
+            <a:pPr lvl="1"/>
+            <a:r>
+              <a:rPr lang="en-US" sz="3000" dirty="0"/>
+              <a:t>Self-Identified race</a:t>
+            </a:r>
+          </a:p>
+          <a:p>
+            <a:pPr lvl="2"/>
+            <a:r>
+              <a:rPr lang="en-US" sz="2200" dirty="0"/>
+              <a:t>White – 77%</a:t>
+            </a:r>
+          </a:p>
+          <a:p>
+            <a:pPr lvl="2"/>
+            <a:r>
+              <a:rPr lang="en-US" sz="2200" dirty="0"/>
+              <a:t>Black – 5.3% </a:t>
+            </a:r>
+          </a:p>
+          <a:p>
+            <a:pPr lvl="2"/>
+            <a:r>
+              <a:rPr lang="en-US" sz="2200" dirty="0"/>
+              <a:t>Hispanic – 6.7% </a:t>
+            </a:r>
+          </a:p>
+          <a:p>
+            <a:pPr lvl="2"/>
+            <a:r>
+              <a:rPr lang="en-US" sz="2200" dirty="0"/>
+              <a:t>Asian – 5.1% </a:t>
+            </a:r>
+          </a:p>
+          <a:p>
+            <a:pPr lvl="2"/>
+            <a:r>
+              <a:rPr lang="en-US" sz="2200" dirty="0"/>
+              <a:t>Native American – 0.39%</a:t>
+            </a:r>
+          </a:p>
+          <a:p>
+            <a:pPr lvl="2"/>
+            <a:r>
+              <a:rPr lang="en-US" sz="2200" dirty="0"/>
+              <a:t>Other – 2.4%</a:t>
+            </a:r>
+          </a:p>
+          <a:p>
+            <a:pPr lvl="2"/>
+            <a:r>
+              <a:rPr lang="en-US" sz="2200" dirty="0"/>
+              <a:t>Prefer not to say – 1.6%</a:t>
+            </a:r>
+          </a:p>
+          <a:p>
+            <a:pPr lvl="1"/>
+            <a:endParaRPr lang="en-US" sz="3000" dirty="0"/>
+          </a:p>
+          <a:p>
+            <a:endParaRPr lang="en-US" sz="2400" dirty="0"/>
+          </a:p>
+          <a:p>
+            <a:pPr marL="274320" lvl="1" indent="0">
+              <a:buNone/>
+            </a:pPr>
+            <a:endParaRPr lang="en-US" sz="2600" dirty="0"/>
+          </a:p>
+          <a:p>
+            <a:pPr lvl="1"/>
+            <a:endParaRPr lang="en-US" sz="3000" dirty="0"/>
+          </a:p>
+          <a:p>
+            <a:pPr lvl="1"/>
+            <a:endParaRPr lang="en-US" sz="3000" dirty="0"/>
+          </a:p>
+          <a:p>
+            <a:pPr lvl="1"/>
+            <a:endParaRPr lang="en-US" sz="2800" dirty="0"/>
+          </a:p>
+          <a:p>
+            <a:pPr lvl="1"/>
+            <a:endParaRPr lang="en-US" sz="3000" dirty="0"/>
+          </a:p>
+        </p:txBody>
+      </p:sp>
     </p:spTree>
     <p:extLst>
       <p:ext uri="{BB962C8B-B14F-4D97-AF65-F5344CB8AC3E}">
-        <p14:creationId xmlns:p14="http://schemas.microsoft.com/office/powerpoint/2010/main" val="675776602"/>
+        <p14:creationId xmlns:p14="http://schemas.microsoft.com/office/powerpoint/2010/main" val="2184496025"/>
       </p:ext>
     </p:extLst>
   </p:cSld>
